--- a/WellPhone poster design.pptx
+++ b/WellPhone poster design.pptx
@@ -1,11 +1,14 @@
 
 <file path=ppt/presentation.xml><?xml version="1.0" encoding="utf-8"?>
-<p:presentation xmlns:a="http://schemas.openxmlformats.org/drawingml/2006/main" xmlns:r="http://schemas.openxmlformats.org/officeDocument/2006/relationships" xmlns:p="http://schemas.openxmlformats.org/presentationml/2006/main" saveSubsetFonts="1" autoCompressPictures="0">
+<p:presentation xmlns:a="http://schemas.openxmlformats.org/drawingml/2006/main" xmlns:r="http://schemas.openxmlformats.org/officeDocument/2006/relationships" xmlns:p="http://schemas.openxmlformats.org/presentationml/2006/main">
   <p:sldMasterIdLst>
     <p:sldMasterId id="2147483648" r:id="rId1"/>
   </p:sldMasterIdLst>
+  <p:notesMasterIdLst>
+    <p:notesMasterId r:id="rId2"/>
+  </p:notesMasterIdLst>
   <p:sldIdLst>
-    <p:sldId id="256" r:id="rId2"/>
+    <p:sldId id="256" r:id="rId3"/>
   </p:sldIdLst>
   <p:sldSz cx="12192000" cy="6858000"/>
   <p:notesSz cx="6858000" cy="9144000"/>
@@ -107,6 +110,458 @@
 </p:presentation>
 </file>
 
+<file path=ppt/notesMasters/notesMaster1.xml><?xml version="1.0" encoding="utf-8"?>
+<p:notesMaster xmlns:a="http://schemas.openxmlformats.org/drawingml/2006/main" xmlns:r="http://schemas.openxmlformats.org/officeDocument/2006/relationships" xmlns:p="http://schemas.openxmlformats.org/presentationml/2006/main">
+  <p:cSld>
+    <p:bg>
+      <p:bgRef idx="1001">
+        <a:schemeClr val="bg1"/>
+      </p:bgRef>
+    </p:bg>
+    <p:spTree>
+      <p:nvGrpSpPr>
+        <p:cNvPr id="1" name=""/>
+        <p:cNvGrpSpPr/>
+        <p:nvPr/>
+      </p:nvGrpSpPr>
+      <p:grpSpPr>
+        <a:xfrm>
+          <a:off x="0" y="0"/>
+          <a:ext cx="0" cy="0"/>
+          <a:chOff x="0" y="0"/>
+          <a:chExt cx="0" cy="0"/>
+        </a:xfrm>
+      </p:grpSpPr>
+      <p:sp>
+        <p:nvSpPr>
+          <p:cNvPr id="2" name="Header Placeholder 1"/>
+          <p:cNvSpPr>
+            <a:spLocks noGrp="1" noEditPoints="1"/>
+          </p:cNvSpPr>
+          <p:nvPr>
+            <p:ph type="hdr" sz="quarter"/>
+          </p:nvPr>
+        </p:nvSpPr>
+        <p:spPr>
+          <a:xfrm>
+            <a:off x="0" y="0"/>
+            <a:ext cx="2971800" cy="457200"/>
+          </a:xfrm>
+          <a:prstGeom prst="rect">
+            <a:avLst/>
+          </a:prstGeom>
+        </p:spPr>
+        <p:txBody>
+          <a:bodyPr vert="horz" lIns="91440" tIns="45720" rIns="91440" bIns="45720" rtlCol="0"/>
+          <a:lstStyle>
+            <a:lvl1pPr algn="l">
+              <a:defRPr sz="1200"/>
+            </a:lvl1pPr>
+          </a:lstStyle>
+          <a:p/>
+          <a:p>
+            <a:endParaRPr lang="en-US"/>
+          </a:p>
+        </p:txBody>
+      </p:sp>
+      <p:sp>
+        <p:nvSpPr>
+          <p:cNvPr id="3" name="Date Placeholder 2"/>
+          <p:cNvSpPr>
+            <a:spLocks noGrp="1" noEditPoints="1"/>
+          </p:cNvSpPr>
+          <p:nvPr>
+            <p:ph type="dt" idx="1"/>
+          </p:nvPr>
+        </p:nvSpPr>
+        <p:spPr>
+          <a:xfrm>
+            <a:off x="3884613" y="0"/>
+            <a:ext cx="2971800" cy="457200"/>
+          </a:xfrm>
+          <a:prstGeom prst="rect">
+            <a:avLst/>
+          </a:prstGeom>
+        </p:spPr>
+        <p:txBody>
+          <a:bodyPr vert="horz" lIns="91440" tIns="45720" rIns="91440" bIns="45720" rtlCol="0"/>
+          <a:lstStyle>
+            <a:lvl1pPr algn="r">
+              <a:defRPr sz="1200"/>
+            </a:lvl1pPr>
+          </a:lstStyle>
+          <a:p/>
+          <a:p>
+            <a:r>
+              <a:rPr lang="en-US" smtClean="0"/>
+              <a:t>*</a:t>
+            </a:r>
+            <a:endParaRPr lang="en-US"/>
+          </a:p>
+        </p:txBody>
+      </p:sp>
+      <p:sp>
+        <p:nvSpPr>
+          <p:cNvPr id="4" name="Slide Image Placeholder 3"/>
+          <p:cNvSpPr>
+            <a:spLocks noGrp="1" noRot="1" noChangeAspect="1" noEditPoints="1"/>
+          </p:cNvSpPr>
+          <p:nvPr>
+            <p:ph type="sldImg" idx="2"/>
+          </p:nvPr>
+        </p:nvSpPr>
+        <p:spPr>
+          <a:xfrm>
+            <a:off x="1143000" y="685800"/>
+            <a:ext cx="4572000" cy="3429000"/>
+          </a:xfrm>
+          <a:prstGeom prst="rect">
+            <a:avLst/>
+          </a:prstGeom>
+          <a:noFill/>
+          <a:ln w="12700">
+            <a:solidFill>
+              <a:prstClr val="black"/>
+            </a:solidFill>
+          </a:ln>
+        </p:spPr>
+        <p:txBody>
+          <a:bodyPr vert="horz" lIns="91440" tIns="45720" rIns="91440" bIns="45720" rtlCol="0" anchor="ctr"/>
+          <a:lstStyle/>
+          <a:p/>
+          <a:p>
+            <a:endParaRPr lang="en-US"/>
+          </a:p>
+        </p:txBody>
+      </p:sp>
+      <p:sp>
+        <p:nvSpPr>
+          <p:cNvPr id="5" name="Notes Placeholder 4"/>
+          <p:cNvSpPr>
+            <a:spLocks noGrp="1" noEditPoints="1"/>
+          </p:cNvSpPr>
+          <p:nvPr>
+            <p:ph type="body" sz="quarter" idx="3"/>
+          </p:nvPr>
+        </p:nvSpPr>
+        <p:spPr>
+          <a:xfrm>
+            <a:off x="685800" y="4343400"/>
+            <a:ext cx="5486400" cy="4114800"/>
+          </a:xfrm>
+          <a:prstGeom prst="rect">
+            <a:avLst/>
+          </a:prstGeom>
+        </p:spPr>
+        <p:txBody>
+          <a:bodyPr vert="horz" lIns="91440" tIns="45720" rIns="91440" bIns="45720" rtlCol="0"/>
+          <a:lstStyle/>
+          <a:p>
+            <a:pPr lvl="0"/>
+          </a:p>
+          <a:p>
+            <a:pPr lvl="0"/>
+            <a:r>
+              <a:rPr lang="en-US"/>
+              <a:t>Click to edit Master text styles</a:t>
+            </a:r>
+          </a:p>
+          <a:p>
+            <a:pPr lvl="1"/>
+            <a:r>
+              <a:rPr lang="en-US"/>
+              <a:t>Second level</a:t>
+            </a:r>
+          </a:p>
+          <a:p>
+            <a:pPr lvl="2"/>
+            <a:r>
+              <a:rPr lang="en-US"/>
+              <a:t>Third level</a:t>
+            </a:r>
+          </a:p>
+          <a:p>
+            <a:pPr lvl="3"/>
+            <a:r>
+              <a:rPr lang="en-US"/>
+              <a:t>Fourth level</a:t>
+            </a:r>
+          </a:p>
+          <a:p>
+            <a:pPr lvl="4"/>
+            <a:r>
+              <a:rPr lang="en-US"/>
+              <a:t>Fifth level</a:t>
+            </a:r>
+          </a:p>
+        </p:txBody>
+      </p:sp>
+      <p:sp>
+        <p:nvSpPr>
+          <p:cNvPr id="6" name="Footer Placeholder 5"/>
+          <p:cNvSpPr>
+            <a:spLocks noGrp="1" noEditPoints="1"/>
+          </p:cNvSpPr>
+          <p:nvPr>
+            <p:ph type="ftr" sz="quarter" idx="4"/>
+          </p:nvPr>
+        </p:nvSpPr>
+        <p:spPr>
+          <a:xfrm>
+            <a:off x="0" y="8685213"/>
+            <a:ext cx="2971800" cy="457200"/>
+          </a:xfrm>
+          <a:prstGeom prst="rect">
+            <a:avLst/>
+          </a:prstGeom>
+        </p:spPr>
+        <p:txBody>
+          <a:bodyPr vert="horz" lIns="91440" tIns="45720" rIns="91440" bIns="45720" rtlCol="0" anchor="b"/>
+          <a:lstStyle>
+            <a:lvl1pPr algn="l">
+              <a:defRPr sz="1200"/>
+            </a:lvl1pPr>
+          </a:lstStyle>
+          <a:p/>
+          <a:p>
+            <a:endParaRPr lang="en-US"/>
+          </a:p>
+        </p:txBody>
+      </p:sp>
+      <p:sp>
+        <p:nvSpPr>
+          <p:cNvPr id="7" name="Slide Number Placeholder 6"/>
+          <p:cNvSpPr>
+            <a:spLocks noGrp="1" noEditPoints="1"/>
+          </p:cNvSpPr>
+          <p:nvPr>
+            <p:ph type="sldNum" sz="quarter" idx="5"/>
+          </p:nvPr>
+        </p:nvSpPr>
+        <p:spPr>
+          <a:xfrm>
+            <a:off x="3884613" y="8685213"/>
+            <a:ext cx="2971800" cy="457200"/>
+          </a:xfrm>
+          <a:prstGeom prst="rect">
+            <a:avLst/>
+          </a:prstGeom>
+        </p:spPr>
+        <p:txBody>
+          <a:bodyPr vert="horz" lIns="91440" tIns="45720" rIns="91440" bIns="45720" rtlCol="0" anchor="b"/>
+          <a:lstStyle>
+            <a:lvl1pPr algn="r">
+              <a:defRPr sz="1200"/>
+            </a:lvl1pPr>
+          </a:lstStyle>
+          <a:p/>
+          <a:p>
+            <a:r>
+              <a:rPr lang="en-US" smtClean="0"/>
+              <a:t>#</a:t>
+            </a:r>
+            <a:endParaRPr lang="en-US"/>
+          </a:p>
+        </p:txBody>
+      </p:sp>
+    </p:spTree>
+  </p:cSld>
+  <p:clrMap bg1="lt1" tx1="dk1" bg2="lt2" tx2="dk2" accent1="accent1" accent2="accent2" accent3="accent3" accent4="accent4" accent5="accent5" accent6="accent6" hlink="hlink" folHlink="folHlink"/>
+  <p:notesStyle>
+    <a:lvl1pPr marL="0" algn="l" defTabSz="914400" rtl="0" eaLnBrk="1" latinLnBrk="0" hangingPunct="1">
+      <a:defRPr sz="1200" kern="1200">
+        <a:solidFill>
+          <a:schemeClr val="tx1"/>
+        </a:solidFill>
+        <a:latin typeface="+mn-lt"/>
+        <a:ea typeface="+mn-ea"/>
+        <a:cs typeface="+mn-cs"/>
+      </a:defRPr>
+    </a:lvl1pPr>
+    <a:lvl2pPr marL="457200" algn="l" defTabSz="914400" rtl="0" eaLnBrk="1" latinLnBrk="0" hangingPunct="1">
+      <a:defRPr sz="1200" kern="1200">
+        <a:solidFill>
+          <a:schemeClr val="tx1"/>
+        </a:solidFill>
+        <a:latin typeface="+mn-lt"/>
+        <a:ea typeface="+mn-ea"/>
+        <a:cs typeface="+mn-cs"/>
+      </a:defRPr>
+    </a:lvl2pPr>
+    <a:lvl3pPr marL="914400" algn="l" defTabSz="914400" rtl="0" eaLnBrk="1" latinLnBrk="0" hangingPunct="1">
+      <a:defRPr sz="1200" kern="1200">
+        <a:solidFill>
+          <a:schemeClr val="tx1"/>
+        </a:solidFill>
+        <a:latin typeface="+mn-lt"/>
+        <a:ea typeface="+mn-ea"/>
+        <a:cs typeface="+mn-cs"/>
+      </a:defRPr>
+    </a:lvl3pPr>
+    <a:lvl4pPr marL="1371600" algn="l" defTabSz="914400" rtl="0" eaLnBrk="1" latinLnBrk="0" hangingPunct="1">
+      <a:defRPr sz="1200" kern="1200">
+        <a:solidFill>
+          <a:schemeClr val="tx1"/>
+        </a:solidFill>
+        <a:latin typeface="+mn-lt"/>
+        <a:ea typeface="+mn-ea"/>
+        <a:cs typeface="+mn-cs"/>
+      </a:defRPr>
+    </a:lvl4pPr>
+    <a:lvl5pPr marL="1828800" algn="l" defTabSz="914400" rtl="0" eaLnBrk="1" latinLnBrk="0" hangingPunct="1">
+      <a:defRPr sz="1200" kern="1200">
+        <a:solidFill>
+          <a:schemeClr val="tx1"/>
+        </a:solidFill>
+        <a:latin typeface="+mn-lt"/>
+        <a:ea typeface="+mn-ea"/>
+        <a:cs typeface="+mn-cs"/>
+      </a:defRPr>
+    </a:lvl5pPr>
+    <a:lvl6pPr marL="2286000" algn="l" defTabSz="914400" rtl="0" eaLnBrk="1" latinLnBrk="0" hangingPunct="1">
+      <a:defRPr sz="1200" kern="1200">
+        <a:solidFill>
+          <a:schemeClr val="tx1"/>
+        </a:solidFill>
+        <a:latin typeface="+mn-lt"/>
+        <a:ea typeface="+mn-ea"/>
+        <a:cs typeface="+mn-cs"/>
+      </a:defRPr>
+    </a:lvl6pPr>
+    <a:lvl7pPr marL="2743200" algn="l" defTabSz="914400" rtl="0" eaLnBrk="1" latinLnBrk="0" hangingPunct="1">
+      <a:defRPr sz="1200" kern="1200">
+        <a:solidFill>
+          <a:schemeClr val="tx1"/>
+        </a:solidFill>
+        <a:latin typeface="+mn-lt"/>
+        <a:ea typeface="+mn-ea"/>
+        <a:cs typeface="+mn-cs"/>
+      </a:defRPr>
+    </a:lvl7pPr>
+    <a:lvl8pPr marL="3200400" algn="l" defTabSz="914400" rtl="0" eaLnBrk="1" latinLnBrk="0" hangingPunct="1">
+      <a:defRPr sz="1200" kern="1200">
+        <a:solidFill>
+          <a:schemeClr val="tx1"/>
+        </a:solidFill>
+        <a:latin typeface="+mn-lt"/>
+        <a:ea typeface="+mn-ea"/>
+        <a:cs typeface="+mn-cs"/>
+      </a:defRPr>
+    </a:lvl8pPr>
+    <a:lvl9pPr marL="3657600" algn="l" defTabSz="914400" rtl="0" eaLnBrk="1" latinLnBrk="0" hangingPunct="1">
+      <a:defRPr sz="1200" kern="1200">
+        <a:solidFill>
+          <a:schemeClr val="tx1"/>
+        </a:solidFill>
+        <a:latin typeface="+mn-lt"/>
+        <a:ea typeface="+mn-ea"/>
+        <a:cs typeface="+mn-cs"/>
+      </a:defRPr>
+    </a:lvl9pPr>
+  </p:notesStyle>
+</p:notesMaster>
+</file>
+
+<file path=ppt/notesSlides/notesSlide1.xml><?xml version="1.0" encoding="utf-8"?>
+<p:notes xmlns:a="http://schemas.openxmlformats.org/drawingml/2006/main" xmlns:r="http://schemas.openxmlformats.org/officeDocument/2006/relationships" xmlns:p="http://schemas.openxmlformats.org/presentationml/2006/main">
+  <p:cSld>
+    <p:spTree>
+      <p:nvGrpSpPr>
+        <p:cNvPr id="1" name=""/>
+        <p:cNvGrpSpPr/>
+        <p:nvPr/>
+      </p:nvGrpSpPr>
+      <p:grpSpPr>
+        <a:xfrm>
+          <a:off x="0" y="0"/>
+          <a:ext cx="0" cy="0"/>
+          <a:chOff x="0" y="0"/>
+          <a:chExt cx="0" cy="0"/>
+        </a:xfrm>
+      </p:grpSpPr>
+      <p:sp>
+        <p:nvSpPr>
+          <p:cNvPr id="2" name="Slide Image Placeholder 1"/>
+          <p:cNvSpPr>
+            <a:spLocks noGrp="1" noRot="1" noChangeAspect="1" noEditPoints="1"/>
+          </p:cNvSpPr>
+          <p:nvPr>
+            <p:ph type="sldImg"/>
+          </p:nvPr>
+        </p:nvSpPr>
+        <p:spPr>
+          <a:xfrm>
+            <a:off x="381000" y="685800"/>
+            <a:ext cx="6096000" cy="3429000"/>
+          </a:xfrm>
+          <a:prstGeom prst="rect">
+            <a:avLst/>
+          </a:prstGeom>
+        </p:spPr>
+        <p:txBody>
+          <a:bodyPr/>
+          <a:lstStyle/>
+          <a:p/>
+        </p:txBody>
+      </p:sp>
+      <p:sp>
+        <p:nvSpPr>
+          <p:cNvPr id="3" name="Text Placeholder 2"/>
+          <p:cNvSpPr>
+            <a:spLocks noGrp="1" noEditPoints="1"/>
+          </p:cNvSpPr>
+          <p:nvPr>
+            <p:ph type="body" idx="3"/>
+          </p:nvPr>
+        </p:nvSpPr>
+        <p:spPr>
+          <a:prstGeom prst="rect">
+            <a:avLst/>
+          </a:prstGeom>
+        </p:spPr>
+        <p:txBody>
+          <a:bodyPr/>
+          <a:lstStyle/>
+          <a:p>
+            <a:endParaRPr lang="en-US"/>
+          </a:p>
+        </p:txBody>
+      </p:sp>
+      <p:sp>
+        <p:nvSpPr>
+          <p:cNvPr id="4" name="Slide Number Placeholder 3"/>
+          <p:cNvSpPr>
+            <a:spLocks noGrp="1" noEditPoints="1"/>
+          </p:cNvSpPr>
+          <p:nvPr>
+            <p:ph type="sldNum" sz="quarter" idx="5"/>
+          </p:nvPr>
+        </p:nvSpPr>
+        <p:spPr>
+          <a:prstGeom prst="rect">
+            <a:avLst/>
+          </a:prstGeom>
+        </p:spPr>
+        <p:txBody>
+          <a:bodyPr/>
+          <a:lstStyle/>
+          <a:p>
+            <a:fld id="{CA33E74A-332F-4D12-A9BE-1C1BFE909412}" type="slidenum">
+              <a:rPr lang="en-US" smtClean="0"/>
+              <a:t>‹#›</a:t>
+            </a:fld>
+            <a:endParaRPr lang="en-US"/>
+          </a:p>
+        </p:txBody>
+      </p:sp>
+    </p:spTree>
+  </p:cSld>
+  <p:clrMapOvr>
+    <a:masterClrMapping/>
+  </p:clrMapOvr>
+</p:notes>
+</file>
+
 <file path=ppt/slideLayouts/slideLayout1.xml><?xml version="1.0" encoding="utf-8"?>
 <p:sldLayout xmlns:a="http://schemas.openxmlformats.org/drawingml/2006/main" xmlns:r="http://schemas.openxmlformats.org/officeDocument/2006/relationships" xmlns:p="http://schemas.openxmlformats.org/presentationml/2006/main" type="title" preserve="1">
   <p:cSld name="Title Slide">
@@ -126,15 +581,9 @@
       </p:grpSpPr>
       <p:sp>
         <p:nvSpPr>
-          <p:cNvPr id="2" name="Title 1">
-            <a:extLst>
-              <a:ext uri="{FF2B5EF4-FFF2-40B4-BE49-F238E27FC236}">
-                <a16:creationId xmlns:a16="http://schemas.microsoft.com/office/drawing/2014/main" id="{05F5BCA0-DDCA-2E0F-F9C7-4552740F9C92}"/>
-              </a:ext>
-            </a:extLst>
-          </p:cNvPr>
-          <p:cNvSpPr>
-            <a:spLocks noGrp="1"/>
+          <p:cNvPr id="2" name="Title 1"/>
+          <p:cNvSpPr>
+            <a:spLocks noGrp="1" noEditPoints="1"/>
           </p:cNvSpPr>
           <p:nvPr>
             <p:ph type="ctrTitle"/>
@@ -163,15 +612,9 @@
       </p:sp>
       <p:sp>
         <p:nvSpPr>
-          <p:cNvPr id="3" name="Subtitle 2">
-            <a:extLst>
-              <a:ext uri="{FF2B5EF4-FFF2-40B4-BE49-F238E27FC236}">
-                <a16:creationId xmlns:a16="http://schemas.microsoft.com/office/drawing/2014/main" id="{14D5AA24-C467-0C1B-0FCF-3F4532E0D02C}"/>
-              </a:ext>
-            </a:extLst>
-          </p:cNvPr>
-          <p:cNvSpPr>
-            <a:spLocks noGrp="1"/>
+          <p:cNvPr id="3" name="Subtitle 2"/>
+          <p:cNvSpPr>
+            <a:spLocks noGrp="1" noEditPoints="1"/>
           </p:cNvSpPr>
           <p:nvPr>
             <p:ph type="subTitle" idx="1"/>
@@ -224,6 +667,7 @@
             </a:lvl9pPr>
           </a:lstStyle>
           <a:p>
+            <a:pPr lvl="0"/>
             <a:r>
               <a:rPr lang="en-US"/>
               <a:t>Click to edit Master subtitle style</a:t>
@@ -233,15 +677,9 @@
       </p:sp>
       <p:sp>
         <p:nvSpPr>
-          <p:cNvPr id="4" name="Date Placeholder 3">
-            <a:extLst>
-              <a:ext uri="{FF2B5EF4-FFF2-40B4-BE49-F238E27FC236}">
-                <a16:creationId xmlns:a16="http://schemas.microsoft.com/office/drawing/2014/main" id="{3A6C4C97-EBDE-C9CE-0216-EB093CD61B1F}"/>
-              </a:ext>
-            </a:extLst>
-          </p:cNvPr>
-          <p:cNvSpPr>
-            <a:spLocks noGrp="1"/>
+          <p:cNvPr id="4" name="Date Placeholder 3"/>
+          <p:cNvSpPr>
+            <a:spLocks noGrp="1" noEditPoints="1"/>
           </p:cNvSpPr>
           <p:nvPr>
             <p:ph type="dt" sz="half" idx="10"/>
@@ -254,7 +692,7 @@
           <a:p>
             <a:fld id="{38F14860-83B1-C64B-B113-C7355B9F44CA}" type="datetimeFigureOut">
               <a:rPr lang="en-US" smtClean="0"/>
-              <a:t>3/19/23</a:t>
+              <a:t>3/20/2023</a:t>
             </a:fld>
             <a:endParaRPr lang="en-US"/>
           </a:p>
@@ -262,15 +700,9 @@
       </p:sp>
       <p:sp>
         <p:nvSpPr>
-          <p:cNvPr id="5" name="Footer Placeholder 4">
-            <a:extLst>
-              <a:ext uri="{FF2B5EF4-FFF2-40B4-BE49-F238E27FC236}">
-                <a16:creationId xmlns:a16="http://schemas.microsoft.com/office/drawing/2014/main" id="{6E1D4E62-B74E-1BF6-D401-4511D4FDB80D}"/>
-              </a:ext>
-            </a:extLst>
-          </p:cNvPr>
-          <p:cNvSpPr>
-            <a:spLocks noGrp="1"/>
+          <p:cNvPr id="5" name="Footer Placeholder 4"/>
+          <p:cNvSpPr>
+            <a:spLocks noGrp="1" noEditPoints="1"/>
           </p:cNvSpPr>
           <p:nvPr>
             <p:ph type="ftr" sz="quarter" idx="11"/>
@@ -287,15 +719,9 @@
       </p:sp>
       <p:sp>
         <p:nvSpPr>
-          <p:cNvPr id="6" name="Slide Number Placeholder 5">
-            <a:extLst>
-              <a:ext uri="{FF2B5EF4-FFF2-40B4-BE49-F238E27FC236}">
-                <a16:creationId xmlns:a16="http://schemas.microsoft.com/office/drawing/2014/main" id="{C0731F95-663A-C02D-267D-E6E5A7A28EBC}"/>
-              </a:ext>
-            </a:extLst>
-          </p:cNvPr>
-          <p:cNvSpPr>
-            <a:spLocks noGrp="1"/>
+          <p:cNvPr id="6" name="Slide Number Placeholder 5"/>
+          <p:cNvSpPr>
+            <a:spLocks noGrp="1" noEditPoints="1"/>
           </p:cNvSpPr>
           <p:nvPr>
             <p:ph type="sldNum" sz="quarter" idx="12"/>
@@ -315,11 +741,6 @@
         </p:txBody>
       </p:sp>
     </p:spTree>
-    <p:extLst>
-      <p:ext uri="{BB962C8B-B14F-4D97-AF65-F5344CB8AC3E}">
-        <p14:creationId xmlns:p14="http://schemas.microsoft.com/office/powerpoint/2010/main" val="3749361162"/>
-      </p:ext>
-    </p:extLst>
   </p:cSld>
   <p:clrMapOvr>
     <a:masterClrMapping/>
@@ -346,15 +767,9 @@
       </p:grpSpPr>
       <p:sp>
         <p:nvSpPr>
-          <p:cNvPr id="2" name="Title 1">
-            <a:extLst>
-              <a:ext uri="{FF2B5EF4-FFF2-40B4-BE49-F238E27FC236}">
-                <a16:creationId xmlns:a16="http://schemas.microsoft.com/office/drawing/2014/main" id="{83243B93-3E21-76FF-62BB-B422C264ADB1}"/>
-              </a:ext>
-            </a:extLst>
-          </p:cNvPr>
-          <p:cNvSpPr>
-            <a:spLocks noGrp="1"/>
+          <p:cNvPr id="2" name="Title 1"/>
+          <p:cNvSpPr>
+            <a:spLocks noGrp="1" noEditPoints="1"/>
           </p:cNvSpPr>
           <p:nvPr>
             <p:ph type="title"/>
@@ -374,15 +789,9 @@
       </p:sp>
       <p:sp>
         <p:nvSpPr>
-          <p:cNvPr id="3" name="Vertical Text Placeholder 2">
-            <a:extLst>
-              <a:ext uri="{FF2B5EF4-FFF2-40B4-BE49-F238E27FC236}">
-                <a16:creationId xmlns:a16="http://schemas.microsoft.com/office/drawing/2014/main" id="{BA602FDC-4D82-1EBF-5DAA-1F3ADB639EF0}"/>
-              </a:ext>
-            </a:extLst>
-          </p:cNvPr>
-          <p:cNvSpPr>
-            <a:spLocks noGrp="1"/>
+          <p:cNvPr id="3" name="Vertical Text Placeholder 2"/>
+          <p:cNvSpPr>
+            <a:spLocks noGrp="1" noEditPoints="1"/>
           </p:cNvSpPr>
           <p:nvPr>
             <p:ph type="body" orient="vert" idx="1"/>
@@ -431,15 +840,9 @@
       </p:sp>
       <p:sp>
         <p:nvSpPr>
-          <p:cNvPr id="4" name="Date Placeholder 3">
-            <a:extLst>
-              <a:ext uri="{FF2B5EF4-FFF2-40B4-BE49-F238E27FC236}">
-                <a16:creationId xmlns:a16="http://schemas.microsoft.com/office/drawing/2014/main" id="{AEA8C7EE-FAF4-3843-7BD5-8E2FCD8928AA}"/>
-              </a:ext>
-            </a:extLst>
-          </p:cNvPr>
-          <p:cNvSpPr>
-            <a:spLocks noGrp="1"/>
+          <p:cNvPr id="4" name="Date Placeholder 3"/>
+          <p:cNvSpPr>
+            <a:spLocks noGrp="1" noEditPoints="1"/>
           </p:cNvSpPr>
           <p:nvPr>
             <p:ph type="dt" sz="half" idx="10"/>
@@ -452,7 +855,7 @@
           <a:p>
             <a:fld id="{38F14860-83B1-C64B-B113-C7355B9F44CA}" type="datetimeFigureOut">
               <a:rPr lang="en-US" smtClean="0"/>
-              <a:t>3/19/23</a:t>
+              <a:t>3/20/2023</a:t>
             </a:fld>
             <a:endParaRPr lang="en-US"/>
           </a:p>
@@ -460,15 +863,9 @@
       </p:sp>
       <p:sp>
         <p:nvSpPr>
-          <p:cNvPr id="5" name="Footer Placeholder 4">
-            <a:extLst>
-              <a:ext uri="{FF2B5EF4-FFF2-40B4-BE49-F238E27FC236}">
-                <a16:creationId xmlns:a16="http://schemas.microsoft.com/office/drawing/2014/main" id="{73FA39F2-1724-FAAC-0160-6E57FC0AD6C3}"/>
-              </a:ext>
-            </a:extLst>
-          </p:cNvPr>
-          <p:cNvSpPr>
-            <a:spLocks noGrp="1"/>
+          <p:cNvPr id="5" name="Footer Placeholder 4"/>
+          <p:cNvSpPr>
+            <a:spLocks noGrp="1" noEditPoints="1"/>
           </p:cNvSpPr>
           <p:nvPr>
             <p:ph type="ftr" sz="quarter" idx="11"/>
@@ -485,15 +882,9 @@
       </p:sp>
       <p:sp>
         <p:nvSpPr>
-          <p:cNvPr id="6" name="Slide Number Placeholder 5">
-            <a:extLst>
-              <a:ext uri="{FF2B5EF4-FFF2-40B4-BE49-F238E27FC236}">
-                <a16:creationId xmlns:a16="http://schemas.microsoft.com/office/drawing/2014/main" id="{B68476F6-9ABC-5FA8-B682-407121A18C43}"/>
-              </a:ext>
-            </a:extLst>
-          </p:cNvPr>
-          <p:cNvSpPr>
-            <a:spLocks noGrp="1"/>
+          <p:cNvPr id="6" name="Slide Number Placeholder 5"/>
+          <p:cNvSpPr>
+            <a:spLocks noGrp="1" noEditPoints="1"/>
           </p:cNvSpPr>
           <p:nvPr>
             <p:ph type="sldNum" sz="quarter" idx="12"/>
@@ -513,11 +904,6 @@
         </p:txBody>
       </p:sp>
     </p:spTree>
-    <p:extLst>
-      <p:ext uri="{BB962C8B-B14F-4D97-AF65-F5344CB8AC3E}">
-        <p14:creationId xmlns:p14="http://schemas.microsoft.com/office/powerpoint/2010/main" val="1609992975"/>
-      </p:ext>
-    </p:extLst>
   </p:cSld>
   <p:clrMapOvr>
     <a:masterClrMapping/>
@@ -544,15 +930,9 @@
       </p:grpSpPr>
       <p:sp>
         <p:nvSpPr>
-          <p:cNvPr id="2" name="Vertical Title 1">
-            <a:extLst>
-              <a:ext uri="{FF2B5EF4-FFF2-40B4-BE49-F238E27FC236}">
-                <a16:creationId xmlns:a16="http://schemas.microsoft.com/office/drawing/2014/main" id="{26EF3787-BB86-49D3-A470-4EE530DC878F}"/>
-              </a:ext>
-            </a:extLst>
-          </p:cNvPr>
-          <p:cNvSpPr>
-            <a:spLocks noGrp="1"/>
+          <p:cNvPr id="2" name="Vertical Title 1"/>
+          <p:cNvSpPr>
+            <a:spLocks noGrp="1" noEditPoints="1"/>
           </p:cNvSpPr>
           <p:nvPr>
             <p:ph type="title" orient="vert"/>
@@ -577,15 +957,9 @@
       </p:sp>
       <p:sp>
         <p:nvSpPr>
-          <p:cNvPr id="3" name="Vertical Text Placeholder 2">
-            <a:extLst>
-              <a:ext uri="{FF2B5EF4-FFF2-40B4-BE49-F238E27FC236}">
-                <a16:creationId xmlns:a16="http://schemas.microsoft.com/office/drawing/2014/main" id="{A91AC916-92B8-2B7F-8A6D-1CF3A5CCCB13}"/>
-              </a:ext>
-            </a:extLst>
-          </p:cNvPr>
-          <p:cNvSpPr>
-            <a:spLocks noGrp="1"/>
+          <p:cNvPr id="3" name="Vertical Text Placeholder 2"/>
+          <p:cNvSpPr>
+            <a:spLocks noGrp="1" noEditPoints="1"/>
           </p:cNvSpPr>
           <p:nvPr>
             <p:ph type="body" orient="vert" idx="1"/>
@@ -639,15 +1013,9 @@
       </p:sp>
       <p:sp>
         <p:nvSpPr>
-          <p:cNvPr id="4" name="Date Placeholder 3">
-            <a:extLst>
-              <a:ext uri="{FF2B5EF4-FFF2-40B4-BE49-F238E27FC236}">
-                <a16:creationId xmlns:a16="http://schemas.microsoft.com/office/drawing/2014/main" id="{41AD1A1F-1068-6BA0-A692-7D25188F5282}"/>
-              </a:ext>
-            </a:extLst>
-          </p:cNvPr>
-          <p:cNvSpPr>
-            <a:spLocks noGrp="1"/>
+          <p:cNvPr id="4" name="Date Placeholder 3"/>
+          <p:cNvSpPr>
+            <a:spLocks noGrp="1" noEditPoints="1"/>
           </p:cNvSpPr>
           <p:nvPr>
             <p:ph type="dt" sz="half" idx="10"/>
@@ -660,7 +1028,7 @@
           <a:p>
             <a:fld id="{38F14860-83B1-C64B-B113-C7355B9F44CA}" type="datetimeFigureOut">
               <a:rPr lang="en-US" smtClean="0"/>
-              <a:t>3/19/23</a:t>
+              <a:t>3/20/2023</a:t>
             </a:fld>
             <a:endParaRPr lang="en-US"/>
           </a:p>
@@ -668,15 +1036,9 @@
       </p:sp>
       <p:sp>
         <p:nvSpPr>
-          <p:cNvPr id="5" name="Footer Placeholder 4">
-            <a:extLst>
-              <a:ext uri="{FF2B5EF4-FFF2-40B4-BE49-F238E27FC236}">
-                <a16:creationId xmlns:a16="http://schemas.microsoft.com/office/drawing/2014/main" id="{F80721DF-02DA-4ADF-879B-E5D74CDB790E}"/>
-              </a:ext>
-            </a:extLst>
-          </p:cNvPr>
-          <p:cNvSpPr>
-            <a:spLocks noGrp="1"/>
+          <p:cNvPr id="5" name="Footer Placeholder 4"/>
+          <p:cNvSpPr>
+            <a:spLocks noGrp="1" noEditPoints="1"/>
           </p:cNvSpPr>
           <p:nvPr>
             <p:ph type="ftr" sz="quarter" idx="11"/>
@@ -693,15 +1055,9 @@
       </p:sp>
       <p:sp>
         <p:nvSpPr>
-          <p:cNvPr id="6" name="Slide Number Placeholder 5">
-            <a:extLst>
-              <a:ext uri="{FF2B5EF4-FFF2-40B4-BE49-F238E27FC236}">
-                <a16:creationId xmlns:a16="http://schemas.microsoft.com/office/drawing/2014/main" id="{2C557ABD-D9D5-B0BD-B8D8-60A587529BA2}"/>
-              </a:ext>
-            </a:extLst>
-          </p:cNvPr>
-          <p:cNvSpPr>
-            <a:spLocks noGrp="1"/>
+          <p:cNvPr id="6" name="Slide Number Placeholder 5"/>
+          <p:cNvSpPr>
+            <a:spLocks noGrp="1" noEditPoints="1"/>
           </p:cNvSpPr>
           <p:nvPr>
             <p:ph type="sldNum" sz="quarter" idx="12"/>
@@ -721,11 +1077,6 @@
         </p:txBody>
       </p:sp>
     </p:spTree>
-    <p:extLst>
-      <p:ext uri="{BB962C8B-B14F-4D97-AF65-F5344CB8AC3E}">
-        <p14:creationId xmlns:p14="http://schemas.microsoft.com/office/powerpoint/2010/main" val="952052881"/>
-      </p:ext>
-    </p:extLst>
   </p:cSld>
   <p:clrMapOvr>
     <a:masterClrMapping/>
@@ -752,15 +1103,9 @@
       </p:grpSpPr>
       <p:sp>
         <p:nvSpPr>
-          <p:cNvPr id="2" name="Title 1">
-            <a:extLst>
-              <a:ext uri="{FF2B5EF4-FFF2-40B4-BE49-F238E27FC236}">
-                <a16:creationId xmlns:a16="http://schemas.microsoft.com/office/drawing/2014/main" id="{DC95FD8B-E7D3-AE4D-6795-114674552DB4}"/>
-              </a:ext>
-            </a:extLst>
-          </p:cNvPr>
-          <p:cNvSpPr>
-            <a:spLocks noGrp="1"/>
+          <p:cNvPr id="2" name="Title 1"/>
+          <p:cNvSpPr>
+            <a:spLocks noGrp="1" noEditPoints="1"/>
           </p:cNvSpPr>
           <p:nvPr>
             <p:ph type="title"/>
@@ -780,15 +1125,9 @@
       </p:sp>
       <p:sp>
         <p:nvSpPr>
-          <p:cNvPr id="3" name="Content Placeholder 2">
-            <a:extLst>
-              <a:ext uri="{FF2B5EF4-FFF2-40B4-BE49-F238E27FC236}">
-                <a16:creationId xmlns:a16="http://schemas.microsoft.com/office/drawing/2014/main" id="{67C343C5-5B7E-DEBF-F911-7A41C391671E}"/>
-              </a:ext>
-            </a:extLst>
-          </p:cNvPr>
-          <p:cNvSpPr>
-            <a:spLocks noGrp="1"/>
+          <p:cNvPr id="3" name="Content Placeholder 2"/>
+          <p:cNvSpPr>
+            <a:spLocks noGrp="1" noEditPoints="1"/>
           </p:cNvSpPr>
           <p:nvPr>
             <p:ph idx="1"/>
@@ -837,15 +1176,9 @@
       </p:sp>
       <p:sp>
         <p:nvSpPr>
-          <p:cNvPr id="4" name="Date Placeholder 3">
-            <a:extLst>
-              <a:ext uri="{FF2B5EF4-FFF2-40B4-BE49-F238E27FC236}">
-                <a16:creationId xmlns:a16="http://schemas.microsoft.com/office/drawing/2014/main" id="{BF237A2C-38D5-0AC3-2359-DD716064E05C}"/>
-              </a:ext>
-            </a:extLst>
-          </p:cNvPr>
-          <p:cNvSpPr>
-            <a:spLocks noGrp="1"/>
+          <p:cNvPr id="4" name="Date Placeholder 3"/>
+          <p:cNvSpPr>
+            <a:spLocks noGrp="1" noEditPoints="1"/>
           </p:cNvSpPr>
           <p:nvPr>
             <p:ph type="dt" sz="half" idx="10"/>
@@ -858,7 +1191,7 @@
           <a:p>
             <a:fld id="{38F14860-83B1-C64B-B113-C7355B9F44CA}" type="datetimeFigureOut">
               <a:rPr lang="en-US" smtClean="0"/>
-              <a:t>3/19/23</a:t>
+              <a:t>3/20/2023</a:t>
             </a:fld>
             <a:endParaRPr lang="en-US"/>
           </a:p>
@@ -866,15 +1199,9 @@
       </p:sp>
       <p:sp>
         <p:nvSpPr>
-          <p:cNvPr id="5" name="Footer Placeholder 4">
-            <a:extLst>
-              <a:ext uri="{FF2B5EF4-FFF2-40B4-BE49-F238E27FC236}">
-                <a16:creationId xmlns:a16="http://schemas.microsoft.com/office/drawing/2014/main" id="{8A0751D3-8D11-4C36-357E-0912D28F1FA7}"/>
-              </a:ext>
-            </a:extLst>
-          </p:cNvPr>
-          <p:cNvSpPr>
-            <a:spLocks noGrp="1"/>
+          <p:cNvPr id="5" name="Footer Placeholder 4"/>
+          <p:cNvSpPr>
+            <a:spLocks noGrp="1" noEditPoints="1"/>
           </p:cNvSpPr>
           <p:nvPr>
             <p:ph type="ftr" sz="quarter" idx="11"/>
@@ -891,15 +1218,9 @@
       </p:sp>
       <p:sp>
         <p:nvSpPr>
-          <p:cNvPr id="6" name="Slide Number Placeholder 5">
-            <a:extLst>
-              <a:ext uri="{FF2B5EF4-FFF2-40B4-BE49-F238E27FC236}">
-                <a16:creationId xmlns:a16="http://schemas.microsoft.com/office/drawing/2014/main" id="{ACDC39DF-CA51-8D5F-2837-53CEE1CF761B}"/>
-              </a:ext>
-            </a:extLst>
-          </p:cNvPr>
-          <p:cNvSpPr>
-            <a:spLocks noGrp="1"/>
+          <p:cNvPr id="6" name="Slide Number Placeholder 5"/>
+          <p:cNvSpPr>
+            <a:spLocks noGrp="1" noEditPoints="1"/>
           </p:cNvSpPr>
           <p:nvPr>
             <p:ph type="sldNum" sz="quarter" idx="12"/>
@@ -919,11 +1240,6 @@
         </p:txBody>
       </p:sp>
     </p:spTree>
-    <p:extLst>
-      <p:ext uri="{BB962C8B-B14F-4D97-AF65-F5344CB8AC3E}">
-        <p14:creationId xmlns:p14="http://schemas.microsoft.com/office/powerpoint/2010/main" val="3636305537"/>
-      </p:ext>
-    </p:extLst>
   </p:cSld>
   <p:clrMapOvr>
     <a:masterClrMapping/>
@@ -950,15 +1266,9 @@
       </p:grpSpPr>
       <p:sp>
         <p:nvSpPr>
-          <p:cNvPr id="2" name="Title 1">
-            <a:extLst>
-              <a:ext uri="{FF2B5EF4-FFF2-40B4-BE49-F238E27FC236}">
-                <a16:creationId xmlns:a16="http://schemas.microsoft.com/office/drawing/2014/main" id="{E8397F43-C251-013E-E606-4FB1B97CA887}"/>
-              </a:ext>
-            </a:extLst>
-          </p:cNvPr>
-          <p:cNvSpPr>
-            <a:spLocks noGrp="1"/>
+          <p:cNvPr id="2" name="Title 1"/>
+          <p:cNvSpPr>
+            <a:spLocks noGrp="1" noEditPoints="1"/>
           </p:cNvSpPr>
           <p:nvPr>
             <p:ph type="title"/>
@@ -987,15 +1297,9 @@
       </p:sp>
       <p:sp>
         <p:nvSpPr>
-          <p:cNvPr id="3" name="Text Placeholder 2">
-            <a:extLst>
-              <a:ext uri="{FF2B5EF4-FFF2-40B4-BE49-F238E27FC236}">
-                <a16:creationId xmlns:a16="http://schemas.microsoft.com/office/drawing/2014/main" id="{AD7CF60C-BECD-FFC1-891B-C970ABA64D7D}"/>
-              </a:ext>
-            </a:extLst>
-          </p:cNvPr>
-          <p:cNvSpPr>
-            <a:spLocks noGrp="1"/>
+          <p:cNvPr id="3" name="Text Placeholder 2"/>
+          <p:cNvSpPr>
+            <a:spLocks noGrp="1" noEditPoints="1"/>
           </p:cNvSpPr>
           <p:nvPr>
             <p:ph type="body" idx="1"/>
@@ -1112,15 +1416,9 @@
       </p:sp>
       <p:sp>
         <p:nvSpPr>
-          <p:cNvPr id="4" name="Date Placeholder 3">
-            <a:extLst>
-              <a:ext uri="{FF2B5EF4-FFF2-40B4-BE49-F238E27FC236}">
-                <a16:creationId xmlns:a16="http://schemas.microsoft.com/office/drawing/2014/main" id="{8AACDA43-67F3-D6CE-5F0F-40F60E0E7923}"/>
-              </a:ext>
-            </a:extLst>
-          </p:cNvPr>
-          <p:cNvSpPr>
-            <a:spLocks noGrp="1"/>
+          <p:cNvPr id="4" name="Date Placeholder 3"/>
+          <p:cNvSpPr>
+            <a:spLocks noGrp="1" noEditPoints="1"/>
           </p:cNvSpPr>
           <p:nvPr>
             <p:ph type="dt" sz="half" idx="10"/>
@@ -1133,7 +1431,7 @@
           <a:p>
             <a:fld id="{38F14860-83B1-C64B-B113-C7355B9F44CA}" type="datetimeFigureOut">
               <a:rPr lang="en-US" smtClean="0"/>
-              <a:t>3/19/23</a:t>
+              <a:t>3/20/2023</a:t>
             </a:fld>
             <a:endParaRPr lang="en-US"/>
           </a:p>
@@ -1141,15 +1439,9 @@
       </p:sp>
       <p:sp>
         <p:nvSpPr>
-          <p:cNvPr id="5" name="Footer Placeholder 4">
-            <a:extLst>
-              <a:ext uri="{FF2B5EF4-FFF2-40B4-BE49-F238E27FC236}">
-                <a16:creationId xmlns:a16="http://schemas.microsoft.com/office/drawing/2014/main" id="{B0D0FA8B-05C5-CC06-A888-765B9CA98867}"/>
-              </a:ext>
-            </a:extLst>
-          </p:cNvPr>
-          <p:cNvSpPr>
-            <a:spLocks noGrp="1"/>
+          <p:cNvPr id="5" name="Footer Placeholder 4"/>
+          <p:cNvSpPr>
+            <a:spLocks noGrp="1" noEditPoints="1"/>
           </p:cNvSpPr>
           <p:nvPr>
             <p:ph type="ftr" sz="quarter" idx="11"/>
@@ -1166,15 +1458,9 @@
       </p:sp>
       <p:sp>
         <p:nvSpPr>
-          <p:cNvPr id="6" name="Slide Number Placeholder 5">
-            <a:extLst>
-              <a:ext uri="{FF2B5EF4-FFF2-40B4-BE49-F238E27FC236}">
-                <a16:creationId xmlns:a16="http://schemas.microsoft.com/office/drawing/2014/main" id="{9B4D5F33-3BB4-4B8E-50E4-D26091799591}"/>
-              </a:ext>
-            </a:extLst>
-          </p:cNvPr>
-          <p:cNvSpPr>
-            <a:spLocks noGrp="1"/>
+          <p:cNvPr id="6" name="Slide Number Placeholder 5"/>
+          <p:cNvSpPr>
+            <a:spLocks noGrp="1" noEditPoints="1"/>
           </p:cNvSpPr>
           <p:nvPr>
             <p:ph type="sldNum" sz="quarter" idx="12"/>
@@ -1194,11 +1480,6 @@
         </p:txBody>
       </p:sp>
     </p:spTree>
-    <p:extLst>
-      <p:ext uri="{BB962C8B-B14F-4D97-AF65-F5344CB8AC3E}">
-        <p14:creationId xmlns:p14="http://schemas.microsoft.com/office/powerpoint/2010/main" val="1447637548"/>
-      </p:ext>
-    </p:extLst>
   </p:cSld>
   <p:clrMapOvr>
     <a:masterClrMapping/>
@@ -1225,15 +1506,9 @@
       </p:grpSpPr>
       <p:sp>
         <p:nvSpPr>
-          <p:cNvPr id="2" name="Title 1">
-            <a:extLst>
-              <a:ext uri="{FF2B5EF4-FFF2-40B4-BE49-F238E27FC236}">
-                <a16:creationId xmlns:a16="http://schemas.microsoft.com/office/drawing/2014/main" id="{7E708917-0FD6-D5C5-CD9D-85A0F7023B0A}"/>
-              </a:ext>
-            </a:extLst>
-          </p:cNvPr>
-          <p:cNvSpPr>
-            <a:spLocks noGrp="1"/>
+          <p:cNvPr id="2" name="Title 1"/>
+          <p:cNvSpPr>
+            <a:spLocks noGrp="1" noEditPoints="1"/>
           </p:cNvSpPr>
           <p:nvPr>
             <p:ph type="title"/>
@@ -1253,15 +1528,9 @@
       </p:sp>
       <p:sp>
         <p:nvSpPr>
-          <p:cNvPr id="3" name="Content Placeholder 2">
-            <a:extLst>
-              <a:ext uri="{FF2B5EF4-FFF2-40B4-BE49-F238E27FC236}">
-                <a16:creationId xmlns:a16="http://schemas.microsoft.com/office/drawing/2014/main" id="{CFC528D1-38CD-9865-EA97-EDA27CFE9E5A}"/>
-              </a:ext>
-            </a:extLst>
-          </p:cNvPr>
-          <p:cNvSpPr>
-            <a:spLocks noGrp="1"/>
+          <p:cNvPr id="3" name="Content Placeholder 2"/>
+          <p:cNvSpPr>
+            <a:spLocks noGrp="1" noEditPoints="1"/>
           </p:cNvSpPr>
           <p:nvPr>
             <p:ph sz="half" idx="1"/>
@@ -1315,15 +1584,9 @@
       </p:sp>
       <p:sp>
         <p:nvSpPr>
-          <p:cNvPr id="4" name="Content Placeholder 3">
-            <a:extLst>
-              <a:ext uri="{FF2B5EF4-FFF2-40B4-BE49-F238E27FC236}">
-                <a16:creationId xmlns:a16="http://schemas.microsoft.com/office/drawing/2014/main" id="{452F0CD3-40E5-9A0C-F6CB-853D0C87B008}"/>
-              </a:ext>
-            </a:extLst>
-          </p:cNvPr>
-          <p:cNvSpPr>
-            <a:spLocks noGrp="1"/>
+          <p:cNvPr id="4" name="Content Placeholder 3"/>
+          <p:cNvSpPr>
+            <a:spLocks noGrp="1" noEditPoints="1"/>
           </p:cNvSpPr>
           <p:nvPr>
             <p:ph sz="half" idx="2"/>
@@ -1377,15 +1640,9 @@
       </p:sp>
       <p:sp>
         <p:nvSpPr>
-          <p:cNvPr id="5" name="Date Placeholder 4">
-            <a:extLst>
-              <a:ext uri="{FF2B5EF4-FFF2-40B4-BE49-F238E27FC236}">
-                <a16:creationId xmlns:a16="http://schemas.microsoft.com/office/drawing/2014/main" id="{E27E6809-32BD-02C3-58E0-927A79A4A873}"/>
-              </a:ext>
-            </a:extLst>
-          </p:cNvPr>
-          <p:cNvSpPr>
-            <a:spLocks noGrp="1"/>
+          <p:cNvPr id="5" name="Date Placeholder 4"/>
+          <p:cNvSpPr>
+            <a:spLocks noGrp="1" noEditPoints="1"/>
           </p:cNvSpPr>
           <p:nvPr>
             <p:ph type="dt" sz="half" idx="10"/>
@@ -1398,7 +1655,7 @@
           <a:p>
             <a:fld id="{38F14860-83B1-C64B-B113-C7355B9F44CA}" type="datetimeFigureOut">
               <a:rPr lang="en-US" smtClean="0"/>
-              <a:t>3/19/23</a:t>
+              <a:t>3/20/2023</a:t>
             </a:fld>
             <a:endParaRPr lang="en-US"/>
           </a:p>
@@ -1406,15 +1663,9 @@
       </p:sp>
       <p:sp>
         <p:nvSpPr>
-          <p:cNvPr id="6" name="Footer Placeholder 5">
-            <a:extLst>
-              <a:ext uri="{FF2B5EF4-FFF2-40B4-BE49-F238E27FC236}">
-                <a16:creationId xmlns:a16="http://schemas.microsoft.com/office/drawing/2014/main" id="{604E2E3A-B251-2167-275F-14A5FE61EA58}"/>
-              </a:ext>
-            </a:extLst>
-          </p:cNvPr>
-          <p:cNvSpPr>
-            <a:spLocks noGrp="1"/>
+          <p:cNvPr id="6" name="Footer Placeholder 5"/>
+          <p:cNvSpPr>
+            <a:spLocks noGrp="1" noEditPoints="1"/>
           </p:cNvSpPr>
           <p:nvPr>
             <p:ph type="ftr" sz="quarter" idx="11"/>
@@ -1431,15 +1682,9 @@
       </p:sp>
       <p:sp>
         <p:nvSpPr>
-          <p:cNvPr id="7" name="Slide Number Placeholder 6">
-            <a:extLst>
-              <a:ext uri="{FF2B5EF4-FFF2-40B4-BE49-F238E27FC236}">
-                <a16:creationId xmlns:a16="http://schemas.microsoft.com/office/drawing/2014/main" id="{09BF450E-8BF9-7153-444C-C63C8B0AC73A}"/>
-              </a:ext>
-            </a:extLst>
-          </p:cNvPr>
-          <p:cNvSpPr>
-            <a:spLocks noGrp="1"/>
+          <p:cNvPr id="7" name="Slide Number Placeholder 6"/>
+          <p:cNvSpPr>
+            <a:spLocks noGrp="1" noEditPoints="1"/>
           </p:cNvSpPr>
           <p:nvPr>
             <p:ph type="sldNum" sz="quarter" idx="12"/>
@@ -1459,11 +1704,6 @@
         </p:txBody>
       </p:sp>
     </p:spTree>
-    <p:extLst>
-      <p:ext uri="{BB962C8B-B14F-4D97-AF65-F5344CB8AC3E}">
-        <p14:creationId xmlns:p14="http://schemas.microsoft.com/office/powerpoint/2010/main" val="1439861171"/>
-      </p:ext>
-    </p:extLst>
   </p:cSld>
   <p:clrMapOvr>
     <a:masterClrMapping/>
@@ -1490,15 +1730,9 @@
       </p:grpSpPr>
       <p:sp>
         <p:nvSpPr>
-          <p:cNvPr id="2" name="Title 1">
-            <a:extLst>
-              <a:ext uri="{FF2B5EF4-FFF2-40B4-BE49-F238E27FC236}">
-                <a16:creationId xmlns:a16="http://schemas.microsoft.com/office/drawing/2014/main" id="{B67F1ED8-FB45-5FDB-1F15-CBEF6229B058}"/>
-              </a:ext>
-            </a:extLst>
-          </p:cNvPr>
-          <p:cNvSpPr>
-            <a:spLocks noGrp="1"/>
+          <p:cNvPr id="2" name="Title 1"/>
+          <p:cNvSpPr>
+            <a:spLocks noGrp="1" noEditPoints="1"/>
           </p:cNvSpPr>
           <p:nvPr>
             <p:ph type="title"/>
@@ -1523,15 +1757,9 @@
       </p:sp>
       <p:sp>
         <p:nvSpPr>
-          <p:cNvPr id="3" name="Text Placeholder 2">
-            <a:extLst>
-              <a:ext uri="{FF2B5EF4-FFF2-40B4-BE49-F238E27FC236}">
-                <a16:creationId xmlns:a16="http://schemas.microsoft.com/office/drawing/2014/main" id="{CC4C294C-4B8E-CFDE-726E-BB84D67AFAB5}"/>
-              </a:ext>
-            </a:extLst>
-          </p:cNvPr>
-          <p:cNvSpPr>
-            <a:spLocks noGrp="1"/>
+          <p:cNvPr id="3" name="Text Placeholder 2"/>
+          <p:cNvSpPr>
+            <a:spLocks noGrp="1" noEditPoints="1"/>
           </p:cNvSpPr>
           <p:nvPr>
             <p:ph type="body" idx="1"/>
@@ -1594,15 +1822,9 @@
       </p:sp>
       <p:sp>
         <p:nvSpPr>
-          <p:cNvPr id="4" name="Content Placeholder 3">
-            <a:extLst>
-              <a:ext uri="{FF2B5EF4-FFF2-40B4-BE49-F238E27FC236}">
-                <a16:creationId xmlns:a16="http://schemas.microsoft.com/office/drawing/2014/main" id="{78E6C938-5C19-C02E-9526-0A72F27456F8}"/>
-              </a:ext>
-            </a:extLst>
-          </p:cNvPr>
-          <p:cNvSpPr>
-            <a:spLocks noGrp="1"/>
+          <p:cNvPr id="4" name="Content Placeholder 3"/>
+          <p:cNvSpPr>
+            <a:spLocks noGrp="1" noEditPoints="1"/>
           </p:cNvSpPr>
           <p:nvPr>
             <p:ph sz="half" idx="2"/>
@@ -1656,15 +1878,9 @@
       </p:sp>
       <p:sp>
         <p:nvSpPr>
-          <p:cNvPr id="5" name="Text Placeholder 4">
-            <a:extLst>
-              <a:ext uri="{FF2B5EF4-FFF2-40B4-BE49-F238E27FC236}">
-                <a16:creationId xmlns:a16="http://schemas.microsoft.com/office/drawing/2014/main" id="{3D666BFF-A58A-57F3-0516-15E5689974BC}"/>
-              </a:ext>
-            </a:extLst>
-          </p:cNvPr>
-          <p:cNvSpPr>
-            <a:spLocks noGrp="1"/>
+          <p:cNvPr id="5" name="Text Placeholder 4"/>
+          <p:cNvSpPr>
+            <a:spLocks noGrp="1" noEditPoints="1"/>
           </p:cNvSpPr>
           <p:nvPr>
             <p:ph type="body" sz="quarter" idx="3"/>
@@ -1727,15 +1943,9 @@
       </p:sp>
       <p:sp>
         <p:nvSpPr>
-          <p:cNvPr id="6" name="Content Placeholder 5">
-            <a:extLst>
-              <a:ext uri="{FF2B5EF4-FFF2-40B4-BE49-F238E27FC236}">
-                <a16:creationId xmlns:a16="http://schemas.microsoft.com/office/drawing/2014/main" id="{6C508FB3-FB55-5368-B4B2-AB31B02DA934}"/>
-              </a:ext>
-            </a:extLst>
-          </p:cNvPr>
-          <p:cNvSpPr>
-            <a:spLocks noGrp="1"/>
+          <p:cNvPr id="6" name="Content Placeholder 5"/>
+          <p:cNvSpPr>
+            <a:spLocks noGrp="1" noEditPoints="1"/>
           </p:cNvSpPr>
           <p:nvPr>
             <p:ph sz="quarter" idx="4"/>
@@ -1789,15 +1999,9 @@
       </p:sp>
       <p:sp>
         <p:nvSpPr>
-          <p:cNvPr id="7" name="Date Placeholder 6">
-            <a:extLst>
-              <a:ext uri="{FF2B5EF4-FFF2-40B4-BE49-F238E27FC236}">
-                <a16:creationId xmlns:a16="http://schemas.microsoft.com/office/drawing/2014/main" id="{E2A63C88-E817-4915-A771-40FA25109738}"/>
-              </a:ext>
-            </a:extLst>
-          </p:cNvPr>
-          <p:cNvSpPr>
-            <a:spLocks noGrp="1"/>
+          <p:cNvPr id="7" name="Date Placeholder 6"/>
+          <p:cNvSpPr>
+            <a:spLocks noGrp="1" noEditPoints="1"/>
           </p:cNvSpPr>
           <p:nvPr>
             <p:ph type="dt" sz="half" idx="10"/>
@@ -1810,7 +2014,7 @@
           <a:p>
             <a:fld id="{38F14860-83B1-C64B-B113-C7355B9F44CA}" type="datetimeFigureOut">
               <a:rPr lang="en-US" smtClean="0"/>
-              <a:t>3/19/23</a:t>
+              <a:t>3/20/2023</a:t>
             </a:fld>
             <a:endParaRPr lang="en-US"/>
           </a:p>
@@ -1818,15 +2022,9 @@
       </p:sp>
       <p:sp>
         <p:nvSpPr>
-          <p:cNvPr id="8" name="Footer Placeholder 7">
-            <a:extLst>
-              <a:ext uri="{FF2B5EF4-FFF2-40B4-BE49-F238E27FC236}">
-                <a16:creationId xmlns:a16="http://schemas.microsoft.com/office/drawing/2014/main" id="{83E10B99-893F-F94A-C974-14F6EB71541C}"/>
-              </a:ext>
-            </a:extLst>
-          </p:cNvPr>
-          <p:cNvSpPr>
-            <a:spLocks noGrp="1"/>
+          <p:cNvPr id="8" name="Footer Placeholder 7"/>
+          <p:cNvSpPr>
+            <a:spLocks noGrp="1" noEditPoints="1"/>
           </p:cNvSpPr>
           <p:nvPr>
             <p:ph type="ftr" sz="quarter" idx="11"/>
@@ -1843,15 +2041,9 @@
       </p:sp>
       <p:sp>
         <p:nvSpPr>
-          <p:cNvPr id="9" name="Slide Number Placeholder 8">
-            <a:extLst>
-              <a:ext uri="{FF2B5EF4-FFF2-40B4-BE49-F238E27FC236}">
-                <a16:creationId xmlns:a16="http://schemas.microsoft.com/office/drawing/2014/main" id="{9D9469F6-3358-618B-460E-41ED83F22E0C}"/>
-              </a:ext>
-            </a:extLst>
-          </p:cNvPr>
-          <p:cNvSpPr>
-            <a:spLocks noGrp="1"/>
+          <p:cNvPr id="9" name="Slide Number Placeholder 8"/>
+          <p:cNvSpPr>
+            <a:spLocks noGrp="1" noEditPoints="1"/>
           </p:cNvSpPr>
           <p:nvPr>
             <p:ph type="sldNum" sz="quarter" idx="12"/>
@@ -1871,11 +2063,6 @@
         </p:txBody>
       </p:sp>
     </p:spTree>
-    <p:extLst>
-      <p:ext uri="{BB962C8B-B14F-4D97-AF65-F5344CB8AC3E}">
-        <p14:creationId xmlns:p14="http://schemas.microsoft.com/office/powerpoint/2010/main" val="2859523851"/>
-      </p:ext>
-    </p:extLst>
   </p:cSld>
   <p:clrMapOvr>
     <a:masterClrMapping/>
@@ -1902,15 +2089,9 @@
       </p:grpSpPr>
       <p:sp>
         <p:nvSpPr>
-          <p:cNvPr id="2" name="Title 1">
-            <a:extLst>
-              <a:ext uri="{FF2B5EF4-FFF2-40B4-BE49-F238E27FC236}">
-                <a16:creationId xmlns:a16="http://schemas.microsoft.com/office/drawing/2014/main" id="{34FA5FA7-80FD-6991-927D-76C35E91177D}"/>
-              </a:ext>
-            </a:extLst>
-          </p:cNvPr>
-          <p:cNvSpPr>
-            <a:spLocks noGrp="1"/>
+          <p:cNvPr id="2" name="Title 1"/>
+          <p:cNvSpPr>
+            <a:spLocks noGrp="1" noEditPoints="1"/>
           </p:cNvSpPr>
           <p:nvPr>
             <p:ph type="title"/>
@@ -1930,15 +2111,9 @@
       </p:sp>
       <p:sp>
         <p:nvSpPr>
-          <p:cNvPr id="3" name="Date Placeholder 2">
-            <a:extLst>
-              <a:ext uri="{FF2B5EF4-FFF2-40B4-BE49-F238E27FC236}">
-                <a16:creationId xmlns:a16="http://schemas.microsoft.com/office/drawing/2014/main" id="{BEB249CE-1EA1-26AF-6AF8-2BB778E30216}"/>
-              </a:ext>
-            </a:extLst>
-          </p:cNvPr>
-          <p:cNvSpPr>
-            <a:spLocks noGrp="1"/>
+          <p:cNvPr id="3" name="Date Placeholder 2"/>
+          <p:cNvSpPr>
+            <a:spLocks noGrp="1" noEditPoints="1"/>
           </p:cNvSpPr>
           <p:nvPr>
             <p:ph type="dt" sz="half" idx="10"/>
@@ -1951,7 +2126,7 @@
           <a:p>
             <a:fld id="{38F14860-83B1-C64B-B113-C7355B9F44CA}" type="datetimeFigureOut">
               <a:rPr lang="en-US" smtClean="0"/>
-              <a:t>3/19/23</a:t>
+              <a:t>3/20/2023</a:t>
             </a:fld>
             <a:endParaRPr lang="en-US"/>
           </a:p>
@@ -1959,15 +2134,9 @@
       </p:sp>
       <p:sp>
         <p:nvSpPr>
-          <p:cNvPr id="4" name="Footer Placeholder 3">
-            <a:extLst>
-              <a:ext uri="{FF2B5EF4-FFF2-40B4-BE49-F238E27FC236}">
-                <a16:creationId xmlns:a16="http://schemas.microsoft.com/office/drawing/2014/main" id="{DA09BDB4-1A72-7B85-6098-9AAB87A99713}"/>
-              </a:ext>
-            </a:extLst>
-          </p:cNvPr>
-          <p:cNvSpPr>
-            <a:spLocks noGrp="1"/>
+          <p:cNvPr id="4" name="Footer Placeholder 3"/>
+          <p:cNvSpPr>
+            <a:spLocks noGrp="1" noEditPoints="1"/>
           </p:cNvSpPr>
           <p:nvPr>
             <p:ph type="ftr" sz="quarter" idx="11"/>
@@ -1984,15 +2153,9 @@
       </p:sp>
       <p:sp>
         <p:nvSpPr>
-          <p:cNvPr id="5" name="Slide Number Placeholder 4">
-            <a:extLst>
-              <a:ext uri="{FF2B5EF4-FFF2-40B4-BE49-F238E27FC236}">
-                <a16:creationId xmlns:a16="http://schemas.microsoft.com/office/drawing/2014/main" id="{FF4B6956-40B5-E6A1-AE62-4453DA719B8E}"/>
-              </a:ext>
-            </a:extLst>
-          </p:cNvPr>
-          <p:cNvSpPr>
-            <a:spLocks noGrp="1"/>
+          <p:cNvPr id="5" name="Slide Number Placeholder 4"/>
+          <p:cNvSpPr>
+            <a:spLocks noGrp="1" noEditPoints="1"/>
           </p:cNvSpPr>
           <p:nvPr>
             <p:ph type="sldNum" sz="quarter" idx="12"/>
@@ -2012,11 +2175,6 @@
         </p:txBody>
       </p:sp>
     </p:spTree>
-    <p:extLst>
-      <p:ext uri="{BB962C8B-B14F-4D97-AF65-F5344CB8AC3E}">
-        <p14:creationId xmlns:p14="http://schemas.microsoft.com/office/powerpoint/2010/main" val="2558695946"/>
-      </p:ext>
-    </p:extLst>
   </p:cSld>
   <p:clrMapOvr>
     <a:masterClrMapping/>
@@ -2043,15 +2201,9 @@
       </p:grpSpPr>
       <p:sp>
         <p:nvSpPr>
-          <p:cNvPr id="2" name="Date Placeholder 1">
-            <a:extLst>
-              <a:ext uri="{FF2B5EF4-FFF2-40B4-BE49-F238E27FC236}">
-                <a16:creationId xmlns:a16="http://schemas.microsoft.com/office/drawing/2014/main" id="{59A00A3B-3657-B267-FB44-DBD751831974}"/>
-              </a:ext>
-            </a:extLst>
-          </p:cNvPr>
-          <p:cNvSpPr>
-            <a:spLocks noGrp="1"/>
+          <p:cNvPr id="2" name="Date Placeholder 1"/>
+          <p:cNvSpPr>
+            <a:spLocks noGrp="1" noEditPoints="1"/>
           </p:cNvSpPr>
           <p:nvPr>
             <p:ph type="dt" sz="half" idx="10"/>
@@ -2064,7 +2216,7 @@
           <a:p>
             <a:fld id="{38F14860-83B1-C64B-B113-C7355B9F44CA}" type="datetimeFigureOut">
               <a:rPr lang="en-US" smtClean="0"/>
-              <a:t>3/19/23</a:t>
+              <a:t>3/20/2023</a:t>
             </a:fld>
             <a:endParaRPr lang="en-US"/>
           </a:p>
@@ -2072,15 +2224,9 @@
       </p:sp>
       <p:sp>
         <p:nvSpPr>
-          <p:cNvPr id="3" name="Footer Placeholder 2">
-            <a:extLst>
-              <a:ext uri="{FF2B5EF4-FFF2-40B4-BE49-F238E27FC236}">
-                <a16:creationId xmlns:a16="http://schemas.microsoft.com/office/drawing/2014/main" id="{D24B0A6B-9BEB-A772-3876-675D60950BD9}"/>
-              </a:ext>
-            </a:extLst>
-          </p:cNvPr>
-          <p:cNvSpPr>
-            <a:spLocks noGrp="1"/>
+          <p:cNvPr id="3" name="Footer Placeholder 2"/>
+          <p:cNvSpPr>
+            <a:spLocks noGrp="1" noEditPoints="1"/>
           </p:cNvSpPr>
           <p:nvPr>
             <p:ph type="ftr" sz="quarter" idx="11"/>
@@ -2097,15 +2243,9 @@
       </p:sp>
       <p:sp>
         <p:nvSpPr>
-          <p:cNvPr id="4" name="Slide Number Placeholder 3">
-            <a:extLst>
-              <a:ext uri="{FF2B5EF4-FFF2-40B4-BE49-F238E27FC236}">
-                <a16:creationId xmlns:a16="http://schemas.microsoft.com/office/drawing/2014/main" id="{DF07A716-CF62-256B-1436-B74FC5F3D9F8}"/>
-              </a:ext>
-            </a:extLst>
-          </p:cNvPr>
-          <p:cNvSpPr>
-            <a:spLocks noGrp="1"/>
+          <p:cNvPr id="4" name="Slide Number Placeholder 3"/>
+          <p:cNvSpPr>
+            <a:spLocks noGrp="1" noEditPoints="1"/>
           </p:cNvSpPr>
           <p:nvPr>
             <p:ph type="sldNum" sz="quarter" idx="12"/>
@@ -2125,11 +2265,6 @@
         </p:txBody>
       </p:sp>
     </p:spTree>
-    <p:extLst>
-      <p:ext uri="{BB962C8B-B14F-4D97-AF65-F5344CB8AC3E}">
-        <p14:creationId xmlns:p14="http://schemas.microsoft.com/office/powerpoint/2010/main" val="813679266"/>
-      </p:ext>
-    </p:extLst>
   </p:cSld>
   <p:clrMapOvr>
     <a:masterClrMapping/>
@@ -2156,15 +2291,9 @@
       </p:grpSpPr>
       <p:sp>
         <p:nvSpPr>
-          <p:cNvPr id="2" name="Title 1">
-            <a:extLst>
-              <a:ext uri="{FF2B5EF4-FFF2-40B4-BE49-F238E27FC236}">
-                <a16:creationId xmlns:a16="http://schemas.microsoft.com/office/drawing/2014/main" id="{4D55CBBF-129F-26F5-87CE-EB3F21CE6C3E}"/>
-              </a:ext>
-            </a:extLst>
-          </p:cNvPr>
-          <p:cNvSpPr>
-            <a:spLocks noGrp="1"/>
+          <p:cNvPr id="2" name="Title 1"/>
+          <p:cNvSpPr>
+            <a:spLocks noGrp="1" noEditPoints="1"/>
           </p:cNvSpPr>
           <p:nvPr>
             <p:ph type="title"/>
@@ -2193,15 +2322,9 @@
       </p:sp>
       <p:sp>
         <p:nvSpPr>
-          <p:cNvPr id="3" name="Content Placeholder 2">
-            <a:extLst>
-              <a:ext uri="{FF2B5EF4-FFF2-40B4-BE49-F238E27FC236}">
-                <a16:creationId xmlns:a16="http://schemas.microsoft.com/office/drawing/2014/main" id="{7A26B42D-476B-5BA3-D869-05743060BB8F}"/>
-              </a:ext>
-            </a:extLst>
-          </p:cNvPr>
-          <p:cNvSpPr>
-            <a:spLocks noGrp="1"/>
+          <p:cNvPr id="3" name="Content Placeholder 2"/>
+          <p:cNvSpPr>
+            <a:spLocks noGrp="1" noEditPoints="1"/>
           </p:cNvSpPr>
           <p:nvPr>
             <p:ph idx="1"/>
@@ -2283,15 +2406,9 @@
       </p:sp>
       <p:sp>
         <p:nvSpPr>
-          <p:cNvPr id="4" name="Text Placeholder 3">
-            <a:extLst>
-              <a:ext uri="{FF2B5EF4-FFF2-40B4-BE49-F238E27FC236}">
-                <a16:creationId xmlns:a16="http://schemas.microsoft.com/office/drawing/2014/main" id="{96EABFD1-ADCA-2AD6-2BD8-0EBA09CD4210}"/>
-              </a:ext>
-            </a:extLst>
-          </p:cNvPr>
-          <p:cNvSpPr>
-            <a:spLocks noGrp="1"/>
+          <p:cNvPr id="4" name="Text Placeholder 3"/>
+          <p:cNvSpPr>
+            <a:spLocks noGrp="1" noEditPoints="1"/>
           </p:cNvSpPr>
           <p:nvPr>
             <p:ph type="body" sz="half" idx="2"/>
@@ -2354,15 +2471,9 @@
       </p:sp>
       <p:sp>
         <p:nvSpPr>
-          <p:cNvPr id="5" name="Date Placeholder 4">
-            <a:extLst>
-              <a:ext uri="{FF2B5EF4-FFF2-40B4-BE49-F238E27FC236}">
-                <a16:creationId xmlns:a16="http://schemas.microsoft.com/office/drawing/2014/main" id="{C191C60B-8595-E103-53A6-B899FC63A082}"/>
-              </a:ext>
-            </a:extLst>
-          </p:cNvPr>
-          <p:cNvSpPr>
-            <a:spLocks noGrp="1"/>
+          <p:cNvPr id="5" name="Date Placeholder 4"/>
+          <p:cNvSpPr>
+            <a:spLocks noGrp="1" noEditPoints="1"/>
           </p:cNvSpPr>
           <p:nvPr>
             <p:ph type="dt" sz="half" idx="10"/>
@@ -2375,7 +2486,7 @@
           <a:p>
             <a:fld id="{38F14860-83B1-C64B-B113-C7355B9F44CA}" type="datetimeFigureOut">
               <a:rPr lang="en-US" smtClean="0"/>
-              <a:t>3/19/23</a:t>
+              <a:t>3/20/2023</a:t>
             </a:fld>
             <a:endParaRPr lang="en-US"/>
           </a:p>
@@ -2383,15 +2494,9 @@
       </p:sp>
       <p:sp>
         <p:nvSpPr>
-          <p:cNvPr id="6" name="Footer Placeholder 5">
-            <a:extLst>
-              <a:ext uri="{FF2B5EF4-FFF2-40B4-BE49-F238E27FC236}">
-                <a16:creationId xmlns:a16="http://schemas.microsoft.com/office/drawing/2014/main" id="{0CDEC698-EE9D-47B8-E75D-8E1F43CCA94F}"/>
-              </a:ext>
-            </a:extLst>
-          </p:cNvPr>
-          <p:cNvSpPr>
-            <a:spLocks noGrp="1"/>
+          <p:cNvPr id="6" name="Footer Placeholder 5"/>
+          <p:cNvSpPr>
+            <a:spLocks noGrp="1" noEditPoints="1"/>
           </p:cNvSpPr>
           <p:nvPr>
             <p:ph type="ftr" sz="quarter" idx="11"/>
@@ -2408,15 +2513,9 @@
       </p:sp>
       <p:sp>
         <p:nvSpPr>
-          <p:cNvPr id="7" name="Slide Number Placeholder 6">
-            <a:extLst>
-              <a:ext uri="{FF2B5EF4-FFF2-40B4-BE49-F238E27FC236}">
-                <a16:creationId xmlns:a16="http://schemas.microsoft.com/office/drawing/2014/main" id="{DC807704-8CF1-8574-487C-C6DF12A12BD3}"/>
-              </a:ext>
-            </a:extLst>
-          </p:cNvPr>
-          <p:cNvSpPr>
-            <a:spLocks noGrp="1"/>
+          <p:cNvPr id="7" name="Slide Number Placeholder 6"/>
+          <p:cNvSpPr>
+            <a:spLocks noGrp="1" noEditPoints="1"/>
           </p:cNvSpPr>
           <p:nvPr>
             <p:ph type="sldNum" sz="quarter" idx="12"/>
@@ -2436,11 +2535,6 @@
         </p:txBody>
       </p:sp>
     </p:spTree>
-    <p:extLst>
-      <p:ext uri="{BB962C8B-B14F-4D97-AF65-F5344CB8AC3E}">
-        <p14:creationId xmlns:p14="http://schemas.microsoft.com/office/powerpoint/2010/main" val="1601846717"/>
-      </p:ext>
-    </p:extLst>
   </p:cSld>
   <p:clrMapOvr>
     <a:masterClrMapping/>
@@ -2467,15 +2561,9 @@
       </p:grpSpPr>
       <p:sp>
         <p:nvSpPr>
-          <p:cNvPr id="2" name="Title 1">
-            <a:extLst>
-              <a:ext uri="{FF2B5EF4-FFF2-40B4-BE49-F238E27FC236}">
-                <a16:creationId xmlns:a16="http://schemas.microsoft.com/office/drawing/2014/main" id="{E3D80D48-1E63-A0E8-CA9B-52007307D2C0}"/>
-              </a:ext>
-            </a:extLst>
-          </p:cNvPr>
-          <p:cNvSpPr>
-            <a:spLocks noGrp="1"/>
+          <p:cNvPr id="2" name="Title 1"/>
+          <p:cNvSpPr>
+            <a:spLocks noGrp="1" noEditPoints="1"/>
           </p:cNvSpPr>
           <p:nvPr>
             <p:ph type="title"/>
@@ -2504,15 +2592,9 @@
       </p:sp>
       <p:sp>
         <p:nvSpPr>
-          <p:cNvPr id="3" name="Picture Placeholder 2">
-            <a:extLst>
-              <a:ext uri="{FF2B5EF4-FFF2-40B4-BE49-F238E27FC236}">
-                <a16:creationId xmlns:a16="http://schemas.microsoft.com/office/drawing/2014/main" id="{63BFA437-4687-2852-33C4-D9898B4B3960}"/>
-              </a:ext>
-            </a:extLst>
-          </p:cNvPr>
-          <p:cNvSpPr>
-            <a:spLocks noGrp="1"/>
+          <p:cNvPr id="3" name="Picture Placeholder 2"/>
+          <p:cNvSpPr>
+            <a:spLocks noGrp="1" noEditPoints="1"/>
           </p:cNvSpPr>
           <p:nvPr>
             <p:ph type="pic" idx="1"/>
@@ -2565,21 +2647,16 @@
             </a:lvl9pPr>
           </a:lstStyle>
           <a:p>
+            <a:pPr lvl="0"/>
             <a:endParaRPr lang="en-US"/>
           </a:p>
         </p:txBody>
       </p:sp>
       <p:sp>
         <p:nvSpPr>
-          <p:cNvPr id="4" name="Text Placeholder 3">
-            <a:extLst>
-              <a:ext uri="{FF2B5EF4-FFF2-40B4-BE49-F238E27FC236}">
-                <a16:creationId xmlns:a16="http://schemas.microsoft.com/office/drawing/2014/main" id="{22D3100E-4851-1028-12D5-1370502F06BC}"/>
-              </a:ext>
-            </a:extLst>
-          </p:cNvPr>
-          <p:cNvSpPr>
-            <a:spLocks noGrp="1"/>
+          <p:cNvPr id="4" name="Text Placeholder 3"/>
+          <p:cNvSpPr>
+            <a:spLocks noGrp="1" noEditPoints="1"/>
           </p:cNvSpPr>
           <p:nvPr>
             <p:ph type="body" sz="half" idx="2"/>
@@ -2642,15 +2719,9 @@
       </p:sp>
       <p:sp>
         <p:nvSpPr>
-          <p:cNvPr id="5" name="Date Placeholder 4">
-            <a:extLst>
-              <a:ext uri="{FF2B5EF4-FFF2-40B4-BE49-F238E27FC236}">
-                <a16:creationId xmlns:a16="http://schemas.microsoft.com/office/drawing/2014/main" id="{5EA29883-64A0-B205-64B6-DD870607D5A5}"/>
-              </a:ext>
-            </a:extLst>
-          </p:cNvPr>
-          <p:cNvSpPr>
-            <a:spLocks noGrp="1"/>
+          <p:cNvPr id="5" name="Date Placeholder 4"/>
+          <p:cNvSpPr>
+            <a:spLocks noGrp="1" noEditPoints="1"/>
           </p:cNvSpPr>
           <p:nvPr>
             <p:ph type="dt" sz="half" idx="10"/>
@@ -2663,7 +2734,7 @@
           <a:p>
             <a:fld id="{38F14860-83B1-C64B-B113-C7355B9F44CA}" type="datetimeFigureOut">
               <a:rPr lang="en-US" smtClean="0"/>
-              <a:t>3/19/23</a:t>
+              <a:t>3/20/2023</a:t>
             </a:fld>
             <a:endParaRPr lang="en-US"/>
           </a:p>
@@ -2671,15 +2742,9 @@
       </p:sp>
       <p:sp>
         <p:nvSpPr>
-          <p:cNvPr id="6" name="Footer Placeholder 5">
-            <a:extLst>
-              <a:ext uri="{FF2B5EF4-FFF2-40B4-BE49-F238E27FC236}">
-                <a16:creationId xmlns:a16="http://schemas.microsoft.com/office/drawing/2014/main" id="{BD4FB11C-EAEB-C84A-24B3-FD5A130F5FD7}"/>
-              </a:ext>
-            </a:extLst>
-          </p:cNvPr>
-          <p:cNvSpPr>
-            <a:spLocks noGrp="1"/>
+          <p:cNvPr id="6" name="Footer Placeholder 5"/>
+          <p:cNvSpPr>
+            <a:spLocks noGrp="1" noEditPoints="1"/>
           </p:cNvSpPr>
           <p:nvPr>
             <p:ph type="ftr" sz="quarter" idx="11"/>
@@ -2696,15 +2761,9 @@
       </p:sp>
       <p:sp>
         <p:nvSpPr>
-          <p:cNvPr id="7" name="Slide Number Placeholder 6">
-            <a:extLst>
-              <a:ext uri="{FF2B5EF4-FFF2-40B4-BE49-F238E27FC236}">
-                <a16:creationId xmlns:a16="http://schemas.microsoft.com/office/drawing/2014/main" id="{3E2D9F3C-BE1D-FCBA-CF35-5CD23A4CF0BC}"/>
-              </a:ext>
-            </a:extLst>
-          </p:cNvPr>
-          <p:cNvSpPr>
-            <a:spLocks noGrp="1"/>
+          <p:cNvPr id="7" name="Slide Number Placeholder 6"/>
+          <p:cNvSpPr>
+            <a:spLocks noGrp="1" noEditPoints="1"/>
           </p:cNvSpPr>
           <p:nvPr>
             <p:ph type="sldNum" sz="quarter" idx="12"/>
@@ -2724,11 +2783,6 @@
         </p:txBody>
       </p:sp>
     </p:spTree>
-    <p:extLst>
-      <p:ext uri="{BB962C8B-B14F-4D97-AF65-F5344CB8AC3E}">
-        <p14:creationId xmlns:p14="http://schemas.microsoft.com/office/powerpoint/2010/main" val="1919290941"/>
-      </p:ext>
-    </p:extLst>
   </p:cSld>
   <p:clrMapOvr>
     <a:masterClrMapping/>
@@ -2760,15 +2814,9 @@
       </p:grpSpPr>
       <p:sp>
         <p:nvSpPr>
-          <p:cNvPr id="2" name="Title Placeholder 1">
-            <a:extLst>
-              <a:ext uri="{FF2B5EF4-FFF2-40B4-BE49-F238E27FC236}">
-                <a16:creationId xmlns:a16="http://schemas.microsoft.com/office/drawing/2014/main" id="{F1127EA4-9A14-C67E-31CD-4CB9C2B88E46}"/>
-              </a:ext>
-            </a:extLst>
-          </p:cNvPr>
-          <p:cNvSpPr>
-            <a:spLocks noGrp="1"/>
+          <p:cNvPr id="2" name="Title Placeholder 1"/>
+          <p:cNvSpPr>
+            <a:spLocks noGrp="1" noEditPoints="1"/>
           </p:cNvSpPr>
           <p:nvPr>
             <p:ph type="title"/>
@@ -2798,15 +2846,9 @@
       </p:sp>
       <p:sp>
         <p:nvSpPr>
-          <p:cNvPr id="3" name="Text Placeholder 2">
-            <a:extLst>
-              <a:ext uri="{FF2B5EF4-FFF2-40B4-BE49-F238E27FC236}">
-                <a16:creationId xmlns:a16="http://schemas.microsoft.com/office/drawing/2014/main" id="{79EE91A4-1BEA-BD7F-D212-BBBE3AD2A32F}"/>
-              </a:ext>
-            </a:extLst>
-          </p:cNvPr>
-          <p:cNvSpPr>
-            <a:spLocks noGrp="1"/>
+          <p:cNvPr id="3" name="Text Placeholder 2"/>
+          <p:cNvSpPr>
+            <a:spLocks noGrp="1" noEditPoints="1"/>
           </p:cNvSpPr>
           <p:nvPr>
             <p:ph type="body" idx="1"/>
@@ -2865,15 +2907,9 @@
       </p:sp>
       <p:sp>
         <p:nvSpPr>
-          <p:cNvPr id="4" name="Date Placeholder 3">
-            <a:extLst>
-              <a:ext uri="{FF2B5EF4-FFF2-40B4-BE49-F238E27FC236}">
-                <a16:creationId xmlns:a16="http://schemas.microsoft.com/office/drawing/2014/main" id="{40BC63F6-EBEA-AC64-7497-E1643B987615}"/>
-              </a:ext>
-            </a:extLst>
-          </p:cNvPr>
-          <p:cNvSpPr>
-            <a:spLocks noGrp="1"/>
+          <p:cNvPr id="4" name="Date Placeholder 3"/>
+          <p:cNvSpPr>
+            <a:spLocks noGrp="1" noEditPoints="1"/>
           </p:cNvSpPr>
           <p:nvPr>
             <p:ph type="dt" sz="half" idx="2"/>
@@ -2904,7 +2940,7 @@
           <a:p>
             <a:fld id="{38F14860-83B1-C64B-B113-C7355B9F44CA}" type="datetimeFigureOut">
               <a:rPr lang="en-US" smtClean="0"/>
-              <a:t>3/19/23</a:t>
+              <a:t>3/20/2023</a:t>
             </a:fld>
             <a:endParaRPr lang="en-US"/>
           </a:p>
@@ -2912,15 +2948,9 @@
       </p:sp>
       <p:sp>
         <p:nvSpPr>
-          <p:cNvPr id="5" name="Footer Placeholder 4">
-            <a:extLst>
-              <a:ext uri="{FF2B5EF4-FFF2-40B4-BE49-F238E27FC236}">
-                <a16:creationId xmlns:a16="http://schemas.microsoft.com/office/drawing/2014/main" id="{6E5C8389-A226-2EBF-1FFB-9BDAC7F85FA7}"/>
-              </a:ext>
-            </a:extLst>
-          </p:cNvPr>
-          <p:cNvSpPr>
-            <a:spLocks noGrp="1"/>
+          <p:cNvPr id="5" name="Footer Placeholder 4"/>
+          <p:cNvSpPr>
+            <a:spLocks noGrp="1" noEditPoints="1"/>
           </p:cNvSpPr>
           <p:nvPr>
             <p:ph type="ftr" sz="quarter" idx="3"/>
@@ -2955,15 +2985,9 @@
       </p:sp>
       <p:sp>
         <p:nvSpPr>
-          <p:cNvPr id="6" name="Slide Number Placeholder 5">
-            <a:extLst>
-              <a:ext uri="{FF2B5EF4-FFF2-40B4-BE49-F238E27FC236}">
-                <a16:creationId xmlns:a16="http://schemas.microsoft.com/office/drawing/2014/main" id="{7C3C4139-1CD5-8556-A31D-01897ABF5410}"/>
-              </a:ext>
-            </a:extLst>
-          </p:cNvPr>
-          <p:cNvSpPr>
-            <a:spLocks noGrp="1"/>
+          <p:cNvPr id="6" name="Slide Number Placeholder 5"/>
+          <p:cNvSpPr>
+            <a:spLocks noGrp="1" noEditPoints="1"/>
           </p:cNvSpPr>
           <p:nvPr>
             <p:ph type="sldNum" sz="quarter" idx="4"/>
@@ -3001,11 +3025,6 @@
         </p:txBody>
       </p:sp>
     </p:spTree>
-    <p:extLst>
-      <p:ext uri="{BB962C8B-B14F-4D97-AF65-F5344CB8AC3E}">
-        <p14:creationId xmlns:p14="http://schemas.microsoft.com/office/powerpoint/2010/main" val="3539814772"/>
-      </p:ext>
-    </p:extLst>
   </p:cSld>
   <p:clrMap bg1="lt1" tx1="dk1" bg2="lt2" tx2="dk2" accent1="accent1" accent2="accent2" accent3="accent3" accent4="accent4" accent5="accent5" accent6="accent6" hlink="hlink" folHlink="folHlink"/>
   <p:sldLayoutIdLst>
@@ -3049,7 +3068,7 @@
         <a:spcBef>
           <a:spcPts val="1000"/>
         </a:spcBef>
-        <a:buFont typeface="Arial" panose="020B0604020202020204" pitchFamily="34" charset="0"/>
+        <a:buFont typeface="Arial" pitchFamily="34" charset="0" panose="020B0604020202020204"/>
         <a:buChar char="•"/>
         <a:defRPr sz="2800" kern="1200">
           <a:solidFill>
@@ -3067,7 +3086,7 @@
         <a:spcBef>
           <a:spcPts val="500"/>
         </a:spcBef>
-        <a:buFont typeface="Arial" panose="020B0604020202020204" pitchFamily="34" charset="0"/>
+        <a:buFont typeface="Arial" pitchFamily="34" charset="0" panose="020B0604020202020204"/>
         <a:buChar char="•"/>
         <a:defRPr sz="2400" kern="1200">
           <a:solidFill>
@@ -3085,7 +3104,7 @@
         <a:spcBef>
           <a:spcPts val="500"/>
         </a:spcBef>
-        <a:buFont typeface="Arial" panose="020B0604020202020204" pitchFamily="34" charset="0"/>
+        <a:buFont typeface="Arial" pitchFamily="34" charset="0" panose="020B0604020202020204"/>
         <a:buChar char="•"/>
         <a:defRPr sz="2000" kern="1200">
           <a:solidFill>
@@ -3103,7 +3122,7 @@
         <a:spcBef>
           <a:spcPts val="500"/>
         </a:spcBef>
-        <a:buFont typeface="Arial" panose="020B0604020202020204" pitchFamily="34" charset="0"/>
+        <a:buFont typeface="Arial" pitchFamily="34" charset="0" panose="020B0604020202020204"/>
         <a:buChar char="•"/>
         <a:defRPr sz="1800" kern="1200">
           <a:solidFill>
@@ -3121,7 +3140,7 @@
         <a:spcBef>
           <a:spcPts val="500"/>
         </a:spcBef>
-        <a:buFont typeface="Arial" panose="020B0604020202020204" pitchFamily="34" charset="0"/>
+        <a:buFont typeface="Arial" pitchFamily="34" charset="0" panose="020B0604020202020204"/>
         <a:buChar char="•"/>
         <a:defRPr sz="1800" kern="1200">
           <a:solidFill>
@@ -3139,7 +3158,7 @@
         <a:spcBef>
           <a:spcPts val="500"/>
         </a:spcBef>
-        <a:buFont typeface="Arial" panose="020B0604020202020204" pitchFamily="34" charset="0"/>
+        <a:buFont typeface="Arial" pitchFamily="34" charset="0" panose="020B0604020202020204"/>
         <a:buChar char="•"/>
         <a:defRPr sz="1800" kern="1200">
           <a:solidFill>
@@ -3157,7 +3176,7 @@
         <a:spcBef>
           <a:spcPts val="500"/>
         </a:spcBef>
-        <a:buFont typeface="Arial" panose="020B0604020202020204" pitchFamily="34" charset="0"/>
+        <a:buFont typeface="Arial" pitchFamily="34" charset="0" panose="020B0604020202020204"/>
         <a:buChar char="•"/>
         <a:defRPr sz="1800" kern="1200">
           <a:solidFill>
@@ -3175,7 +3194,7 @@
         <a:spcBef>
           <a:spcPts val="500"/>
         </a:spcBef>
-        <a:buFont typeface="Arial" panose="020B0604020202020204" pitchFamily="34" charset="0"/>
+        <a:buFont typeface="Arial" pitchFamily="34" charset="0" panose="020B0604020202020204"/>
         <a:buChar char="•"/>
         <a:defRPr sz="1800" kern="1200">
           <a:solidFill>
@@ -3193,7 +3212,7 @@
         <a:spcBef>
           <a:spcPts val="500"/>
         </a:spcBef>
-        <a:buFont typeface="Arial" panose="020B0604020202020204" pitchFamily="34" charset="0"/>
+        <a:buFont typeface="Arial" pitchFamily="34" charset="0" panose="020B0604020202020204"/>
         <a:buChar char="•"/>
         <a:defRPr sz="1800" kern="1200">
           <a:solidFill>
@@ -3323,15 +3342,9 @@
       </p:grpSpPr>
       <p:sp>
         <p:nvSpPr>
-          <p:cNvPr id="2" name="Title 1">
-            <a:extLst>
-              <a:ext uri="{FF2B5EF4-FFF2-40B4-BE49-F238E27FC236}">
-                <a16:creationId xmlns:a16="http://schemas.microsoft.com/office/drawing/2014/main" id="{084B7E0C-924E-683E-80E4-118A06A4AAD1}"/>
-              </a:ext>
-            </a:extLst>
-          </p:cNvPr>
-          <p:cNvSpPr>
-            <a:spLocks noGrp="1"/>
+          <p:cNvPr id="2" name="Title 1"/>
+          <p:cNvSpPr>
+            <a:spLocks noGrp="1" noEditPoints="1"/>
           </p:cNvSpPr>
           <p:nvPr>
             <p:ph type="ctrTitle"/>
@@ -3339,7 +3352,7 @@
         </p:nvSpPr>
         <p:spPr>
           <a:xfrm>
-            <a:off x="181083" y="1"/>
+            <a:off x="4351866" y="-94457"/>
             <a:ext cx="3488267" cy="861660"/>
           </a:xfrm>
         </p:spPr>
@@ -3352,7 +3365,15 @@
             <a:pPr algn="l"/>
             <a:r>
               <a:rPr lang="en-US" sz="5300" dirty="0"/>
-              <a:t>WellPhone</a:t>
+              <a:t>Well</a:t>
+            </a:r>
+            <a:r>
+              <a:rPr lang="en-CA" sz="5300" dirty="0"/>
+              <a:t>-</a:t>
+            </a:r>
+            <a:r>
+              <a:rPr lang="en-US" sz="5300" dirty="0"/>
+              <a:t>Phone</a:t>
             </a:r>
             <a:endParaRPr lang="en-US" sz="4400" dirty="0"/>
           </a:p>
@@ -3360,15 +3381,9 @@
       </p:sp>
       <p:sp>
         <p:nvSpPr>
-          <p:cNvPr id="3" name="Subtitle 2">
-            <a:extLst>
-              <a:ext uri="{FF2B5EF4-FFF2-40B4-BE49-F238E27FC236}">
-                <a16:creationId xmlns:a16="http://schemas.microsoft.com/office/drawing/2014/main" id="{7BDDD41D-12B0-B899-8F5D-7B52F29C7440}"/>
-              </a:ext>
-            </a:extLst>
-          </p:cNvPr>
-          <p:cNvSpPr>
-            <a:spLocks noGrp="1"/>
+          <p:cNvPr id="3" name="Subtitle 2"/>
+          <p:cNvSpPr>
+            <a:spLocks noGrp="1" noEditPoints="1"/>
           </p:cNvSpPr>
           <p:nvPr>
             <p:ph type="subTitle" idx="1"/>
@@ -3376,8 +3391,8 @@
         </p:nvSpPr>
         <p:spPr>
           <a:xfrm>
-            <a:off x="3880411" y="871228"/>
-            <a:ext cx="4405747" cy="387029"/>
+            <a:off x="3225451" y="6409265"/>
+            <a:ext cx="5674518" cy="387029"/>
           </a:xfrm>
         </p:spPr>
         <p:txBody>
@@ -3409,20 +3424,15 @@
       </p:sp>
       <p:pic>
         <p:nvPicPr>
-          <p:cNvPr id="9" name="Picture 8">
-            <a:extLst>
-              <a:ext uri="{FF2B5EF4-FFF2-40B4-BE49-F238E27FC236}">
-                <a16:creationId xmlns:a16="http://schemas.microsoft.com/office/drawing/2014/main" id="{E5FA8014-F897-6837-CCBF-08FB7326C741}"/>
-              </a:ext>
-            </a:extLst>
-          </p:cNvPr>
+          <p:cNvPr id="9" name="Picture 8"/>
           <p:cNvPicPr>
             <a:picLocks noChangeAspect="1"/>
           </p:cNvPicPr>
           <p:nvPr/>
         </p:nvPicPr>
         <p:blipFill>
-          <a:blip r:embed="rId2"/>
+          <a:blip r:embed="rId1"/>
+          <a:srcRect/>
           <a:stretch>
             <a:fillRect/>
           </a:stretch>
@@ -3439,13 +3449,7 @@
       </p:pic>
       <p:sp>
         <p:nvSpPr>
-          <p:cNvPr id="10" name="Rectangle 9">
-            <a:extLst>
-              <a:ext uri="{FF2B5EF4-FFF2-40B4-BE49-F238E27FC236}">
-                <a16:creationId xmlns:a16="http://schemas.microsoft.com/office/drawing/2014/main" id="{E8B5F89B-EAAC-0836-EE43-B8A340E4B6B7}"/>
-              </a:ext>
-            </a:extLst>
-          </p:cNvPr>
+          <p:cNvPr id="10" name="Rectangle 9"/>
           <p:cNvSpPr/>
           <p:nvPr/>
         </p:nvSpPr>
@@ -3491,20 +3495,14 @@
       </p:sp>
       <p:pic>
         <p:nvPicPr>
-          <p:cNvPr id="5" name="Picture 4">
-            <a:extLst>
-              <a:ext uri="{FF2B5EF4-FFF2-40B4-BE49-F238E27FC236}">
-                <a16:creationId xmlns:a16="http://schemas.microsoft.com/office/drawing/2014/main" id="{790639A9-12ED-0B5F-6B28-344FDEDAC1F0}"/>
-              </a:ext>
-            </a:extLst>
-          </p:cNvPr>
+          <p:cNvPr id="5" name="Picture 4"/>
           <p:cNvPicPr>
             <a:picLocks noChangeAspect="1"/>
           </p:cNvPicPr>
           <p:nvPr/>
         </p:nvPicPr>
-        <p:blipFill rotWithShape="1">
-          <a:blip r:embed="rId3"/>
+        <p:blipFill>
+          <a:blip r:embed="rId2"/>
           <a:srcRect l="3321" t="37714" r="20529" b="24214"/>
           <a:stretch/>
         </p:blipFill>
@@ -3520,20 +3518,14 @@
       </p:pic>
       <p:sp>
         <p:nvSpPr>
-          <p:cNvPr id="11" name="TextBox 10">
-            <a:extLst>
-              <a:ext uri="{FF2B5EF4-FFF2-40B4-BE49-F238E27FC236}">
-                <a16:creationId xmlns:a16="http://schemas.microsoft.com/office/drawing/2014/main" id="{1661A219-3AAD-4450-486B-DE46E16AF69E}"/>
-              </a:ext>
-            </a:extLst>
-          </p:cNvPr>
+          <p:cNvPr id="11" name="TextBox 10"/>
           <p:cNvSpPr txBox="1"/>
           <p:nvPr/>
         </p:nvSpPr>
         <p:spPr>
           <a:xfrm>
-            <a:off x="306435" y="3455043"/>
-            <a:ext cx="3488267" cy="2554545"/>
+            <a:off x="338665" y="3509602"/>
+            <a:ext cx="3554848" cy="2666328"/>
           </a:xfrm>
           <a:prstGeom prst="rect">
             <a:avLst/>
@@ -3552,56 +3544,80 @@
           <a:lstStyle/>
           <a:p>
             <a:r>
+              <a:rPr lang="en-CA" sz="2000" b="1" dirty="0"/>
+              <a:t>Features</a:t>
+            </a:r>
+            <a:r>
               <a:rPr lang="en-US" sz="2000" b="1" dirty="0"/>
-              <a:t>Objectives </a:t>
-            </a:r>
-          </a:p>
-          <a:p>
-            <a:pPr marL="342900" indent="-342900">
-              <a:buFont typeface="Arial" panose="020B0604020202020204" pitchFamily="34" charset="0"/>
-              <a:buChar char="•"/>
-            </a:pPr>
-            <a:endParaRPr lang="en-US" sz="2000" b="1" dirty="0"/>
-          </a:p>
-          <a:p>
-            <a:endParaRPr lang="en-US" sz="2000" b="1" dirty="0"/>
-          </a:p>
-          <a:p>
-            <a:r>
-              <a:rPr lang="en-US" sz="2000" b="1" dirty="0"/>
-              <a:t>Methods</a:t>
-            </a:r>
-          </a:p>
-          <a:p>
-            <a:endParaRPr lang="en-US" sz="2000" b="1" dirty="0"/>
-          </a:p>
-          <a:p>
-            <a:endParaRPr lang="en-US" sz="2000" b="1" dirty="0"/>
-          </a:p>
-          <a:p>
-            <a:endParaRPr lang="en-US" sz="2000" b="1" dirty="0"/>
-          </a:p>
-          <a:p>
-            <a:endParaRPr lang="en-US" sz="2000" b="1" dirty="0"/>
-          </a:p>
-        </p:txBody>
-      </p:sp>
-      <p:sp>
-        <p:nvSpPr>
-          <p:cNvPr id="12" name="TextBox 11">
-            <a:extLst>
-              <a:ext uri="{FF2B5EF4-FFF2-40B4-BE49-F238E27FC236}">
-                <a16:creationId xmlns:a16="http://schemas.microsoft.com/office/drawing/2014/main" id="{6A14A3EF-85BA-DB44-B5D3-BE43CC584922}"/>
-              </a:ext>
-            </a:extLst>
-          </p:cNvPr>
+              <a:t> </a:t>
+            </a:r>
+            <a:endParaRPr lang="en-CA" sz="2000" b="1" dirty="0"/>
+          </a:p>
+          <a:p>
+            <a:r>
+              <a:rPr lang="en-CA" sz="2000" b="0" dirty="0"/>
+              <a:t>-</a:t>
+            </a:r>
+            <a:r>
+              <a:rPr lang="en-CA" sz="1600" b="0" dirty="0"/>
+              <a:t> Alarm clock</a:t>
+            </a:r>
+          </a:p>
+          <a:p>
+            <a:r>
+              <a:rPr lang="en-CA" sz="1600" b="0" dirty="0"/>
+              <a:t>- Wireless Charging</a:t>
+            </a:r>
+          </a:p>
+          <a:p>
+            <a:r>
+              <a:rPr lang="en-CA" sz="1600" b="0" dirty="0"/>
+              <a:t>- UV cleaning</a:t>
+            </a:r>
+          </a:p>
+          <a:p>
+            <a:r>
+              <a:rPr lang="en-CA" sz="1600" b="0" dirty="0"/>
+              <a:t>- sleep environment sensor</a:t>
+            </a:r>
+          </a:p>
+          <a:p>
+            <a:r>
+              <a:rPr lang="en-CA" sz="1600" b="0" dirty="0"/>
+              <a:t>- Built-in AI assistant</a:t>
+            </a:r>
+          </a:p>
+          <a:p>
+            <a:r>
+              <a:rPr lang="en-CA" sz="1600" b="0" dirty="0"/>
+              <a:t>- Physical, mental and emotional activity prompts</a:t>
+            </a:r>
+          </a:p>
+          <a:p>
+            <a:r>
+              <a:rPr lang="en-CA" sz="1600" b="0" dirty="0"/>
+              <a:t>- Automatic locking mechanism</a:t>
+            </a:r>
+          </a:p>
+          <a:p>
+            <a:r>
+              <a:rPr lang="en-CA" sz="1600" b="0" dirty="0"/>
+              <a:t>- EmotionMirror App integration</a:t>
+            </a:r>
+            <a:endParaRPr lang="en-US" sz="2000" b="0" dirty="0"/>
+          </a:p>
+        </p:txBody>
+      </p:sp>
+      <p:sp>
+        <p:nvSpPr>
+          <p:cNvPr id="12" name="TextBox 11"/>
           <p:cNvSpPr txBox="1"/>
           <p:nvPr/>
         </p:nvSpPr>
         <p:spPr>
           <a:xfrm>
-            <a:off x="306435" y="1207784"/>
-            <a:ext cx="3488267" cy="2185214"/>
+            <a:off x="338665" y="1207784"/>
+            <a:ext cx="3488267" cy="1921281"/>
           </a:xfrm>
           <a:prstGeom prst="rect">
             <a:avLst/>
@@ -3631,9 +3647,21 @@
                   <a:srgbClr val="000000"/>
                 </a:solidFill>
                 <a:effectLst/>
-                <a:latin typeface="Arial" panose="020B0604020202020204" pitchFamily="34" charset="0"/>
+                <a:latin typeface="Calibri" panose="020F0502020204030204"/>
+                <a:ea typeface="Calibri" panose="020F0502020204030204"/>
+                <a:cs typeface="Calibri" panose="020F0502020204030204"/>
               </a:rPr>
-              <a:t>We aimed to improve long term quality of life through a consistent positive reward based system for children, by removing their phones before bed.</a:t>
+              <a:t>We aimed to improve long term quality of life through a consistent positive reward based system for children, by removing their phones before bed.  </a:t>
+            </a:r>
+            <a:r>
+              <a:rPr lang="en-CA" sz="1600" b="0" i="0" u="none" strike="noStrike" dirty="0">
+                <a:solidFill>
+                  <a:srgbClr val="000000"/>
+                </a:solidFill>
+                <a:effectLst/>
+                <a:latin typeface="Arial" pitchFamily="34" charset="0" panose="020B0604020202020204"/>
+              </a:rPr>
+              <a:t>  </a:t>
             </a:r>
           </a:p>
           <a:p>
@@ -3646,20 +3674,14 @@
       </p:sp>
       <p:sp>
         <p:nvSpPr>
-          <p:cNvPr id="13" name="TextBox 12">
-            <a:extLst>
-              <a:ext uri="{FF2B5EF4-FFF2-40B4-BE49-F238E27FC236}">
-                <a16:creationId xmlns:a16="http://schemas.microsoft.com/office/drawing/2014/main" id="{6A1CEA90-618E-05E5-93F4-1E84384DB247}"/>
-              </a:ext>
-            </a:extLst>
-          </p:cNvPr>
+          <p:cNvPr id="13" name="TextBox 12"/>
           <p:cNvSpPr txBox="1"/>
           <p:nvPr/>
         </p:nvSpPr>
         <p:spPr>
           <a:xfrm>
-            <a:off x="3991551" y="1207784"/>
-            <a:ext cx="4208898" cy="4708981"/>
+            <a:off x="3978456" y="1207784"/>
+            <a:ext cx="4221993" cy="4603637"/>
           </a:xfrm>
           <a:prstGeom prst="rect">
             <a:avLst/>
@@ -3677,14 +3699,11 @@
           </a:bodyPr>
           <a:lstStyle/>
           <a:p>
-            <a:r>
-              <a:rPr lang="en-US" sz="2000" b="1" dirty="0"/>
-              <a:t>Outcome/Results</a:t>
-            </a:r>
+            <a:endParaRPr lang="en-US" sz="2000" b="1" dirty="0"/>
           </a:p>
           <a:p>
             <a:pPr marL="342900" indent="-342900">
-              <a:buFont typeface="Arial" panose="020B0604020202020204" pitchFamily="34" charset="0"/>
+              <a:buFont typeface="Arial" pitchFamily="34" charset="0" panose="020B0604020202020204"/>
               <a:buChar char="•"/>
             </a:pPr>
             <a:endParaRPr lang="en-US" sz="1600" dirty="0"/>
@@ -3732,19 +3751,431 @@
       </p:sp>
       <p:sp>
         <p:nvSpPr>
-          <p:cNvPr id="15" name="TextBox 14">
-            <a:extLst>
-              <a:ext uri="{FF2B5EF4-FFF2-40B4-BE49-F238E27FC236}">
-                <a16:creationId xmlns:a16="http://schemas.microsoft.com/office/drawing/2014/main" id="{3F863F21-76EB-8B72-6E5B-C8A5929A84C7}"/>
-              </a:ext>
-            </a:extLst>
-          </p:cNvPr>
+          <p:cNvPr id="15" name="TextBox 14"/>
           <p:cNvSpPr txBox="1"/>
           <p:nvPr/>
         </p:nvSpPr>
         <p:spPr>
           <a:xfrm>
-            <a:off x="8384203" y="3597247"/>
+            <a:off x="8384203" y="3372905"/>
+            <a:ext cx="3602926" cy="2355277"/>
+          </a:xfrm>
+          <a:prstGeom prst="rect">
+            <a:avLst/>
+          </a:prstGeom>
+          <a:noFill/>
+          <a:ln>
+            <a:solidFill>
+              <a:schemeClr val="tx1"/>
+            </a:solidFill>
+          </a:ln>
+        </p:spPr>
+        <p:txBody>
+          <a:bodyPr wrap="square" rtlCol="0">
+            <a:spAutoFit/>
+          </a:bodyPr>
+          <a:lstStyle/>
+          <a:p>
+            <a:r>
+              <a:rPr lang="en-US" sz="2000" b="1" dirty="0"/>
+              <a:t>Next Steps</a:t>
+            </a:r>
+            <a:endParaRPr lang="en-CA" sz="2000" b="1" dirty="0"/>
+          </a:p>
+          <a:p>
+            <a:pPr marL="0" marR="0" indent="0" algn="l">
+              <a:lnSpc>
+                <a:spcPct val="100000"/>
+              </a:lnSpc>
+              <a:spcBef>
+                <a:spcPts val="0"/>
+              </a:spcBef>
+              <a:spcAft>
+                <a:spcPts val="0"/>
+              </a:spcAft>
+            </a:pPr>
+            <a:r>
+              <a:rPr lang="en-CA" sz="1600" b="0" i="0" u="none" strike="noStrike">
+                <a:solidFill>
+                  <a:srgbClr val="000000"/>
+                </a:solidFill>
+                <a:latin typeface="arial" charset="0"/>
+                <a:ea typeface="+mn-ea"/>
+                <a:cs typeface="+mn-cs"/>
+              </a:rPr>
+              <a:t>Turning</a:t>
+            </a:r>
+            <a:r>
+              <a:rPr lang="en-US" sz="1600" b="0" i="0" u="none" strike="noStrike">
+                <a:solidFill>
+                  <a:srgbClr val="000000"/>
+                </a:solidFill>
+                <a:latin typeface="arial" charset="0"/>
+                <a:ea typeface="+mn-ea"/>
+                <a:cs typeface="+mn-cs"/>
+              </a:rPr>
+              <a:t> the Well</a:t>
+            </a:r>
+            <a:r>
+              <a:rPr lang="en-CA" sz="1600" b="0" i="0" u="none" strike="noStrike">
+                <a:solidFill>
+                  <a:srgbClr val="000000"/>
+                </a:solidFill>
+                <a:latin typeface="arial" charset="0"/>
+                <a:ea typeface="+mn-ea"/>
+                <a:cs typeface="+mn-cs"/>
+              </a:rPr>
+              <a:t>-P</a:t>
+            </a:r>
+            <a:r>
+              <a:rPr lang="en-US" sz="1600" b="0" i="0" u="none" strike="noStrike">
+                <a:solidFill>
+                  <a:srgbClr val="000000"/>
+                </a:solidFill>
+                <a:latin typeface="arial" charset="0"/>
+                <a:ea typeface="+mn-ea"/>
+                <a:cs typeface="+mn-cs"/>
+              </a:rPr>
+              <a:t>hone into a usable tool for</a:t>
+            </a:r>
+            <a:r>
+              <a:rPr lang="en-CA" sz="1600" b="0" i="0" u="none" strike="noStrike">
+                <a:solidFill>
+                  <a:srgbClr val="000000"/>
+                </a:solidFill>
+                <a:latin typeface="arial" charset="0"/>
+                <a:ea typeface="+mn-ea"/>
+                <a:cs typeface="+mn-cs"/>
+              </a:rPr>
+              <a:t> </a:t>
+            </a:r>
+            <a:r>
+              <a:rPr lang="en-US" sz="1600" b="0" i="0" u="none" strike="noStrike">
+                <a:solidFill>
+                  <a:srgbClr val="000000"/>
+                </a:solidFill>
+                <a:latin typeface="arial" charset="0"/>
+                <a:ea typeface="+mn-ea"/>
+                <a:cs typeface="+mn-cs"/>
+              </a:rPr>
+              <a:t>children</a:t>
+            </a:r>
+            <a:r>
+              <a:rPr lang="en-CA" sz="1600" b="0" i="0" u="none" strike="noStrike">
+                <a:solidFill>
+                  <a:srgbClr val="000000"/>
+                </a:solidFill>
+                <a:latin typeface="arial" charset="0"/>
+                <a:ea typeface="+mn-ea"/>
+                <a:cs typeface="+mn-cs"/>
+              </a:rPr>
+              <a:t> by:</a:t>
+            </a:r>
+          </a:p>
+          <a:p>
+            <a:pPr marL="0" marR="0" indent="0" algn="l">
+              <a:lnSpc>
+                <a:spcPct val="100000"/>
+              </a:lnSpc>
+              <a:spcBef>
+                <a:spcPts val="0"/>
+              </a:spcBef>
+              <a:spcAft>
+                <a:spcPts val="0"/>
+              </a:spcAft>
+            </a:pPr>
+            <a:r>
+              <a:rPr lang="en-CA" sz="1600" b="0" i="0" u="none" strike="noStrike">
+                <a:solidFill>
+                  <a:srgbClr val="000000"/>
+                </a:solidFill>
+                <a:latin typeface="arial" charset="0"/>
+                <a:ea typeface="+mn-ea"/>
+                <a:cs typeface="+mn-cs"/>
+              </a:rPr>
+              <a:t>- C</a:t>
+            </a:r>
+            <a:r>
+              <a:rPr lang="en-US" sz="1600" b="0" i="0" u="none" strike="noStrike">
+                <a:solidFill>
+                  <a:srgbClr val="000000"/>
+                </a:solidFill>
+                <a:latin typeface="arial" charset="0"/>
+                <a:ea typeface="+mn-ea"/>
+                <a:cs typeface="+mn-cs"/>
+              </a:rPr>
+              <a:t>reating app that controls Well</a:t>
+            </a:r>
+            <a:r>
+              <a:rPr lang="en-CA" sz="1600" b="0" i="0" u="none" strike="noStrike">
+                <a:solidFill>
+                  <a:srgbClr val="000000"/>
+                </a:solidFill>
+                <a:latin typeface="arial" charset="0"/>
+                <a:ea typeface="+mn-ea"/>
+                <a:cs typeface="+mn-cs"/>
+              </a:rPr>
+              <a:t>-P</a:t>
+            </a:r>
+            <a:r>
+              <a:rPr lang="en-US" sz="1600" b="0" i="0" u="none" strike="noStrike">
+                <a:solidFill>
+                  <a:srgbClr val="000000"/>
+                </a:solidFill>
+                <a:latin typeface="arial" charset="0"/>
+                <a:ea typeface="+mn-ea"/>
+                <a:cs typeface="+mn-cs"/>
+              </a:rPr>
+              <a:t>hone Lock</a:t>
+            </a:r>
+            <a:r>
+              <a:rPr lang="en-CA" sz="1600" b="0" i="0" u="none" strike="noStrike">
+                <a:solidFill>
+                  <a:srgbClr val="000000"/>
+                </a:solidFill>
+                <a:latin typeface="arial" charset="0"/>
+                <a:ea typeface="+mn-ea"/>
+                <a:cs typeface="+mn-cs"/>
+              </a:rPr>
+              <a:t>b</a:t>
+            </a:r>
+            <a:r>
+              <a:rPr lang="en-US" sz="1600" b="0" i="0" u="none" strike="noStrike">
+                <a:solidFill>
+                  <a:srgbClr val="000000"/>
+                </a:solidFill>
+                <a:latin typeface="arial" charset="0"/>
+                <a:ea typeface="+mn-ea"/>
+                <a:cs typeface="+mn-cs"/>
+              </a:rPr>
+              <a:t>ox.</a:t>
+            </a:r>
+            <a:endParaRPr lang="en-US" sz="1600" b="0" i="0" u="none" strike="noStrike">
+              <a:solidFill>
+                <a:srgbClr val="000000"/>
+              </a:solidFill>
+              <a:latin typeface="Segoe UI" charset="0"/>
+              <a:ea typeface="+mn-ea"/>
+              <a:cs typeface="+mn-cs"/>
+            </a:endParaRPr>
+          </a:p>
+          <a:p>
+            <a:pPr marL="-228600" marR="0" indent="0" algn="l">
+              <a:lnSpc>
+                <a:spcPct val="100000"/>
+              </a:lnSpc>
+              <a:spcBef>
+                <a:spcPts val="0"/>
+              </a:spcBef>
+              <a:spcAft>
+                <a:spcPts val="0"/>
+              </a:spcAft>
+              <a:buNone/>
+            </a:pPr>
+            <a:r>
+              <a:rPr lang="en-CA" sz="1600" b="0" i="0" u="none" strike="noStrike">
+                <a:solidFill>
+                  <a:srgbClr val="000000"/>
+                </a:solidFill>
+                <a:latin typeface="arial" charset="0"/>
+                <a:ea typeface="+mn-ea"/>
+                <a:cs typeface="+mn-cs"/>
+              </a:rPr>
+              <a:t>- L</a:t>
+            </a:r>
+            <a:r>
+              <a:rPr lang="en-US" sz="1600" b="0" i="0" u="none" strike="noStrike">
+                <a:solidFill>
+                  <a:srgbClr val="000000"/>
+                </a:solidFill>
+                <a:latin typeface="arial" charset="0"/>
+                <a:ea typeface="+mn-ea"/>
+                <a:cs typeface="+mn-cs"/>
+              </a:rPr>
+              <a:t>ist activities</a:t>
+            </a:r>
+            <a:r>
+              <a:rPr lang="en-CA" sz="1600" b="0" i="0" u="none" strike="noStrike">
+                <a:solidFill>
+                  <a:srgbClr val="000000"/>
+                </a:solidFill>
+                <a:latin typeface="arial" charset="0"/>
+                <a:ea typeface="+mn-ea"/>
+                <a:cs typeface="+mn-cs"/>
+              </a:rPr>
+              <a:t>/goals</a:t>
+            </a:r>
+            <a:r>
+              <a:rPr lang="en-US" sz="1600" b="0" i="0" u="none" strike="noStrike">
+                <a:solidFill>
+                  <a:srgbClr val="000000"/>
+                </a:solidFill>
+                <a:latin typeface="arial" charset="0"/>
+                <a:ea typeface="+mn-ea"/>
+                <a:cs typeface="+mn-cs"/>
+              </a:rPr>
+              <a:t> to set </a:t>
+            </a:r>
+            <a:r>
+              <a:rPr lang="en-CA" sz="1600" b="0" i="0" u="none" strike="noStrike">
+                <a:solidFill>
+                  <a:srgbClr val="000000"/>
+                </a:solidFill>
+                <a:latin typeface="arial" charset="0"/>
+                <a:ea typeface="+mn-ea"/>
+                <a:cs typeface="+mn-cs"/>
+              </a:rPr>
+              <a:t>on app</a:t>
+            </a:r>
+            <a:endParaRPr lang="en-US" sz="1600" b="0" i="0" u="none" strike="noStrike">
+              <a:solidFill>
+                <a:srgbClr val="000000"/>
+              </a:solidFill>
+              <a:latin typeface="Segoe UI" charset="0"/>
+              <a:ea typeface="+mn-ea"/>
+              <a:cs typeface="+mn-cs"/>
+            </a:endParaRPr>
+          </a:p>
+          <a:p>
+            <a:pPr marL="-228600" marR="0" indent="0" algn="l">
+              <a:lnSpc>
+                <a:spcPct val="100000"/>
+              </a:lnSpc>
+              <a:spcBef>
+                <a:spcPts val="0"/>
+              </a:spcBef>
+              <a:spcAft>
+                <a:spcPts val="0"/>
+              </a:spcAft>
+              <a:buNone/>
+            </a:pPr>
+            <a:r>
+              <a:rPr lang="en-CA" sz="1600" b="0" i="0" u="none" strike="noStrike">
+                <a:solidFill>
+                  <a:srgbClr val="000000"/>
+                </a:solidFill>
+                <a:latin typeface="arial" charset="0"/>
+                <a:ea typeface="+mn-ea"/>
+                <a:cs typeface="+mn-cs"/>
+              </a:rPr>
+              <a:t>- Make r</a:t>
+            </a:r>
+            <a:r>
+              <a:rPr lang="en-US" sz="1600" b="0" i="0" u="none" strike="noStrike">
+                <a:solidFill>
+                  <a:srgbClr val="000000"/>
+                </a:solidFill>
+                <a:latin typeface="arial" charset="0"/>
+                <a:ea typeface="+mn-ea"/>
+                <a:cs typeface="+mn-cs"/>
+              </a:rPr>
+              <a:t>ewards list that </a:t>
+            </a:r>
+            <a:r>
+              <a:rPr lang="en-CA" sz="1600" b="0" i="0" u="none" strike="noStrike">
+                <a:solidFill>
+                  <a:srgbClr val="000000"/>
+                </a:solidFill>
+                <a:latin typeface="arial" charset="0"/>
+                <a:ea typeface="+mn-ea"/>
+                <a:cs typeface="+mn-cs"/>
+              </a:rPr>
+              <a:t>displays</a:t>
+            </a:r>
+            <a:r>
+              <a:rPr lang="en-US" sz="1600" b="0" i="0" u="none" strike="noStrike">
+                <a:solidFill>
+                  <a:srgbClr val="000000"/>
+                </a:solidFill>
+                <a:latin typeface="arial" charset="0"/>
+                <a:ea typeface="+mn-ea"/>
+                <a:cs typeface="+mn-cs"/>
+              </a:rPr>
+              <a:t> current streak and points to claim  reward. </a:t>
+            </a:r>
+            <a:endParaRPr lang="en-CA" sz="1600" b="1" dirty="0"/>
+          </a:p>
+        </p:txBody>
+      </p:sp>
+      <p:sp>
+        <p:nvSpPr>
+          <p:cNvPr id="16" name="TextBox 15"/>
+          <p:cNvSpPr txBox="1"/>
+          <p:nvPr/>
+        </p:nvSpPr>
+        <p:spPr>
+          <a:xfrm>
+            <a:off x="8384203" y="1207784"/>
+            <a:ext cx="3488267" cy="1829726"/>
+          </a:xfrm>
+          <a:prstGeom prst="rect">
+            <a:avLst/>
+          </a:prstGeom>
+          <a:noFill/>
+          <a:ln>
+            <a:solidFill>
+              <a:schemeClr val="tx1"/>
+            </a:solidFill>
+          </a:ln>
+        </p:spPr>
+        <p:txBody>
+          <a:bodyPr wrap="square" rtlCol="0">
+            <a:spAutoFit/>
+          </a:bodyPr>
+          <a:lstStyle/>
+          <a:p>
+            <a:r>
+              <a:rPr lang="en-CA" b="1" dirty="0"/>
+              <a:t>Benefits</a:t>
+            </a:r>
+          </a:p>
+          <a:p>
+            <a:r>
+              <a:rPr lang="en-CA" sz="1600" b="0" dirty="0"/>
+              <a:t>- Delayed gratification</a:t>
+            </a:r>
+          </a:p>
+          <a:p>
+            <a:r>
+              <a:rPr lang="en-CA" sz="1600" b="0" dirty="0"/>
+              <a:t>- Develop positive behaviors</a:t>
+            </a:r>
+          </a:p>
+          <a:p>
+            <a:r>
+              <a:rPr lang="en-CA" sz="1600" b="0" dirty="0"/>
+              <a:t>-  Builds healthy habits into adulthood</a:t>
+            </a:r>
+          </a:p>
+          <a:p>
+            <a:r>
+              <a:rPr lang="en-CA" sz="1600" b="0" dirty="0"/>
+              <a:t>-  Recognize feelings</a:t>
+            </a:r>
+          </a:p>
+          <a:p>
+            <a:r>
+              <a:rPr lang="en-CA" sz="1600" b="0" dirty="0"/>
+              <a:t>- Improves physical health</a:t>
+            </a:r>
+          </a:p>
+          <a:p>
+            <a:r>
+              <a:rPr lang="en-CA" sz="1600" b="0" dirty="0"/>
+              <a:t>- Better sleep quality</a:t>
+            </a:r>
+          </a:p>
+        </p:txBody>
+      </p:sp>
+      <p:sp>
+        <p:nvSpPr>
+          <p:cNvPr id="17" name="TextBox 16"/>
+          <p:cNvSpPr txBox="1"/>
+          <p:nvPr/>
+        </p:nvSpPr>
+        <p:spPr>
+          <a:xfrm>
+            <a:off x="8384203" y="5817822"/>
             <a:ext cx="3488267" cy="400110"/>
           </a:xfrm>
           <a:prstGeom prst="rect">
@@ -3765,87 +4196,6 @@
           <a:p>
             <a:r>
               <a:rPr lang="en-US" sz="2000" b="1" dirty="0"/>
-              <a:t>Next Steps</a:t>
-            </a:r>
-          </a:p>
-        </p:txBody>
-      </p:sp>
-      <p:sp>
-        <p:nvSpPr>
-          <p:cNvPr id="16" name="TextBox 15">
-            <a:extLst>
-              <a:ext uri="{FF2B5EF4-FFF2-40B4-BE49-F238E27FC236}">
-                <a16:creationId xmlns:a16="http://schemas.microsoft.com/office/drawing/2014/main" id="{6C196DA1-AE51-7DFC-344A-D52A5AF65987}"/>
-              </a:ext>
-            </a:extLst>
-          </p:cNvPr>
-          <p:cNvSpPr txBox="1"/>
-          <p:nvPr/>
-        </p:nvSpPr>
-        <p:spPr>
-          <a:xfrm>
-            <a:off x="8384203" y="1207784"/>
-            <a:ext cx="3488267" cy="400110"/>
-          </a:xfrm>
-          <a:prstGeom prst="rect">
-            <a:avLst/>
-          </a:prstGeom>
-          <a:noFill/>
-          <a:ln>
-            <a:solidFill>
-              <a:schemeClr val="tx1"/>
-            </a:solidFill>
-          </a:ln>
-        </p:spPr>
-        <p:txBody>
-          <a:bodyPr wrap="square" rtlCol="0">
-            <a:spAutoFit/>
-          </a:bodyPr>
-          <a:lstStyle/>
-          <a:p>
-            <a:r>
-              <a:rPr lang="en-US" sz="2000" b="1" dirty="0"/>
-              <a:t>Conclusions</a:t>
-            </a:r>
-            <a:endParaRPr lang="en-US" b="1" dirty="0"/>
-          </a:p>
-        </p:txBody>
-      </p:sp>
-      <p:sp>
-        <p:nvSpPr>
-          <p:cNvPr id="17" name="TextBox 16">
-            <a:extLst>
-              <a:ext uri="{FF2B5EF4-FFF2-40B4-BE49-F238E27FC236}">
-                <a16:creationId xmlns:a16="http://schemas.microsoft.com/office/drawing/2014/main" id="{0F27EE50-6710-22A8-C049-8232C74A91C9}"/>
-              </a:ext>
-            </a:extLst>
-          </p:cNvPr>
-          <p:cNvSpPr txBox="1"/>
-          <p:nvPr/>
-        </p:nvSpPr>
-        <p:spPr>
-          <a:xfrm>
-            <a:off x="8384202" y="4307664"/>
-            <a:ext cx="3488267" cy="400110"/>
-          </a:xfrm>
-          <a:prstGeom prst="rect">
-            <a:avLst/>
-          </a:prstGeom>
-          <a:noFill/>
-          <a:ln>
-            <a:solidFill>
-              <a:schemeClr val="tx1"/>
-            </a:solidFill>
-          </a:ln>
-        </p:spPr>
-        <p:txBody>
-          <a:bodyPr wrap="square" rtlCol="0">
-            <a:spAutoFit/>
-          </a:bodyPr>
-          <a:lstStyle/>
-          <a:p>
-            <a:r>
-              <a:rPr lang="en-US" sz="2000" b="1" dirty="0"/>
               <a:t>References</a:t>
             </a:r>
           </a:p>
@@ -3853,19 +4203,13 @@
       </p:sp>
       <p:sp>
         <p:nvSpPr>
-          <p:cNvPr id="18" name="Rectangle 17">
-            <a:extLst>
-              <a:ext uri="{FF2B5EF4-FFF2-40B4-BE49-F238E27FC236}">
-                <a16:creationId xmlns:a16="http://schemas.microsoft.com/office/drawing/2014/main" id="{340C01F1-21FA-A2A1-5C03-CD04AA99D7ED}"/>
-              </a:ext>
-            </a:extLst>
-          </p:cNvPr>
+          <p:cNvPr id="18" name="Rectangle 17"/>
           <p:cNvSpPr/>
           <p:nvPr/>
         </p:nvSpPr>
         <p:spPr>
           <a:xfrm flipV="1">
-            <a:off x="249673" y="767203"/>
+            <a:off x="4285285" y="713651"/>
             <a:ext cx="3554848" cy="53552"/>
           </a:xfrm>
           <a:prstGeom prst="rect">
@@ -3905,21 +4249,13 @@
       </p:sp>
       <p:sp>
         <p:nvSpPr>
-          <p:cNvPr id="19" name="Subtitle 2">
-            <a:extLst>
-              <a:ext uri="{FF2B5EF4-FFF2-40B4-BE49-F238E27FC236}">
-                <a16:creationId xmlns:a16="http://schemas.microsoft.com/office/drawing/2014/main" id="{37A224ED-B9D6-F118-A2A6-4F125C42CB49}"/>
-              </a:ext>
-            </a:extLst>
-          </p:cNvPr>
-          <p:cNvSpPr txBox="1">
-            <a:spLocks/>
-          </p:cNvSpPr>
+          <p:cNvPr id="19" name="Subtitle 2"/>
+          <p:cNvSpPr txBox="1"/>
           <p:nvPr/>
         </p:nvSpPr>
         <p:spPr>
           <a:xfrm>
-            <a:off x="220726" y="871229"/>
+            <a:off x="4972016" y="820755"/>
             <a:ext cx="2181388" cy="387029"/>
           </a:xfrm>
           <a:prstGeom prst="rect">
@@ -3938,7 +4274,7 @@
               <a:spcBef>
                 <a:spcPts val="1000"/>
               </a:spcBef>
-              <a:buFont typeface="Arial" panose="020B0604020202020204" pitchFamily="34" charset="0"/>
+              <a:buFont typeface="Arial" pitchFamily="34" charset="0" panose="020B0604020202020204"/>
               <a:buNone/>
               <a:defRPr sz="2400" kern="1200">
                 <a:solidFill>
@@ -3956,7 +4292,7 @@
               <a:spcBef>
                 <a:spcPts val="500"/>
               </a:spcBef>
-              <a:buFont typeface="Arial" panose="020B0604020202020204" pitchFamily="34" charset="0"/>
+              <a:buFont typeface="Arial" pitchFamily="34" charset="0" panose="020B0604020202020204"/>
               <a:buNone/>
               <a:defRPr sz="2000" kern="1200">
                 <a:solidFill>
@@ -3974,7 +4310,7 @@
               <a:spcBef>
                 <a:spcPts val="500"/>
               </a:spcBef>
-              <a:buFont typeface="Arial" panose="020B0604020202020204" pitchFamily="34" charset="0"/>
+              <a:buFont typeface="Arial" pitchFamily="34" charset="0" panose="020B0604020202020204"/>
               <a:buNone/>
               <a:defRPr sz="1800" kern="1200">
                 <a:solidFill>
@@ -3992,7 +4328,7 @@
               <a:spcBef>
                 <a:spcPts val="500"/>
               </a:spcBef>
-              <a:buFont typeface="Arial" panose="020B0604020202020204" pitchFamily="34" charset="0"/>
+              <a:buFont typeface="Arial" pitchFamily="34" charset="0" panose="020B0604020202020204"/>
               <a:buNone/>
               <a:defRPr sz="1600" kern="1200">
                 <a:solidFill>
@@ -4010,7 +4346,7 @@
               <a:spcBef>
                 <a:spcPts val="500"/>
               </a:spcBef>
-              <a:buFont typeface="Arial" panose="020B0604020202020204" pitchFamily="34" charset="0"/>
+              <a:buFont typeface="Arial" pitchFamily="34" charset="0" panose="020B0604020202020204"/>
               <a:buNone/>
               <a:defRPr sz="1600" kern="1200">
                 <a:solidFill>
@@ -4028,7 +4364,7 @@
               <a:spcBef>
                 <a:spcPts val="500"/>
               </a:spcBef>
-              <a:buFont typeface="Arial" panose="020B0604020202020204" pitchFamily="34" charset="0"/>
+              <a:buFont typeface="Arial" pitchFamily="34" charset="0" panose="020B0604020202020204"/>
               <a:buNone/>
               <a:defRPr sz="1600" kern="1200">
                 <a:solidFill>
@@ -4046,7 +4382,7 @@
               <a:spcBef>
                 <a:spcPts val="500"/>
               </a:spcBef>
-              <a:buFont typeface="Arial" panose="020B0604020202020204" pitchFamily="34" charset="0"/>
+              <a:buFont typeface="Arial" pitchFamily="34" charset="0" panose="020B0604020202020204"/>
               <a:buNone/>
               <a:defRPr sz="1600" kern="1200">
                 <a:solidFill>
@@ -4064,7 +4400,7 @@
               <a:spcBef>
                 <a:spcPts val="500"/>
               </a:spcBef>
-              <a:buFont typeface="Arial" panose="020B0604020202020204" pitchFamily="34" charset="0"/>
+              <a:buFont typeface="Arial" pitchFamily="34" charset="0" panose="020B0604020202020204"/>
               <a:buNone/>
               <a:defRPr sz="1600" kern="1200">
                 <a:solidFill>
@@ -4082,7 +4418,7 @@
               <a:spcBef>
                 <a:spcPts val="500"/>
               </a:spcBef>
-              <a:buFont typeface="Arial" panose="020B0604020202020204" pitchFamily="34" charset="0"/>
+              <a:buFont typeface="Arial" pitchFamily="34" charset="0" panose="020B0604020202020204"/>
               <a:buNone/>
               <a:defRPr sz="1600" kern="1200">
                 <a:solidFill>
@@ -4104,11 +4440,6 @@
         </p:txBody>
       </p:sp>
     </p:spTree>
-    <p:extLst>
-      <p:ext uri="{BB962C8B-B14F-4D97-AF65-F5344CB8AC3E}">
-        <p14:creationId xmlns:p14="http://schemas.microsoft.com/office/powerpoint/2010/main" val="3488107744"/>
-      </p:ext>
-    </p:extLst>
   </p:cSld>
   <p:clrMapOvr>
     <a:masterClrMapping/>
@@ -4409,4 +4740,229 @@
     </a:ext>
   </a:extLst>
 </a:theme>
+</file>
+
+<file path=ppt/theme/theme2.xml><?xml version="1.0" encoding="utf-8"?>
+<a:theme xmlns:a="http://schemas.openxmlformats.org/drawingml/2006/main" name="Office Notes Theme">
+  <a:themeElements>
+    <a:clrScheme name="Office Notes Theme">
+      <a:dk1>
+        <a:sysClr val="windowText" lastClr="000000"/>
+      </a:dk1>
+      <a:lt1>
+        <a:sysClr val="window" lastClr="FFFFFF"/>
+      </a:lt1>
+      <a:dk2>
+        <a:srgbClr val="44546A"/>
+      </a:dk2>
+      <a:lt2>
+        <a:srgbClr val="E7E6E6"/>
+      </a:lt2>
+      <a:accent1>
+        <a:srgbClr val="5B9BD5"/>
+      </a:accent1>
+      <a:accent2>
+        <a:srgbClr val="ED7D31"/>
+      </a:accent2>
+      <a:accent3>
+        <a:srgbClr val="A5A5A5"/>
+      </a:accent3>
+      <a:accent4>
+        <a:srgbClr val="FFC000"/>
+      </a:accent4>
+      <a:accent5>
+        <a:srgbClr val="4472C4"/>
+      </a:accent5>
+      <a:accent6>
+        <a:srgbClr val="70AD47"/>
+      </a:accent6>
+      <a:hlink>
+        <a:srgbClr val="0563C1"/>
+      </a:hlink>
+      <a:folHlink>
+        <a:srgbClr val="954F72"/>
+      </a:folHlink>
+    </a:clrScheme>
+    <a:fontScheme name="Office Notes Theme">
+      <a:majorFont>
+        <a:latin typeface="Calibri"/>
+        <a:ea typeface=""/>
+        <a:cs typeface=""/>
+      </a:majorFont>
+      <a:minorFont>
+        <a:latin typeface="Calibri"/>
+        <a:ea typeface=""/>
+        <a:cs typeface=""/>
+      </a:minorFont>
+    </a:fontScheme>
+    <a:fmtScheme name="Office Notes Theme">
+      <a:fillStyleLst>
+        <a:solidFill>
+          <a:schemeClr val="phClr"/>
+        </a:solidFill>
+        <a:gradFill rotWithShape="1">
+          <a:gsLst>
+            <a:gs pos="0">
+              <a:schemeClr val="phClr">
+                <a:tint val="50000"/>
+                <a:satMod val="300000"/>
+              </a:schemeClr>
+            </a:gs>
+            <a:gs pos="35000">
+              <a:schemeClr val="phClr">
+                <a:tint val="37000"/>
+                <a:satMod val="300000"/>
+              </a:schemeClr>
+            </a:gs>
+            <a:gs pos="100000">
+              <a:schemeClr val="phClr">
+                <a:tint val="15000"/>
+                <a:satMod val="350000"/>
+              </a:schemeClr>
+            </a:gs>
+          </a:gsLst>
+          <a:lin ang="16200000" scaled="1"/>
+        </a:gradFill>
+        <a:gradFill rotWithShape="1">
+          <a:gsLst>
+            <a:gs pos="0">
+              <a:schemeClr val="phClr">
+                <a:shade val="51000"/>
+                <a:satMod val="130000"/>
+              </a:schemeClr>
+            </a:gs>
+            <a:gs pos="80000">
+              <a:schemeClr val="phClr">
+                <a:shade val="93000"/>
+                <a:satMod val="130000"/>
+              </a:schemeClr>
+            </a:gs>
+            <a:gs pos="100000">
+              <a:schemeClr val="phClr">
+                <a:shade val="94000"/>
+                <a:satMod val="135000"/>
+              </a:schemeClr>
+            </a:gs>
+          </a:gsLst>
+          <a:lin ang="16200000" scaled="1"/>
+        </a:gradFill>
+      </a:fillStyleLst>
+      <a:lnStyleLst>
+        <a:ln w="9525" cap="flat" cmpd="sng">
+          <a:solidFill>
+            <a:schemeClr val="phClr">
+              <a:shade val="95000"/>
+              <a:satMod val="105000"/>
+            </a:schemeClr>
+          </a:solidFill>
+          <a:prstDash val="solid"/>
+        </a:ln>
+        <a:ln w="25400" cap="flat" cmpd="sng">
+          <a:solidFill>
+            <a:schemeClr val="phClr"/>
+          </a:solidFill>
+          <a:prstDash val="solid"/>
+        </a:ln>
+        <a:ln w="38100" cap="flat" cmpd="sng">
+          <a:solidFill>
+            <a:schemeClr val="phClr"/>
+          </a:solidFill>
+          <a:prstDash val="solid"/>
+        </a:ln>
+      </a:lnStyleLst>
+      <a:effectStyleLst>
+        <a:effectStyle>
+          <a:effectLst>
+            <a:outerShdw blurRad="40000" dist="20000" dir="5400000" rotWithShape="0">
+              <a:srgbClr val="000000">
+                <a:alpha val="38000"/>
+              </a:srgbClr>
+            </a:outerShdw>
+          </a:effectLst>
+        </a:effectStyle>
+        <a:effectStyle>
+          <a:effectLst>
+            <a:outerShdw blurRad="40000" dist="23000" dir="5400000" rotWithShape="0">
+              <a:srgbClr val="000000">
+                <a:alpha val="35000"/>
+              </a:srgbClr>
+            </a:outerShdw>
+          </a:effectLst>
+        </a:effectStyle>
+        <a:effectStyle>
+          <a:effectLst>
+            <a:outerShdw blurRad="40000" dist="23000" dir="5400000" rotWithShape="0">
+              <a:srgbClr val="000000">
+                <a:alpha val="35000"/>
+              </a:srgbClr>
+            </a:outerShdw>
+          </a:effectLst>
+          <a:scene3d>
+            <a:camera prst="orthographicFront">
+              <a:rot lat="0" lon="0" rev="0"/>
+            </a:camera>
+            <a:lightRig rig="threePt" dir="t">
+              <a:rot lat="0" lon="0" rev="1200000"/>
+            </a:lightRig>
+          </a:scene3d>
+          <a:sp3d>
+            <a:bevelT w="63500" h="25400"/>
+          </a:sp3d>
+        </a:effectStyle>
+      </a:effectStyleLst>
+      <a:bgFillStyleLst>
+        <a:solidFill>
+          <a:schemeClr val="phClr"/>
+        </a:solidFill>
+        <a:gradFill rotWithShape="1">
+          <a:gsLst>
+            <a:gs pos="0">
+              <a:schemeClr val="phClr">
+                <a:tint val="40000"/>
+                <a:satMod val="350000"/>
+              </a:schemeClr>
+            </a:gs>
+            <a:gs pos="40000">
+              <a:schemeClr val="phClr">
+                <a:tint val="45000"/>
+                <a:shade val="99000"/>
+                <a:satMod val="350000"/>
+              </a:schemeClr>
+            </a:gs>
+            <a:gs pos="100000">
+              <a:schemeClr val="phClr">
+                <a:shade val="20000"/>
+                <a:satMod val="255000"/>
+              </a:schemeClr>
+            </a:gs>
+          </a:gsLst>
+          <a:path path="circle">
+            <a:fillToRect l="50000" t="-80000" r="50000" b="180000"/>
+          </a:path>
+        </a:gradFill>
+        <a:gradFill rotWithShape="1">
+          <a:gsLst>
+            <a:gs pos="0">
+              <a:schemeClr val="phClr">
+                <a:tint val="80000"/>
+                <a:satMod val="300000"/>
+              </a:schemeClr>
+            </a:gs>
+            <a:gs pos="100000">
+              <a:schemeClr val="phClr">
+                <a:shade val="30000"/>
+                <a:satMod val="200000"/>
+              </a:schemeClr>
+            </a:gs>
+          </a:gsLst>
+          <a:path path="circle">
+            <a:fillToRect l="50000" t="50000" r="50000" b="50000"/>
+          </a:path>
+        </a:gradFill>
+      </a:bgFillStyleLst>
+    </a:fmtScheme>
+  </a:themeElements>
+  <a:objectDefaults/>
+  <a:extraClrSchemeLst/>
+</a:theme>
 </file>
--- a/WellPhone poster design.pptx
+++ b/WellPhone poster design.pptx
@@ -2,21 +2,21 @@
 <file path=ppt/presentation.xml><?xml version="1.0" encoding="utf-8"?>
 <p:presentation xmlns:a="http://schemas.openxmlformats.org/drawingml/2006/main" xmlns:r="http://schemas.openxmlformats.org/officeDocument/2006/relationships" xmlns:p="http://schemas.openxmlformats.org/presentationml/2006/main">
   <p:sldMasterIdLst>
-    <p:sldMasterId id="2147483648" r:id="rId1"/>
+    <p:sldMasterId id="2147483660" r:id="rId1"/>
   </p:sldMasterIdLst>
   <p:notesMasterIdLst>
-    <p:notesMasterId r:id="rId2"/>
+    <p:notesMasterId r:id="rId3"/>
   </p:notesMasterIdLst>
   <p:sldIdLst>
-    <p:sldId id="256" r:id="rId3"/>
+    <p:sldId id="256" r:id="rId2"/>
   </p:sldIdLst>
-  <p:sldSz cx="12192000" cy="6858000"/>
+  <p:sldSz cx="32918400" cy="21945600"/>
   <p:notesSz cx="6858000" cy="9144000"/>
   <p:defaultTextStyle>
     <a:defPPr>
       <a:defRPr lang="en-US"/>
     </a:defPPr>
-    <a:lvl1pPr marL="0" algn="l" defTabSz="914400" rtl="0" eaLnBrk="1" latinLnBrk="0" hangingPunct="1">
+    <a:lvl1pPr marL="0" algn="l" defTabSz="457200" rtl="0" eaLnBrk="1" latinLnBrk="0" hangingPunct="1">
       <a:defRPr sz="1800" kern="1200">
         <a:solidFill>
           <a:schemeClr val="tx1"/>
@@ -26,7 +26,7 @@
         <a:cs typeface="+mn-cs"/>
       </a:defRPr>
     </a:lvl1pPr>
-    <a:lvl2pPr marL="457200" algn="l" defTabSz="914400" rtl="0" eaLnBrk="1" latinLnBrk="0" hangingPunct="1">
+    <a:lvl2pPr marL="457200" algn="l" defTabSz="457200" rtl="0" eaLnBrk="1" latinLnBrk="0" hangingPunct="1">
       <a:defRPr sz="1800" kern="1200">
         <a:solidFill>
           <a:schemeClr val="tx1"/>
@@ -36,7 +36,7 @@
         <a:cs typeface="+mn-cs"/>
       </a:defRPr>
     </a:lvl2pPr>
-    <a:lvl3pPr marL="914400" algn="l" defTabSz="914400" rtl="0" eaLnBrk="1" latinLnBrk="0" hangingPunct="1">
+    <a:lvl3pPr marL="914400" algn="l" defTabSz="457200" rtl="0" eaLnBrk="1" latinLnBrk="0" hangingPunct="1">
       <a:defRPr sz="1800" kern="1200">
         <a:solidFill>
           <a:schemeClr val="tx1"/>
@@ -46,7 +46,7 @@
         <a:cs typeface="+mn-cs"/>
       </a:defRPr>
     </a:lvl3pPr>
-    <a:lvl4pPr marL="1371600" algn="l" defTabSz="914400" rtl="0" eaLnBrk="1" latinLnBrk="0" hangingPunct="1">
+    <a:lvl4pPr marL="1371600" algn="l" defTabSz="457200" rtl="0" eaLnBrk="1" latinLnBrk="0" hangingPunct="1">
       <a:defRPr sz="1800" kern="1200">
         <a:solidFill>
           <a:schemeClr val="tx1"/>
@@ -56,7 +56,7 @@
         <a:cs typeface="+mn-cs"/>
       </a:defRPr>
     </a:lvl4pPr>
-    <a:lvl5pPr marL="1828800" algn="l" defTabSz="914400" rtl="0" eaLnBrk="1" latinLnBrk="0" hangingPunct="1">
+    <a:lvl5pPr marL="1828800" algn="l" defTabSz="457200" rtl="0" eaLnBrk="1" latinLnBrk="0" hangingPunct="1">
       <a:defRPr sz="1800" kern="1200">
         <a:solidFill>
           <a:schemeClr val="tx1"/>
@@ -66,7 +66,7 @@
         <a:cs typeface="+mn-cs"/>
       </a:defRPr>
     </a:lvl5pPr>
-    <a:lvl6pPr marL="2286000" algn="l" defTabSz="914400" rtl="0" eaLnBrk="1" latinLnBrk="0" hangingPunct="1">
+    <a:lvl6pPr marL="2286000" algn="l" defTabSz="457200" rtl="0" eaLnBrk="1" latinLnBrk="0" hangingPunct="1">
       <a:defRPr sz="1800" kern="1200">
         <a:solidFill>
           <a:schemeClr val="tx1"/>
@@ -76,7 +76,7 @@
         <a:cs typeface="+mn-cs"/>
       </a:defRPr>
     </a:lvl6pPr>
-    <a:lvl7pPr marL="2743200" algn="l" defTabSz="914400" rtl="0" eaLnBrk="1" latinLnBrk="0" hangingPunct="1">
+    <a:lvl7pPr marL="2743200" algn="l" defTabSz="457200" rtl="0" eaLnBrk="1" latinLnBrk="0" hangingPunct="1">
       <a:defRPr sz="1800" kern="1200">
         <a:solidFill>
           <a:schemeClr val="tx1"/>
@@ -86,7 +86,7 @@
         <a:cs typeface="+mn-cs"/>
       </a:defRPr>
     </a:lvl7pPr>
-    <a:lvl8pPr marL="3200400" algn="l" defTabSz="914400" rtl="0" eaLnBrk="1" latinLnBrk="0" hangingPunct="1">
+    <a:lvl8pPr marL="3200400" algn="l" defTabSz="457200" rtl="0" eaLnBrk="1" latinLnBrk="0" hangingPunct="1">
       <a:defRPr sz="1800" kern="1200">
         <a:solidFill>
           <a:schemeClr val="tx1"/>
@@ -96,7 +96,7 @@
         <a:cs typeface="+mn-cs"/>
       </a:defRPr>
     </a:lvl8pPr>
-    <a:lvl9pPr marL="3657600" algn="l" defTabSz="914400" rtl="0" eaLnBrk="1" latinLnBrk="0" hangingPunct="1">
+    <a:lvl9pPr marL="3657600" algn="l" defTabSz="457200" rtl="0" eaLnBrk="1" latinLnBrk="0" hangingPunct="1">
       <a:defRPr sz="1800" kern="1200">
         <a:solidFill>
           <a:schemeClr val="tx1"/>
@@ -107,6 +107,11 @@
       </a:defRPr>
     </a:lvl9pPr>
   </p:defaultTextStyle>
+  <p:extLst>
+    <p:ext uri="{EFAFB233-063F-42B5-8137-9DF3F51BA10A}">
+      <p15:sldGuideLst xmlns:p15="http://schemas.microsoft.com/office/powerpoint/2012/main"/>
+    </p:ext>
+  </p:extLst>
 </p:presentation>
 </file>
 
@@ -158,7 +163,9 @@
               <a:defRPr sz="1200"/>
             </a:lvl1pPr>
           </a:lstStyle>
-          <a:p/>
+          <a:p>
+            <a:endParaRPr/>
+          </a:p>
           <a:p>
             <a:endParaRPr lang="en-US"/>
           </a:p>
@@ -190,13 +197,14 @@
               <a:defRPr sz="1200"/>
             </a:lvl1pPr>
           </a:lstStyle>
-          <a:p/>
-          <a:p>
-            <a:r>
-              <a:rPr lang="en-US" smtClean="0"/>
+          <a:p>
+            <a:endParaRPr/>
+          </a:p>
+          <a:p>
+            <a:r>
+              <a:rPr lang="en-US"/>
               <a:t>*</a:t>
             </a:r>
-            <a:endParaRPr lang="en-US"/>
           </a:p>
         </p:txBody>
       </p:sp>
@@ -212,8 +220,8 @@
         </p:nvSpPr>
         <p:spPr>
           <a:xfrm>
-            <a:off x="1143000" y="685800"/>
-            <a:ext cx="4572000" cy="3429000"/>
+            <a:off x="857250" y="685800"/>
+            <a:ext cx="5143500" cy="3429000"/>
           </a:xfrm>
           <a:prstGeom prst="rect">
             <a:avLst/>
@@ -228,7 +236,9 @@
         <p:txBody>
           <a:bodyPr vert="horz" lIns="91440" tIns="45720" rIns="91440" bIns="45720" rtlCol="0" anchor="ctr"/>
           <a:lstStyle/>
-          <a:p/>
+          <a:p>
+            <a:endParaRPr/>
+          </a:p>
           <a:p>
             <a:endParaRPr lang="en-US"/>
           </a:p>
@@ -258,6 +268,7 @@
           <a:lstStyle/>
           <a:p>
             <a:pPr lvl="0"/>
+            <a:endParaRPr/>
           </a:p>
           <a:p>
             <a:pPr lvl="0"/>
@@ -322,7 +333,9 @@
               <a:defRPr sz="1200"/>
             </a:lvl1pPr>
           </a:lstStyle>
-          <a:p/>
+          <a:p>
+            <a:endParaRPr/>
+          </a:p>
           <a:p>
             <a:endParaRPr lang="en-US"/>
           </a:p>
@@ -354,13 +367,14 @@
               <a:defRPr sz="1200"/>
             </a:lvl1pPr>
           </a:lstStyle>
-          <a:p/>
-          <a:p>
-            <a:r>
-              <a:rPr lang="en-US" smtClean="0"/>
+          <a:p>
+            <a:endParaRPr/>
+          </a:p>
+          <a:p>
+            <a:r>
+              <a:rPr lang="en-US"/>
               <a:t>#</a:t>
             </a:r>
-            <a:endParaRPr lang="en-US"/>
           </a:p>
         </p:txBody>
       </p:sp>
@@ -368,8 +382,8 @@
   </p:cSld>
   <p:clrMap bg1="lt1" tx1="dk1" bg2="lt2" tx2="dk2" accent1="accent1" accent2="accent2" accent3="accent3" accent4="accent4" accent5="accent5" accent6="accent6" hlink="hlink" folHlink="folHlink"/>
   <p:notesStyle>
-    <a:lvl1pPr marL="0" algn="l" defTabSz="914400" rtl="0" eaLnBrk="1" latinLnBrk="0" hangingPunct="1">
-      <a:defRPr sz="1200" kern="1200">
+    <a:lvl1pPr marL="0" algn="l" defTabSz="2633302" rtl="0" eaLnBrk="1" latinLnBrk="0" hangingPunct="1">
+      <a:defRPr sz="3456" kern="1200">
         <a:solidFill>
           <a:schemeClr val="tx1"/>
         </a:solidFill>
@@ -378,8 +392,8 @@
         <a:cs typeface="+mn-cs"/>
       </a:defRPr>
     </a:lvl1pPr>
-    <a:lvl2pPr marL="457200" algn="l" defTabSz="914400" rtl="0" eaLnBrk="1" latinLnBrk="0" hangingPunct="1">
-      <a:defRPr sz="1200" kern="1200">
+    <a:lvl2pPr marL="1316652" algn="l" defTabSz="2633302" rtl="0" eaLnBrk="1" latinLnBrk="0" hangingPunct="1">
+      <a:defRPr sz="3456" kern="1200">
         <a:solidFill>
           <a:schemeClr val="tx1"/>
         </a:solidFill>
@@ -388,8 +402,8 @@
         <a:cs typeface="+mn-cs"/>
       </a:defRPr>
     </a:lvl2pPr>
-    <a:lvl3pPr marL="914400" algn="l" defTabSz="914400" rtl="0" eaLnBrk="1" latinLnBrk="0" hangingPunct="1">
-      <a:defRPr sz="1200" kern="1200">
+    <a:lvl3pPr marL="2633302" algn="l" defTabSz="2633302" rtl="0" eaLnBrk="1" latinLnBrk="0" hangingPunct="1">
+      <a:defRPr sz="3456" kern="1200">
         <a:solidFill>
           <a:schemeClr val="tx1"/>
         </a:solidFill>
@@ -398,8 +412,8 @@
         <a:cs typeface="+mn-cs"/>
       </a:defRPr>
     </a:lvl3pPr>
-    <a:lvl4pPr marL="1371600" algn="l" defTabSz="914400" rtl="0" eaLnBrk="1" latinLnBrk="0" hangingPunct="1">
-      <a:defRPr sz="1200" kern="1200">
+    <a:lvl4pPr marL="3949955" algn="l" defTabSz="2633302" rtl="0" eaLnBrk="1" latinLnBrk="0" hangingPunct="1">
+      <a:defRPr sz="3456" kern="1200">
         <a:solidFill>
           <a:schemeClr val="tx1"/>
         </a:solidFill>
@@ -408,8 +422,8 @@
         <a:cs typeface="+mn-cs"/>
       </a:defRPr>
     </a:lvl4pPr>
-    <a:lvl5pPr marL="1828800" algn="l" defTabSz="914400" rtl="0" eaLnBrk="1" latinLnBrk="0" hangingPunct="1">
-      <a:defRPr sz="1200" kern="1200">
+    <a:lvl5pPr marL="5266607" algn="l" defTabSz="2633302" rtl="0" eaLnBrk="1" latinLnBrk="0" hangingPunct="1">
+      <a:defRPr sz="3456" kern="1200">
         <a:solidFill>
           <a:schemeClr val="tx1"/>
         </a:solidFill>
@@ -418,8 +432,8 @@
         <a:cs typeface="+mn-cs"/>
       </a:defRPr>
     </a:lvl5pPr>
-    <a:lvl6pPr marL="2286000" algn="l" defTabSz="914400" rtl="0" eaLnBrk="1" latinLnBrk="0" hangingPunct="1">
-      <a:defRPr sz="1200" kern="1200">
+    <a:lvl6pPr marL="6583260" algn="l" defTabSz="2633302" rtl="0" eaLnBrk="1" latinLnBrk="0" hangingPunct="1">
+      <a:defRPr sz="3456" kern="1200">
         <a:solidFill>
           <a:schemeClr val="tx1"/>
         </a:solidFill>
@@ -428,8 +442,8 @@
         <a:cs typeface="+mn-cs"/>
       </a:defRPr>
     </a:lvl6pPr>
-    <a:lvl7pPr marL="2743200" algn="l" defTabSz="914400" rtl="0" eaLnBrk="1" latinLnBrk="0" hangingPunct="1">
-      <a:defRPr sz="1200" kern="1200">
+    <a:lvl7pPr marL="7899909" algn="l" defTabSz="2633302" rtl="0" eaLnBrk="1" latinLnBrk="0" hangingPunct="1">
+      <a:defRPr sz="3456" kern="1200">
         <a:solidFill>
           <a:schemeClr val="tx1"/>
         </a:solidFill>
@@ -438,8 +452,8 @@
         <a:cs typeface="+mn-cs"/>
       </a:defRPr>
     </a:lvl7pPr>
-    <a:lvl8pPr marL="3200400" algn="l" defTabSz="914400" rtl="0" eaLnBrk="1" latinLnBrk="0" hangingPunct="1">
-      <a:defRPr sz="1200" kern="1200">
+    <a:lvl8pPr marL="9216562" algn="l" defTabSz="2633302" rtl="0" eaLnBrk="1" latinLnBrk="0" hangingPunct="1">
+      <a:defRPr sz="3456" kern="1200">
         <a:solidFill>
           <a:schemeClr val="tx1"/>
         </a:solidFill>
@@ -448,8 +462,8 @@
         <a:cs typeface="+mn-cs"/>
       </a:defRPr>
     </a:lvl8pPr>
-    <a:lvl9pPr marL="3657600" algn="l" defTabSz="914400" rtl="0" eaLnBrk="1" latinLnBrk="0" hangingPunct="1">
-      <a:defRPr sz="1200" kern="1200">
+    <a:lvl9pPr marL="10533214" algn="l" defTabSz="2633302" rtl="0" eaLnBrk="1" latinLnBrk="0" hangingPunct="1">
+      <a:defRPr sz="3456" kern="1200">
         <a:solidFill>
           <a:schemeClr val="tx1"/>
         </a:solidFill>
@@ -491,8 +505,8 @@
         </p:nvSpPr>
         <p:spPr>
           <a:xfrm>
-            <a:off x="381000" y="685800"/>
-            <a:ext cx="6096000" cy="3429000"/>
+            <a:off x="857250" y="685800"/>
+            <a:ext cx="5143500" cy="3429000"/>
           </a:xfrm>
           <a:prstGeom prst="rect">
             <a:avLst/>
@@ -501,7 +515,9 @@
         <p:txBody>
           <a:bodyPr/>
           <a:lstStyle/>
-          <a:p/>
+          <a:p>
+            <a:endParaRPr/>
+          </a:p>
         </p:txBody>
       </p:sp>
       <p:sp>
@@ -548,7 +564,7 @@
           <a:p>
             <a:fld id="{CA33E74A-332F-4D12-A9BE-1C1BFE909412}" type="slidenum">
               <a:rPr lang="en-US" smtClean="0"/>
-              <a:t>‹#›</a:t>
+              <a:t>1</a:t>
             </a:fld>
             <a:endParaRPr lang="en-US"/>
           </a:p>
@@ -583,7 +599,7 @@
         <p:nvSpPr>
           <p:cNvPr id="2" name="Title 1"/>
           <p:cNvSpPr>
-            <a:spLocks noGrp="1" noEditPoints="1"/>
+            <a:spLocks noGrp="1"/>
           </p:cNvSpPr>
           <p:nvPr>
             <p:ph type="ctrTitle"/>
@@ -591,15 +607,15 @@
         </p:nvSpPr>
         <p:spPr>
           <a:xfrm>
-            <a:off x="1524000" y="1122363"/>
-            <a:ext cx="9144000" cy="2387600"/>
+            <a:off x="2468880" y="3591562"/>
+            <a:ext cx="27980640" cy="7640320"/>
           </a:xfrm>
         </p:spPr>
         <p:txBody>
           <a:bodyPr anchor="b"/>
           <a:lstStyle>
             <a:lvl1pPr algn="ctr">
-              <a:defRPr sz="6000"/>
+              <a:defRPr sz="19200"/>
             </a:lvl1pPr>
           </a:lstStyle>
           <a:p>
@@ -607,6 +623,7 @@
               <a:rPr lang="en-US"/>
               <a:t>Click to edit Master title style</a:t>
             </a:r>
+            <a:endParaRPr lang="en-US" dirty="0"/>
           </a:p>
         </p:txBody>
       </p:sp>
@@ -614,7 +631,7 @@
         <p:nvSpPr>
           <p:cNvPr id="3" name="Subtitle 2"/>
           <p:cNvSpPr>
-            <a:spLocks noGrp="1" noEditPoints="1"/>
+            <a:spLocks noGrp="1"/>
           </p:cNvSpPr>
           <p:nvPr>
             <p:ph type="subTitle" idx="1"/>
@@ -622,8 +639,8 @@
         </p:nvSpPr>
         <p:spPr>
           <a:xfrm>
-            <a:off x="1524000" y="3602038"/>
-            <a:ext cx="9144000" cy="1655762"/>
+            <a:off x="4114800" y="11526522"/>
+            <a:ext cx="24688800" cy="5298438"/>
           </a:xfrm>
         </p:spPr>
         <p:txBody>
@@ -631,47 +648,47 @@
           <a:lstStyle>
             <a:lvl1pPr marL="0" indent="0" algn="ctr">
               <a:buNone/>
-              <a:defRPr sz="2400"/>
+              <a:defRPr sz="7680"/>
             </a:lvl1pPr>
-            <a:lvl2pPr marL="457200" indent="0" algn="ctr">
-              <a:buNone/>
-              <a:defRPr sz="2000"/>
+            <a:lvl2pPr marL="1463040" indent="0" algn="ctr">
+              <a:buNone/>
+              <a:defRPr sz="6400"/>
             </a:lvl2pPr>
-            <a:lvl3pPr marL="914400" indent="0" algn="ctr">
-              <a:buNone/>
-              <a:defRPr sz="1800"/>
+            <a:lvl3pPr marL="2926080" indent="0" algn="ctr">
+              <a:buNone/>
+              <a:defRPr sz="5760"/>
             </a:lvl3pPr>
-            <a:lvl4pPr marL="1371600" indent="0" algn="ctr">
-              <a:buNone/>
-              <a:defRPr sz="1600"/>
+            <a:lvl4pPr marL="4389120" indent="0" algn="ctr">
+              <a:buNone/>
+              <a:defRPr sz="5120"/>
             </a:lvl4pPr>
-            <a:lvl5pPr marL="1828800" indent="0" algn="ctr">
-              <a:buNone/>
-              <a:defRPr sz="1600"/>
+            <a:lvl5pPr marL="5852160" indent="0" algn="ctr">
+              <a:buNone/>
+              <a:defRPr sz="5120"/>
             </a:lvl5pPr>
-            <a:lvl6pPr marL="2286000" indent="0" algn="ctr">
-              <a:buNone/>
-              <a:defRPr sz="1600"/>
+            <a:lvl6pPr marL="7315200" indent="0" algn="ctr">
+              <a:buNone/>
+              <a:defRPr sz="5120"/>
             </a:lvl6pPr>
-            <a:lvl7pPr marL="2743200" indent="0" algn="ctr">
-              <a:buNone/>
-              <a:defRPr sz="1600"/>
+            <a:lvl7pPr marL="8778240" indent="0" algn="ctr">
+              <a:buNone/>
+              <a:defRPr sz="5120"/>
             </a:lvl7pPr>
-            <a:lvl8pPr marL="3200400" indent="0" algn="ctr">
-              <a:buNone/>
-              <a:defRPr sz="1600"/>
+            <a:lvl8pPr marL="10241280" indent="0" algn="ctr">
+              <a:buNone/>
+              <a:defRPr sz="5120"/>
             </a:lvl8pPr>
-            <a:lvl9pPr marL="3657600" indent="0" algn="ctr">
-              <a:buNone/>
-              <a:defRPr sz="1600"/>
+            <a:lvl9pPr marL="11704320" indent="0" algn="ctr">
+              <a:buNone/>
+              <a:defRPr sz="5120"/>
             </a:lvl9pPr>
           </a:lstStyle>
           <a:p>
-            <a:pPr lvl="0"/>
             <a:r>
               <a:rPr lang="en-US"/>
               <a:t>Click to edit Master subtitle style</a:t>
             </a:r>
+            <a:endParaRPr lang="en-US" dirty="0"/>
           </a:p>
         </p:txBody>
       </p:sp>
@@ -679,7 +696,7 @@
         <p:nvSpPr>
           <p:cNvPr id="4" name="Date Placeholder 3"/>
           <p:cNvSpPr>
-            <a:spLocks noGrp="1" noEditPoints="1"/>
+            <a:spLocks noGrp="1"/>
           </p:cNvSpPr>
           <p:nvPr>
             <p:ph type="dt" sz="half" idx="10"/>
@@ -692,7 +709,7 @@
           <a:p>
             <a:fld id="{38F14860-83B1-C64B-B113-C7355B9F44CA}" type="datetimeFigureOut">
               <a:rPr lang="en-US" smtClean="0"/>
-              <a:t>3/20/2023</a:t>
+              <a:t>3/20/23</a:t>
             </a:fld>
             <a:endParaRPr lang="en-US"/>
           </a:p>
@@ -702,7 +719,7 @@
         <p:nvSpPr>
           <p:cNvPr id="5" name="Footer Placeholder 4"/>
           <p:cNvSpPr>
-            <a:spLocks noGrp="1" noEditPoints="1"/>
+            <a:spLocks noGrp="1"/>
           </p:cNvSpPr>
           <p:nvPr>
             <p:ph type="ftr" sz="quarter" idx="11"/>
@@ -721,7 +738,7 @@
         <p:nvSpPr>
           <p:cNvPr id="6" name="Slide Number Placeholder 5"/>
           <p:cNvSpPr>
-            <a:spLocks noGrp="1" noEditPoints="1"/>
+            <a:spLocks noGrp="1"/>
           </p:cNvSpPr>
           <p:nvPr>
             <p:ph type="sldNum" sz="quarter" idx="12"/>
@@ -741,6 +758,11 @@
         </p:txBody>
       </p:sp>
     </p:spTree>
+    <p:extLst>
+      <p:ext uri="{BB962C8B-B14F-4D97-AF65-F5344CB8AC3E}">
+        <p14:creationId xmlns:p14="http://schemas.microsoft.com/office/powerpoint/2010/main" val="586142136"/>
+      </p:ext>
+    </p:extLst>
   </p:cSld>
   <p:clrMapOvr>
     <a:masterClrMapping/>
@@ -769,7 +791,7 @@
         <p:nvSpPr>
           <p:cNvPr id="2" name="Title 1"/>
           <p:cNvSpPr>
-            <a:spLocks noGrp="1" noEditPoints="1"/>
+            <a:spLocks noGrp="1"/>
           </p:cNvSpPr>
           <p:nvPr>
             <p:ph type="title"/>
@@ -784,6 +806,7 @@
               <a:rPr lang="en-US"/>
               <a:t>Click to edit Master title style</a:t>
             </a:r>
+            <a:endParaRPr lang="en-US" dirty="0"/>
           </a:p>
         </p:txBody>
       </p:sp>
@@ -791,7 +814,7 @@
         <p:nvSpPr>
           <p:cNvPr id="3" name="Vertical Text Placeholder 2"/>
           <p:cNvSpPr>
-            <a:spLocks noGrp="1" noEditPoints="1"/>
+            <a:spLocks noGrp="1"/>
           </p:cNvSpPr>
           <p:nvPr>
             <p:ph type="body" orient="vert" idx="1"/>
@@ -835,6 +858,7 @@
               <a:rPr lang="en-US"/>
               <a:t>Fifth level</a:t>
             </a:r>
+            <a:endParaRPr lang="en-US" dirty="0"/>
           </a:p>
         </p:txBody>
       </p:sp>
@@ -842,7 +866,7 @@
         <p:nvSpPr>
           <p:cNvPr id="4" name="Date Placeholder 3"/>
           <p:cNvSpPr>
-            <a:spLocks noGrp="1" noEditPoints="1"/>
+            <a:spLocks noGrp="1"/>
           </p:cNvSpPr>
           <p:nvPr>
             <p:ph type="dt" sz="half" idx="10"/>
@@ -855,7 +879,7 @@
           <a:p>
             <a:fld id="{38F14860-83B1-C64B-B113-C7355B9F44CA}" type="datetimeFigureOut">
               <a:rPr lang="en-US" smtClean="0"/>
-              <a:t>3/20/2023</a:t>
+              <a:t>3/20/23</a:t>
             </a:fld>
             <a:endParaRPr lang="en-US"/>
           </a:p>
@@ -865,7 +889,7 @@
         <p:nvSpPr>
           <p:cNvPr id="5" name="Footer Placeholder 4"/>
           <p:cNvSpPr>
-            <a:spLocks noGrp="1" noEditPoints="1"/>
+            <a:spLocks noGrp="1"/>
           </p:cNvSpPr>
           <p:nvPr>
             <p:ph type="ftr" sz="quarter" idx="11"/>
@@ -884,7 +908,7 @@
         <p:nvSpPr>
           <p:cNvPr id="6" name="Slide Number Placeholder 5"/>
           <p:cNvSpPr>
-            <a:spLocks noGrp="1" noEditPoints="1"/>
+            <a:spLocks noGrp="1"/>
           </p:cNvSpPr>
           <p:nvPr>
             <p:ph type="sldNum" sz="quarter" idx="12"/>
@@ -904,6 +928,11 @@
         </p:txBody>
       </p:sp>
     </p:spTree>
+    <p:extLst>
+      <p:ext uri="{BB962C8B-B14F-4D97-AF65-F5344CB8AC3E}">
+        <p14:creationId xmlns:p14="http://schemas.microsoft.com/office/powerpoint/2010/main" val="120657265"/>
+      </p:ext>
+    </p:extLst>
   </p:cSld>
   <p:clrMapOvr>
     <a:masterClrMapping/>
@@ -932,7 +961,7 @@
         <p:nvSpPr>
           <p:cNvPr id="2" name="Vertical Title 1"/>
           <p:cNvSpPr>
-            <a:spLocks noGrp="1" noEditPoints="1"/>
+            <a:spLocks noGrp="1"/>
           </p:cNvSpPr>
           <p:nvPr>
             <p:ph type="title" orient="vert"/>
@@ -940,8 +969,8 @@
         </p:nvSpPr>
         <p:spPr>
           <a:xfrm>
-            <a:off x="8724900" y="365125"/>
-            <a:ext cx="2628900" cy="5811838"/>
+            <a:off x="23557232" y="1168400"/>
+            <a:ext cx="7098030" cy="18597882"/>
           </a:xfrm>
         </p:spPr>
         <p:txBody>
@@ -952,6 +981,7 @@
               <a:rPr lang="en-US"/>
               <a:t>Click to edit Master title style</a:t>
             </a:r>
+            <a:endParaRPr lang="en-US" dirty="0"/>
           </a:p>
         </p:txBody>
       </p:sp>
@@ -959,7 +989,7 @@
         <p:nvSpPr>
           <p:cNvPr id="3" name="Vertical Text Placeholder 2"/>
           <p:cNvSpPr>
-            <a:spLocks noGrp="1" noEditPoints="1"/>
+            <a:spLocks noGrp="1"/>
           </p:cNvSpPr>
           <p:nvPr>
             <p:ph type="body" orient="vert" idx="1"/>
@@ -967,8 +997,8 @@
         </p:nvSpPr>
         <p:spPr>
           <a:xfrm>
-            <a:off x="838200" y="365125"/>
-            <a:ext cx="7734300" cy="5811838"/>
+            <a:off x="2263142" y="1168400"/>
+            <a:ext cx="20882610" cy="18597882"/>
           </a:xfrm>
         </p:spPr>
         <p:txBody>
@@ -1008,6 +1038,7 @@
               <a:rPr lang="en-US"/>
               <a:t>Fifth level</a:t>
             </a:r>
+            <a:endParaRPr lang="en-US" dirty="0"/>
           </a:p>
         </p:txBody>
       </p:sp>
@@ -1015,7 +1046,7 @@
         <p:nvSpPr>
           <p:cNvPr id="4" name="Date Placeholder 3"/>
           <p:cNvSpPr>
-            <a:spLocks noGrp="1" noEditPoints="1"/>
+            <a:spLocks noGrp="1"/>
           </p:cNvSpPr>
           <p:nvPr>
             <p:ph type="dt" sz="half" idx="10"/>
@@ -1028,7 +1059,7 @@
           <a:p>
             <a:fld id="{38F14860-83B1-C64B-B113-C7355B9F44CA}" type="datetimeFigureOut">
               <a:rPr lang="en-US" smtClean="0"/>
-              <a:t>3/20/2023</a:t>
+              <a:t>3/20/23</a:t>
             </a:fld>
             <a:endParaRPr lang="en-US"/>
           </a:p>
@@ -1038,7 +1069,7 @@
         <p:nvSpPr>
           <p:cNvPr id="5" name="Footer Placeholder 4"/>
           <p:cNvSpPr>
-            <a:spLocks noGrp="1" noEditPoints="1"/>
+            <a:spLocks noGrp="1"/>
           </p:cNvSpPr>
           <p:nvPr>
             <p:ph type="ftr" sz="quarter" idx="11"/>
@@ -1057,7 +1088,7 @@
         <p:nvSpPr>
           <p:cNvPr id="6" name="Slide Number Placeholder 5"/>
           <p:cNvSpPr>
-            <a:spLocks noGrp="1" noEditPoints="1"/>
+            <a:spLocks noGrp="1"/>
           </p:cNvSpPr>
           <p:nvPr>
             <p:ph type="sldNum" sz="quarter" idx="12"/>
@@ -1077,6 +1108,11 @@
         </p:txBody>
       </p:sp>
     </p:spTree>
+    <p:extLst>
+      <p:ext uri="{BB962C8B-B14F-4D97-AF65-F5344CB8AC3E}">
+        <p14:creationId xmlns:p14="http://schemas.microsoft.com/office/powerpoint/2010/main" val="1142399119"/>
+      </p:ext>
+    </p:extLst>
   </p:cSld>
   <p:clrMapOvr>
     <a:masterClrMapping/>
@@ -1105,7 +1141,7 @@
         <p:nvSpPr>
           <p:cNvPr id="2" name="Title 1"/>
           <p:cNvSpPr>
-            <a:spLocks noGrp="1" noEditPoints="1"/>
+            <a:spLocks noGrp="1"/>
           </p:cNvSpPr>
           <p:nvPr>
             <p:ph type="title"/>
@@ -1120,6 +1156,7 @@
               <a:rPr lang="en-US"/>
               <a:t>Click to edit Master title style</a:t>
             </a:r>
+            <a:endParaRPr lang="en-US" dirty="0"/>
           </a:p>
         </p:txBody>
       </p:sp>
@@ -1127,7 +1164,7 @@
         <p:nvSpPr>
           <p:cNvPr id="3" name="Content Placeholder 2"/>
           <p:cNvSpPr>
-            <a:spLocks noGrp="1" noEditPoints="1"/>
+            <a:spLocks noGrp="1"/>
           </p:cNvSpPr>
           <p:nvPr>
             <p:ph idx="1"/>
@@ -1171,6 +1208,7 @@
               <a:rPr lang="en-US"/>
               <a:t>Fifth level</a:t>
             </a:r>
+            <a:endParaRPr lang="en-US" dirty="0"/>
           </a:p>
         </p:txBody>
       </p:sp>
@@ -1178,7 +1216,7 @@
         <p:nvSpPr>
           <p:cNvPr id="4" name="Date Placeholder 3"/>
           <p:cNvSpPr>
-            <a:spLocks noGrp="1" noEditPoints="1"/>
+            <a:spLocks noGrp="1"/>
           </p:cNvSpPr>
           <p:nvPr>
             <p:ph type="dt" sz="half" idx="10"/>
@@ -1191,7 +1229,7 @@
           <a:p>
             <a:fld id="{38F14860-83B1-C64B-B113-C7355B9F44CA}" type="datetimeFigureOut">
               <a:rPr lang="en-US" smtClean="0"/>
-              <a:t>3/20/2023</a:t>
+              <a:t>3/20/23</a:t>
             </a:fld>
             <a:endParaRPr lang="en-US"/>
           </a:p>
@@ -1201,7 +1239,7 @@
         <p:nvSpPr>
           <p:cNvPr id="5" name="Footer Placeholder 4"/>
           <p:cNvSpPr>
-            <a:spLocks noGrp="1" noEditPoints="1"/>
+            <a:spLocks noGrp="1"/>
           </p:cNvSpPr>
           <p:nvPr>
             <p:ph type="ftr" sz="quarter" idx="11"/>
@@ -1220,7 +1258,7 @@
         <p:nvSpPr>
           <p:cNvPr id="6" name="Slide Number Placeholder 5"/>
           <p:cNvSpPr>
-            <a:spLocks noGrp="1" noEditPoints="1"/>
+            <a:spLocks noGrp="1"/>
           </p:cNvSpPr>
           <p:nvPr>
             <p:ph type="sldNum" sz="quarter" idx="12"/>
@@ -1240,6 +1278,11 @@
         </p:txBody>
       </p:sp>
     </p:spTree>
+    <p:extLst>
+      <p:ext uri="{BB962C8B-B14F-4D97-AF65-F5344CB8AC3E}">
+        <p14:creationId xmlns:p14="http://schemas.microsoft.com/office/powerpoint/2010/main" val="1371013295"/>
+      </p:ext>
+    </p:extLst>
   </p:cSld>
   <p:clrMapOvr>
     <a:masterClrMapping/>
@@ -1268,7 +1311,7 @@
         <p:nvSpPr>
           <p:cNvPr id="2" name="Title 1"/>
           <p:cNvSpPr>
-            <a:spLocks noGrp="1" noEditPoints="1"/>
+            <a:spLocks noGrp="1"/>
           </p:cNvSpPr>
           <p:nvPr>
             <p:ph type="title"/>
@@ -1276,15 +1319,15 @@
         </p:nvSpPr>
         <p:spPr>
           <a:xfrm>
-            <a:off x="831850" y="1709738"/>
-            <a:ext cx="10515600" cy="2852737"/>
+            <a:off x="2245997" y="5471167"/>
+            <a:ext cx="28392120" cy="9128758"/>
           </a:xfrm>
         </p:spPr>
         <p:txBody>
           <a:bodyPr anchor="b"/>
           <a:lstStyle>
             <a:lvl1pPr>
-              <a:defRPr sz="6000"/>
+              <a:defRPr sz="19200"/>
             </a:lvl1pPr>
           </a:lstStyle>
           <a:p>
@@ -1292,6 +1335,7 @@
               <a:rPr lang="en-US"/>
               <a:t>Click to edit Master title style</a:t>
             </a:r>
+            <a:endParaRPr lang="en-US" dirty="0"/>
           </a:p>
         </p:txBody>
       </p:sp>
@@ -1299,7 +1343,7 @@
         <p:nvSpPr>
           <p:cNvPr id="3" name="Text Placeholder 2"/>
           <p:cNvSpPr>
-            <a:spLocks noGrp="1" noEditPoints="1"/>
+            <a:spLocks noGrp="1"/>
           </p:cNvSpPr>
           <p:nvPr>
             <p:ph type="body" idx="1"/>
@@ -1307,8 +1351,8 @@
         </p:nvSpPr>
         <p:spPr>
           <a:xfrm>
-            <a:off x="831850" y="4589463"/>
-            <a:ext cx="10515600" cy="1500187"/>
+            <a:off x="2245997" y="14686287"/>
+            <a:ext cx="28392120" cy="4800598"/>
           </a:xfrm>
         </p:spPr>
         <p:txBody>
@@ -1316,17 +1360,15 @@
           <a:lstStyle>
             <a:lvl1pPr marL="0" indent="0">
               <a:buNone/>
-              <a:defRPr sz="2400">
+              <a:defRPr sz="7680">
                 <a:solidFill>
-                  <a:schemeClr val="tx1">
-                    <a:tint val="75000"/>
-                  </a:schemeClr>
+                  <a:schemeClr val="tx1"/>
                 </a:solidFill>
               </a:defRPr>
             </a:lvl1pPr>
-            <a:lvl2pPr marL="457200" indent="0">
-              <a:buNone/>
-              <a:defRPr sz="2000">
+            <a:lvl2pPr marL="1463040" indent="0">
+              <a:buNone/>
+              <a:defRPr sz="6400">
                 <a:solidFill>
                   <a:schemeClr val="tx1">
                     <a:tint val="75000"/>
@@ -1334,9 +1376,9 @@
                 </a:solidFill>
               </a:defRPr>
             </a:lvl2pPr>
-            <a:lvl3pPr marL="914400" indent="0">
-              <a:buNone/>
-              <a:defRPr sz="1800">
+            <a:lvl3pPr marL="2926080" indent="0">
+              <a:buNone/>
+              <a:defRPr sz="5760">
                 <a:solidFill>
                   <a:schemeClr val="tx1">
                     <a:tint val="75000"/>
@@ -1344,9 +1386,9 @@
                 </a:solidFill>
               </a:defRPr>
             </a:lvl3pPr>
-            <a:lvl4pPr marL="1371600" indent="0">
-              <a:buNone/>
-              <a:defRPr sz="1600">
+            <a:lvl4pPr marL="4389120" indent="0">
+              <a:buNone/>
+              <a:defRPr sz="5120">
                 <a:solidFill>
                   <a:schemeClr val="tx1">
                     <a:tint val="75000"/>
@@ -1354,9 +1396,9 @@
                 </a:solidFill>
               </a:defRPr>
             </a:lvl4pPr>
-            <a:lvl5pPr marL="1828800" indent="0">
-              <a:buNone/>
-              <a:defRPr sz="1600">
+            <a:lvl5pPr marL="5852160" indent="0">
+              <a:buNone/>
+              <a:defRPr sz="5120">
                 <a:solidFill>
                   <a:schemeClr val="tx1">
                     <a:tint val="75000"/>
@@ -1364,9 +1406,9 @@
                 </a:solidFill>
               </a:defRPr>
             </a:lvl5pPr>
-            <a:lvl6pPr marL="2286000" indent="0">
-              <a:buNone/>
-              <a:defRPr sz="1600">
+            <a:lvl6pPr marL="7315200" indent="0">
+              <a:buNone/>
+              <a:defRPr sz="5120">
                 <a:solidFill>
                   <a:schemeClr val="tx1">
                     <a:tint val="75000"/>
@@ -1374,9 +1416,9 @@
                 </a:solidFill>
               </a:defRPr>
             </a:lvl6pPr>
-            <a:lvl7pPr marL="2743200" indent="0">
-              <a:buNone/>
-              <a:defRPr sz="1600">
+            <a:lvl7pPr marL="8778240" indent="0">
+              <a:buNone/>
+              <a:defRPr sz="5120">
                 <a:solidFill>
                   <a:schemeClr val="tx1">
                     <a:tint val="75000"/>
@@ -1384,9 +1426,9 @@
                 </a:solidFill>
               </a:defRPr>
             </a:lvl7pPr>
-            <a:lvl8pPr marL="3200400" indent="0">
-              <a:buNone/>
-              <a:defRPr sz="1600">
+            <a:lvl8pPr marL="10241280" indent="0">
+              <a:buNone/>
+              <a:defRPr sz="5120">
                 <a:solidFill>
                   <a:schemeClr val="tx1">
                     <a:tint val="75000"/>
@@ -1394,9 +1436,9 @@
                 </a:solidFill>
               </a:defRPr>
             </a:lvl8pPr>
-            <a:lvl9pPr marL="3657600" indent="0">
-              <a:buNone/>
-              <a:defRPr sz="1600">
+            <a:lvl9pPr marL="11704320" indent="0">
+              <a:buNone/>
+              <a:defRPr sz="5120">
                 <a:solidFill>
                   <a:schemeClr val="tx1">
                     <a:tint val="75000"/>
@@ -1418,7 +1460,7 @@
         <p:nvSpPr>
           <p:cNvPr id="4" name="Date Placeholder 3"/>
           <p:cNvSpPr>
-            <a:spLocks noGrp="1" noEditPoints="1"/>
+            <a:spLocks noGrp="1"/>
           </p:cNvSpPr>
           <p:nvPr>
             <p:ph type="dt" sz="half" idx="10"/>
@@ -1431,7 +1473,7 @@
           <a:p>
             <a:fld id="{38F14860-83B1-C64B-B113-C7355B9F44CA}" type="datetimeFigureOut">
               <a:rPr lang="en-US" smtClean="0"/>
-              <a:t>3/20/2023</a:t>
+              <a:t>3/20/23</a:t>
             </a:fld>
             <a:endParaRPr lang="en-US"/>
           </a:p>
@@ -1441,7 +1483,7 @@
         <p:nvSpPr>
           <p:cNvPr id="5" name="Footer Placeholder 4"/>
           <p:cNvSpPr>
-            <a:spLocks noGrp="1" noEditPoints="1"/>
+            <a:spLocks noGrp="1"/>
           </p:cNvSpPr>
           <p:nvPr>
             <p:ph type="ftr" sz="quarter" idx="11"/>
@@ -1460,7 +1502,7 @@
         <p:nvSpPr>
           <p:cNvPr id="6" name="Slide Number Placeholder 5"/>
           <p:cNvSpPr>
-            <a:spLocks noGrp="1" noEditPoints="1"/>
+            <a:spLocks noGrp="1"/>
           </p:cNvSpPr>
           <p:nvPr>
             <p:ph type="sldNum" sz="quarter" idx="12"/>
@@ -1480,6 +1522,11 @@
         </p:txBody>
       </p:sp>
     </p:spTree>
+    <p:extLst>
+      <p:ext uri="{BB962C8B-B14F-4D97-AF65-F5344CB8AC3E}">
+        <p14:creationId xmlns:p14="http://schemas.microsoft.com/office/powerpoint/2010/main" val="88475520"/>
+      </p:ext>
+    </p:extLst>
   </p:cSld>
   <p:clrMapOvr>
     <a:masterClrMapping/>
@@ -1508,7 +1555,7 @@
         <p:nvSpPr>
           <p:cNvPr id="2" name="Title 1"/>
           <p:cNvSpPr>
-            <a:spLocks noGrp="1" noEditPoints="1"/>
+            <a:spLocks noGrp="1"/>
           </p:cNvSpPr>
           <p:nvPr>
             <p:ph type="title"/>
@@ -1523,6 +1570,7 @@
               <a:rPr lang="en-US"/>
               <a:t>Click to edit Master title style</a:t>
             </a:r>
+            <a:endParaRPr lang="en-US" dirty="0"/>
           </a:p>
         </p:txBody>
       </p:sp>
@@ -1530,7 +1578,7 @@
         <p:nvSpPr>
           <p:cNvPr id="3" name="Content Placeholder 2"/>
           <p:cNvSpPr>
-            <a:spLocks noGrp="1" noEditPoints="1"/>
+            <a:spLocks noGrp="1"/>
           </p:cNvSpPr>
           <p:nvPr>
             <p:ph sz="half" idx="1"/>
@@ -1538,8 +1586,8 @@
         </p:nvSpPr>
         <p:spPr>
           <a:xfrm>
-            <a:off x="838200" y="1825625"/>
-            <a:ext cx="5181600" cy="4351338"/>
+            <a:off x="2263140" y="5842000"/>
+            <a:ext cx="13990320" cy="13924282"/>
           </a:xfrm>
         </p:spPr>
         <p:txBody>
@@ -1579,6 +1627,7 @@
               <a:rPr lang="en-US"/>
               <a:t>Fifth level</a:t>
             </a:r>
+            <a:endParaRPr lang="en-US" dirty="0"/>
           </a:p>
         </p:txBody>
       </p:sp>
@@ -1586,7 +1635,7 @@
         <p:nvSpPr>
           <p:cNvPr id="4" name="Content Placeholder 3"/>
           <p:cNvSpPr>
-            <a:spLocks noGrp="1" noEditPoints="1"/>
+            <a:spLocks noGrp="1"/>
           </p:cNvSpPr>
           <p:nvPr>
             <p:ph sz="half" idx="2"/>
@@ -1594,8 +1643,8 @@
         </p:nvSpPr>
         <p:spPr>
           <a:xfrm>
-            <a:off x="6172200" y="1825625"/>
-            <a:ext cx="5181600" cy="4351338"/>
+            <a:off x="16664940" y="5842000"/>
+            <a:ext cx="13990320" cy="13924282"/>
           </a:xfrm>
         </p:spPr>
         <p:txBody>
@@ -1635,6 +1684,7 @@
               <a:rPr lang="en-US"/>
               <a:t>Fifth level</a:t>
             </a:r>
+            <a:endParaRPr lang="en-US" dirty="0"/>
           </a:p>
         </p:txBody>
       </p:sp>
@@ -1642,7 +1692,7 @@
         <p:nvSpPr>
           <p:cNvPr id="5" name="Date Placeholder 4"/>
           <p:cNvSpPr>
-            <a:spLocks noGrp="1" noEditPoints="1"/>
+            <a:spLocks noGrp="1"/>
           </p:cNvSpPr>
           <p:nvPr>
             <p:ph type="dt" sz="half" idx="10"/>
@@ -1655,7 +1705,7 @@
           <a:p>
             <a:fld id="{38F14860-83B1-C64B-B113-C7355B9F44CA}" type="datetimeFigureOut">
               <a:rPr lang="en-US" smtClean="0"/>
-              <a:t>3/20/2023</a:t>
+              <a:t>3/20/23</a:t>
             </a:fld>
             <a:endParaRPr lang="en-US"/>
           </a:p>
@@ -1665,7 +1715,7 @@
         <p:nvSpPr>
           <p:cNvPr id="6" name="Footer Placeholder 5"/>
           <p:cNvSpPr>
-            <a:spLocks noGrp="1" noEditPoints="1"/>
+            <a:spLocks noGrp="1"/>
           </p:cNvSpPr>
           <p:nvPr>
             <p:ph type="ftr" sz="quarter" idx="11"/>
@@ -1684,7 +1734,7 @@
         <p:nvSpPr>
           <p:cNvPr id="7" name="Slide Number Placeholder 6"/>
           <p:cNvSpPr>
-            <a:spLocks noGrp="1" noEditPoints="1"/>
+            <a:spLocks noGrp="1"/>
           </p:cNvSpPr>
           <p:nvPr>
             <p:ph type="sldNum" sz="quarter" idx="12"/>
@@ -1704,6 +1754,11 @@
         </p:txBody>
       </p:sp>
     </p:spTree>
+    <p:extLst>
+      <p:ext uri="{BB962C8B-B14F-4D97-AF65-F5344CB8AC3E}">
+        <p14:creationId xmlns:p14="http://schemas.microsoft.com/office/powerpoint/2010/main" val="2852267237"/>
+      </p:ext>
+    </p:extLst>
   </p:cSld>
   <p:clrMapOvr>
     <a:masterClrMapping/>
@@ -1732,7 +1787,7 @@
         <p:nvSpPr>
           <p:cNvPr id="2" name="Title 1"/>
           <p:cNvSpPr>
-            <a:spLocks noGrp="1" noEditPoints="1"/>
+            <a:spLocks noGrp="1"/>
           </p:cNvSpPr>
           <p:nvPr>
             <p:ph type="title"/>
@@ -1740,8 +1795,8 @@
         </p:nvSpPr>
         <p:spPr>
           <a:xfrm>
-            <a:off x="839788" y="365125"/>
-            <a:ext cx="10515600" cy="1325563"/>
+            <a:off x="2267428" y="1168405"/>
+            <a:ext cx="28392120" cy="4241802"/>
           </a:xfrm>
         </p:spPr>
         <p:txBody>
@@ -1752,6 +1807,7 @@
               <a:rPr lang="en-US"/>
               <a:t>Click to edit Master title style</a:t>
             </a:r>
+            <a:endParaRPr lang="en-US" dirty="0"/>
           </a:p>
         </p:txBody>
       </p:sp>
@@ -1759,7 +1815,7 @@
         <p:nvSpPr>
           <p:cNvPr id="3" name="Text Placeholder 2"/>
           <p:cNvSpPr>
-            <a:spLocks noGrp="1" noEditPoints="1"/>
+            <a:spLocks noGrp="1"/>
           </p:cNvSpPr>
           <p:nvPr>
             <p:ph type="body" idx="1"/>
@@ -1767,8 +1823,8 @@
         </p:nvSpPr>
         <p:spPr>
           <a:xfrm>
-            <a:off x="839788" y="1681163"/>
-            <a:ext cx="5157787" cy="823912"/>
+            <a:off x="2267431" y="5379722"/>
+            <a:ext cx="13926024" cy="2636518"/>
           </a:xfrm>
         </p:spPr>
         <p:txBody>
@@ -1776,39 +1832,39 @@
           <a:lstStyle>
             <a:lvl1pPr marL="0" indent="0">
               <a:buNone/>
-              <a:defRPr sz="2400" b="1"/>
+              <a:defRPr sz="7680" b="1"/>
             </a:lvl1pPr>
-            <a:lvl2pPr marL="457200" indent="0">
-              <a:buNone/>
-              <a:defRPr sz="2000" b="1"/>
+            <a:lvl2pPr marL="1463040" indent="0">
+              <a:buNone/>
+              <a:defRPr sz="6400" b="1"/>
             </a:lvl2pPr>
-            <a:lvl3pPr marL="914400" indent="0">
-              <a:buNone/>
-              <a:defRPr sz="1800" b="1"/>
+            <a:lvl3pPr marL="2926080" indent="0">
+              <a:buNone/>
+              <a:defRPr sz="5760" b="1"/>
             </a:lvl3pPr>
-            <a:lvl4pPr marL="1371600" indent="0">
-              <a:buNone/>
-              <a:defRPr sz="1600" b="1"/>
+            <a:lvl4pPr marL="4389120" indent="0">
+              <a:buNone/>
+              <a:defRPr sz="5120" b="1"/>
             </a:lvl4pPr>
-            <a:lvl5pPr marL="1828800" indent="0">
-              <a:buNone/>
-              <a:defRPr sz="1600" b="1"/>
+            <a:lvl5pPr marL="5852160" indent="0">
+              <a:buNone/>
+              <a:defRPr sz="5120" b="1"/>
             </a:lvl5pPr>
-            <a:lvl6pPr marL="2286000" indent="0">
-              <a:buNone/>
-              <a:defRPr sz="1600" b="1"/>
+            <a:lvl6pPr marL="7315200" indent="0">
+              <a:buNone/>
+              <a:defRPr sz="5120" b="1"/>
             </a:lvl6pPr>
-            <a:lvl7pPr marL="2743200" indent="0">
-              <a:buNone/>
-              <a:defRPr sz="1600" b="1"/>
+            <a:lvl7pPr marL="8778240" indent="0">
+              <a:buNone/>
+              <a:defRPr sz="5120" b="1"/>
             </a:lvl7pPr>
-            <a:lvl8pPr marL="3200400" indent="0">
-              <a:buNone/>
-              <a:defRPr sz="1600" b="1"/>
+            <a:lvl8pPr marL="10241280" indent="0">
+              <a:buNone/>
+              <a:defRPr sz="5120" b="1"/>
             </a:lvl8pPr>
-            <a:lvl9pPr marL="3657600" indent="0">
-              <a:buNone/>
-              <a:defRPr sz="1600" b="1"/>
+            <a:lvl9pPr marL="11704320" indent="0">
+              <a:buNone/>
+              <a:defRPr sz="5120" b="1"/>
             </a:lvl9pPr>
           </a:lstStyle>
           <a:p>
@@ -1824,7 +1880,7 @@
         <p:nvSpPr>
           <p:cNvPr id="4" name="Content Placeholder 3"/>
           <p:cNvSpPr>
-            <a:spLocks noGrp="1" noEditPoints="1"/>
+            <a:spLocks noGrp="1"/>
           </p:cNvSpPr>
           <p:nvPr>
             <p:ph sz="half" idx="2"/>
@@ -1832,8 +1888,8 @@
         </p:nvSpPr>
         <p:spPr>
           <a:xfrm>
-            <a:off x="839788" y="2505075"/>
-            <a:ext cx="5157787" cy="3684588"/>
+            <a:off x="2267431" y="8016240"/>
+            <a:ext cx="13926024" cy="11790682"/>
           </a:xfrm>
         </p:spPr>
         <p:txBody>
@@ -1873,6 +1929,7 @@
               <a:rPr lang="en-US"/>
               <a:t>Fifth level</a:t>
             </a:r>
+            <a:endParaRPr lang="en-US" dirty="0"/>
           </a:p>
         </p:txBody>
       </p:sp>
@@ -1880,7 +1937,7 @@
         <p:nvSpPr>
           <p:cNvPr id="5" name="Text Placeholder 4"/>
           <p:cNvSpPr>
-            <a:spLocks noGrp="1" noEditPoints="1"/>
+            <a:spLocks noGrp="1"/>
           </p:cNvSpPr>
           <p:nvPr>
             <p:ph type="body" sz="quarter" idx="3"/>
@@ -1888,8 +1945,8 @@
         </p:nvSpPr>
         <p:spPr>
           <a:xfrm>
-            <a:off x="6172200" y="1681163"/>
-            <a:ext cx="5183188" cy="823912"/>
+            <a:off x="16664942" y="5379722"/>
+            <a:ext cx="13994608" cy="2636518"/>
           </a:xfrm>
         </p:spPr>
         <p:txBody>
@@ -1897,39 +1954,39 @@
           <a:lstStyle>
             <a:lvl1pPr marL="0" indent="0">
               <a:buNone/>
-              <a:defRPr sz="2400" b="1"/>
+              <a:defRPr sz="7680" b="1"/>
             </a:lvl1pPr>
-            <a:lvl2pPr marL="457200" indent="0">
-              <a:buNone/>
-              <a:defRPr sz="2000" b="1"/>
+            <a:lvl2pPr marL="1463040" indent="0">
+              <a:buNone/>
+              <a:defRPr sz="6400" b="1"/>
             </a:lvl2pPr>
-            <a:lvl3pPr marL="914400" indent="0">
-              <a:buNone/>
-              <a:defRPr sz="1800" b="1"/>
+            <a:lvl3pPr marL="2926080" indent="0">
+              <a:buNone/>
+              <a:defRPr sz="5760" b="1"/>
             </a:lvl3pPr>
-            <a:lvl4pPr marL="1371600" indent="0">
-              <a:buNone/>
-              <a:defRPr sz="1600" b="1"/>
+            <a:lvl4pPr marL="4389120" indent="0">
+              <a:buNone/>
+              <a:defRPr sz="5120" b="1"/>
             </a:lvl4pPr>
-            <a:lvl5pPr marL="1828800" indent="0">
-              <a:buNone/>
-              <a:defRPr sz="1600" b="1"/>
+            <a:lvl5pPr marL="5852160" indent="0">
+              <a:buNone/>
+              <a:defRPr sz="5120" b="1"/>
             </a:lvl5pPr>
-            <a:lvl6pPr marL="2286000" indent="0">
-              <a:buNone/>
-              <a:defRPr sz="1600" b="1"/>
+            <a:lvl6pPr marL="7315200" indent="0">
+              <a:buNone/>
+              <a:defRPr sz="5120" b="1"/>
             </a:lvl6pPr>
-            <a:lvl7pPr marL="2743200" indent="0">
-              <a:buNone/>
-              <a:defRPr sz="1600" b="1"/>
+            <a:lvl7pPr marL="8778240" indent="0">
+              <a:buNone/>
+              <a:defRPr sz="5120" b="1"/>
             </a:lvl7pPr>
-            <a:lvl8pPr marL="3200400" indent="0">
-              <a:buNone/>
-              <a:defRPr sz="1600" b="1"/>
+            <a:lvl8pPr marL="10241280" indent="0">
+              <a:buNone/>
+              <a:defRPr sz="5120" b="1"/>
             </a:lvl8pPr>
-            <a:lvl9pPr marL="3657600" indent="0">
-              <a:buNone/>
-              <a:defRPr sz="1600" b="1"/>
+            <a:lvl9pPr marL="11704320" indent="0">
+              <a:buNone/>
+              <a:defRPr sz="5120" b="1"/>
             </a:lvl9pPr>
           </a:lstStyle>
           <a:p>
@@ -1945,7 +2002,7 @@
         <p:nvSpPr>
           <p:cNvPr id="6" name="Content Placeholder 5"/>
           <p:cNvSpPr>
-            <a:spLocks noGrp="1" noEditPoints="1"/>
+            <a:spLocks noGrp="1"/>
           </p:cNvSpPr>
           <p:nvPr>
             <p:ph sz="quarter" idx="4"/>
@@ -1953,8 +2010,8 @@
         </p:nvSpPr>
         <p:spPr>
           <a:xfrm>
-            <a:off x="6172200" y="2505075"/>
-            <a:ext cx="5183188" cy="3684588"/>
+            <a:off x="16664942" y="8016240"/>
+            <a:ext cx="13994608" cy="11790682"/>
           </a:xfrm>
         </p:spPr>
         <p:txBody>
@@ -1994,6 +2051,7 @@
               <a:rPr lang="en-US"/>
               <a:t>Fifth level</a:t>
             </a:r>
+            <a:endParaRPr lang="en-US" dirty="0"/>
           </a:p>
         </p:txBody>
       </p:sp>
@@ -2001,7 +2059,7 @@
         <p:nvSpPr>
           <p:cNvPr id="7" name="Date Placeholder 6"/>
           <p:cNvSpPr>
-            <a:spLocks noGrp="1" noEditPoints="1"/>
+            <a:spLocks noGrp="1"/>
           </p:cNvSpPr>
           <p:nvPr>
             <p:ph type="dt" sz="half" idx="10"/>
@@ -2014,7 +2072,7 @@
           <a:p>
             <a:fld id="{38F14860-83B1-C64B-B113-C7355B9F44CA}" type="datetimeFigureOut">
               <a:rPr lang="en-US" smtClean="0"/>
-              <a:t>3/20/2023</a:t>
+              <a:t>3/20/23</a:t>
             </a:fld>
             <a:endParaRPr lang="en-US"/>
           </a:p>
@@ -2024,7 +2082,7 @@
         <p:nvSpPr>
           <p:cNvPr id="8" name="Footer Placeholder 7"/>
           <p:cNvSpPr>
-            <a:spLocks noGrp="1" noEditPoints="1"/>
+            <a:spLocks noGrp="1"/>
           </p:cNvSpPr>
           <p:nvPr>
             <p:ph type="ftr" sz="quarter" idx="11"/>
@@ -2043,7 +2101,7 @@
         <p:nvSpPr>
           <p:cNvPr id="9" name="Slide Number Placeholder 8"/>
           <p:cNvSpPr>
-            <a:spLocks noGrp="1" noEditPoints="1"/>
+            <a:spLocks noGrp="1"/>
           </p:cNvSpPr>
           <p:nvPr>
             <p:ph type="sldNum" sz="quarter" idx="12"/>
@@ -2063,6 +2121,11 @@
         </p:txBody>
       </p:sp>
     </p:spTree>
+    <p:extLst>
+      <p:ext uri="{BB962C8B-B14F-4D97-AF65-F5344CB8AC3E}">
+        <p14:creationId xmlns:p14="http://schemas.microsoft.com/office/powerpoint/2010/main" val="1098096045"/>
+      </p:ext>
+    </p:extLst>
   </p:cSld>
   <p:clrMapOvr>
     <a:masterClrMapping/>
@@ -2091,7 +2154,7 @@
         <p:nvSpPr>
           <p:cNvPr id="2" name="Title 1"/>
           <p:cNvSpPr>
-            <a:spLocks noGrp="1" noEditPoints="1"/>
+            <a:spLocks noGrp="1"/>
           </p:cNvSpPr>
           <p:nvPr>
             <p:ph type="title"/>
@@ -2106,6 +2169,7 @@
               <a:rPr lang="en-US"/>
               <a:t>Click to edit Master title style</a:t>
             </a:r>
+            <a:endParaRPr lang="en-US" dirty="0"/>
           </a:p>
         </p:txBody>
       </p:sp>
@@ -2113,7 +2177,7 @@
         <p:nvSpPr>
           <p:cNvPr id="3" name="Date Placeholder 2"/>
           <p:cNvSpPr>
-            <a:spLocks noGrp="1" noEditPoints="1"/>
+            <a:spLocks noGrp="1"/>
           </p:cNvSpPr>
           <p:nvPr>
             <p:ph type="dt" sz="half" idx="10"/>
@@ -2126,7 +2190,7 @@
           <a:p>
             <a:fld id="{38F14860-83B1-C64B-B113-C7355B9F44CA}" type="datetimeFigureOut">
               <a:rPr lang="en-US" smtClean="0"/>
-              <a:t>3/20/2023</a:t>
+              <a:t>3/20/23</a:t>
             </a:fld>
             <a:endParaRPr lang="en-US"/>
           </a:p>
@@ -2136,7 +2200,7 @@
         <p:nvSpPr>
           <p:cNvPr id="4" name="Footer Placeholder 3"/>
           <p:cNvSpPr>
-            <a:spLocks noGrp="1" noEditPoints="1"/>
+            <a:spLocks noGrp="1"/>
           </p:cNvSpPr>
           <p:nvPr>
             <p:ph type="ftr" sz="quarter" idx="11"/>
@@ -2155,7 +2219,7 @@
         <p:nvSpPr>
           <p:cNvPr id="5" name="Slide Number Placeholder 4"/>
           <p:cNvSpPr>
-            <a:spLocks noGrp="1" noEditPoints="1"/>
+            <a:spLocks noGrp="1"/>
           </p:cNvSpPr>
           <p:nvPr>
             <p:ph type="sldNum" sz="quarter" idx="12"/>
@@ -2175,6 +2239,11 @@
         </p:txBody>
       </p:sp>
     </p:spTree>
+    <p:extLst>
+      <p:ext uri="{BB962C8B-B14F-4D97-AF65-F5344CB8AC3E}">
+        <p14:creationId xmlns:p14="http://schemas.microsoft.com/office/powerpoint/2010/main" val="3092694682"/>
+      </p:ext>
+    </p:extLst>
   </p:cSld>
   <p:clrMapOvr>
     <a:masterClrMapping/>
@@ -2203,7 +2272,7 @@
         <p:nvSpPr>
           <p:cNvPr id="2" name="Date Placeholder 1"/>
           <p:cNvSpPr>
-            <a:spLocks noGrp="1" noEditPoints="1"/>
+            <a:spLocks noGrp="1"/>
           </p:cNvSpPr>
           <p:nvPr>
             <p:ph type="dt" sz="half" idx="10"/>
@@ -2216,7 +2285,7 @@
           <a:p>
             <a:fld id="{38F14860-83B1-C64B-B113-C7355B9F44CA}" type="datetimeFigureOut">
               <a:rPr lang="en-US" smtClean="0"/>
-              <a:t>3/20/2023</a:t>
+              <a:t>3/20/23</a:t>
             </a:fld>
             <a:endParaRPr lang="en-US"/>
           </a:p>
@@ -2226,7 +2295,7 @@
         <p:nvSpPr>
           <p:cNvPr id="3" name="Footer Placeholder 2"/>
           <p:cNvSpPr>
-            <a:spLocks noGrp="1" noEditPoints="1"/>
+            <a:spLocks noGrp="1"/>
           </p:cNvSpPr>
           <p:nvPr>
             <p:ph type="ftr" sz="quarter" idx="11"/>
@@ -2245,7 +2314,7 @@
         <p:nvSpPr>
           <p:cNvPr id="4" name="Slide Number Placeholder 3"/>
           <p:cNvSpPr>
-            <a:spLocks noGrp="1" noEditPoints="1"/>
+            <a:spLocks noGrp="1"/>
           </p:cNvSpPr>
           <p:nvPr>
             <p:ph type="sldNum" sz="quarter" idx="12"/>
@@ -2265,6 +2334,11 @@
         </p:txBody>
       </p:sp>
     </p:spTree>
+    <p:extLst>
+      <p:ext uri="{BB962C8B-B14F-4D97-AF65-F5344CB8AC3E}">
+        <p14:creationId xmlns:p14="http://schemas.microsoft.com/office/powerpoint/2010/main" val="218013263"/>
+      </p:ext>
+    </p:extLst>
   </p:cSld>
   <p:clrMapOvr>
     <a:masterClrMapping/>
@@ -2293,7 +2367,7 @@
         <p:nvSpPr>
           <p:cNvPr id="2" name="Title 1"/>
           <p:cNvSpPr>
-            <a:spLocks noGrp="1" noEditPoints="1"/>
+            <a:spLocks noGrp="1"/>
           </p:cNvSpPr>
           <p:nvPr>
             <p:ph type="title"/>
@@ -2301,15 +2375,15 @@
         </p:nvSpPr>
         <p:spPr>
           <a:xfrm>
-            <a:off x="839788" y="457200"/>
-            <a:ext cx="3932237" cy="1600200"/>
+            <a:off x="2267428" y="1463040"/>
+            <a:ext cx="10617041" cy="5120640"/>
           </a:xfrm>
         </p:spPr>
         <p:txBody>
           <a:bodyPr anchor="b"/>
           <a:lstStyle>
             <a:lvl1pPr>
-              <a:defRPr sz="3200"/>
+              <a:defRPr sz="10240"/>
             </a:lvl1pPr>
           </a:lstStyle>
           <a:p>
@@ -2317,6 +2391,7 @@
               <a:rPr lang="en-US"/>
               <a:t>Click to edit Master title style</a:t>
             </a:r>
+            <a:endParaRPr lang="en-US" dirty="0"/>
           </a:p>
         </p:txBody>
       </p:sp>
@@ -2324,7 +2399,7 @@
         <p:nvSpPr>
           <p:cNvPr id="3" name="Content Placeholder 2"/>
           <p:cNvSpPr>
-            <a:spLocks noGrp="1" noEditPoints="1"/>
+            <a:spLocks noGrp="1"/>
           </p:cNvSpPr>
           <p:nvPr>
             <p:ph idx="1"/>
@@ -2332,39 +2407,39 @@
         </p:nvSpPr>
         <p:spPr>
           <a:xfrm>
-            <a:off x="5183188" y="987425"/>
-            <a:ext cx="6172200" cy="4873625"/>
+            <a:off x="13994608" y="3159765"/>
+            <a:ext cx="16664940" cy="15595600"/>
           </a:xfrm>
         </p:spPr>
         <p:txBody>
           <a:bodyPr/>
           <a:lstStyle>
             <a:lvl1pPr>
-              <a:defRPr sz="3200"/>
+              <a:defRPr sz="10240"/>
             </a:lvl1pPr>
             <a:lvl2pPr>
-              <a:defRPr sz="2800"/>
+              <a:defRPr sz="8960"/>
             </a:lvl2pPr>
             <a:lvl3pPr>
-              <a:defRPr sz="2400"/>
+              <a:defRPr sz="7680"/>
             </a:lvl3pPr>
             <a:lvl4pPr>
-              <a:defRPr sz="2000"/>
+              <a:defRPr sz="6400"/>
             </a:lvl4pPr>
             <a:lvl5pPr>
-              <a:defRPr sz="2000"/>
+              <a:defRPr sz="6400"/>
             </a:lvl5pPr>
             <a:lvl6pPr>
-              <a:defRPr sz="2000"/>
+              <a:defRPr sz="6400"/>
             </a:lvl6pPr>
             <a:lvl7pPr>
-              <a:defRPr sz="2000"/>
+              <a:defRPr sz="6400"/>
             </a:lvl7pPr>
             <a:lvl8pPr>
-              <a:defRPr sz="2000"/>
+              <a:defRPr sz="6400"/>
             </a:lvl8pPr>
             <a:lvl9pPr>
-              <a:defRPr sz="2000"/>
+              <a:defRPr sz="6400"/>
             </a:lvl9pPr>
           </a:lstStyle>
           <a:p>
@@ -2401,6 +2476,7 @@
               <a:rPr lang="en-US"/>
               <a:t>Fifth level</a:t>
             </a:r>
+            <a:endParaRPr lang="en-US" dirty="0"/>
           </a:p>
         </p:txBody>
       </p:sp>
@@ -2408,7 +2484,7 @@
         <p:nvSpPr>
           <p:cNvPr id="4" name="Text Placeholder 3"/>
           <p:cNvSpPr>
-            <a:spLocks noGrp="1" noEditPoints="1"/>
+            <a:spLocks noGrp="1"/>
           </p:cNvSpPr>
           <p:nvPr>
             <p:ph type="body" sz="half" idx="2"/>
@@ -2416,8 +2492,8 @@
         </p:nvSpPr>
         <p:spPr>
           <a:xfrm>
-            <a:off x="839788" y="2057400"/>
-            <a:ext cx="3932237" cy="3811588"/>
+            <a:off x="2267428" y="6583680"/>
+            <a:ext cx="10617041" cy="12197082"/>
           </a:xfrm>
         </p:spPr>
         <p:txBody>
@@ -2425,39 +2501,39 @@
           <a:lstStyle>
             <a:lvl1pPr marL="0" indent="0">
               <a:buNone/>
-              <a:defRPr sz="1600"/>
+              <a:defRPr sz="5120"/>
             </a:lvl1pPr>
-            <a:lvl2pPr marL="457200" indent="0">
-              <a:buNone/>
-              <a:defRPr sz="1400"/>
+            <a:lvl2pPr marL="1463040" indent="0">
+              <a:buNone/>
+              <a:defRPr sz="4480"/>
             </a:lvl2pPr>
-            <a:lvl3pPr marL="914400" indent="0">
-              <a:buNone/>
-              <a:defRPr sz="1200"/>
+            <a:lvl3pPr marL="2926080" indent="0">
+              <a:buNone/>
+              <a:defRPr sz="3840"/>
             </a:lvl3pPr>
-            <a:lvl4pPr marL="1371600" indent="0">
-              <a:buNone/>
-              <a:defRPr sz="1000"/>
+            <a:lvl4pPr marL="4389120" indent="0">
+              <a:buNone/>
+              <a:defRPr sz="3200"/>
             </a:lvl4pPr>
-            <a:lvl5pPr marL="1828800" indent="0">
-              <a:buNone/>
-              <a:defRPr sz="1000"/>
+            <a:lvl5pPr marL="5852160" indent="0">
+              <a:buNone/>
+              <a:defRPr sz="3200"/>
             </a:lvl5pPr>
-            <a:lvl6pPr marL="2286000" indent="0">
-              <a:buNone/>
-              <a:defRPr sz="1000"/>
+            <a:lvl6pPr marL="7315200" indent="0">
+              <a:buNone/>
+              <a:defRPr sz="3200"/>
             </a:lvl6pPr>
-            <a:lvl7pPr marL="2743200" indent="0">
-              <a:buNone/>
-              <a:defRPr sz="1000"/>
+            <a:lvl7pPr marL="8778240" indent="0">
+              <a:buNone/>
+              <a:defRPr sz="3200"/>
             </a:lvl7pPr>
-            <a:lvl8pPr marL="3200400" indent="0">
-              <a:buNone/>
-              <a:defRPr sz="1000"/>
+            <a:lvl8pPr marL="10241280" indent="0">
+              <a:buNone/>
+              <a:defRPr sz="3200"/>
             </a:lvl8pPr>
-            <a:lvl9pPr marL="3657600" indent="0">
-              <a:buNone/>
-              <a:defRPr sz="1000"/>
+            <a:lvl9pPr marL="11704320" indent="0">
+              <a:buNone/>
+              <a:defRPr sz="3200"/>
             </a:lvl9pPr>
           </a:lstStyle>
           <a:p>
@@ -2473,7 +2549,7 @@
         <p:nvSpPr>
           <p:cNvPr id="5" name="Date Placeholder 4"/>
           <p:cNvSpPr>
-            <a:spLocks noGrp="1" noEditPoints="1"/>
+            <a:spLocks noGrp="1"/>
           </p:cNvSpPr>
           <p:nvPr>
             <p:ph type="dt" sz="half" idx="10"/>
@@ -2486,7 +2562,7 @@
           <a:p>
             <a:fld id="{38F14860-83B1-C64B-B113-C7355B9F44CA}" type="datetimeFigureOut">
               <a:rPr lang="en-US" smtClean="0"/>
-              <a:t>3/20/2023</a:t>
+              <a:t>3/20/23</a:t>
             </a:fld>
             <a:endParaRPr lang="en-US"/>
           </a:p>
@@ -2496,7 +2572,7 @@
         <p:nvSpPr>
           <p:cNvPr id="6" name="Footer Placeholder 5"/>
           <p:cNvSpPr>
-            <a:spLocks noGrp="1" noEditPoints="1"/>
+            <a:spLocks noGrp="1"/>
           </p:cNvSpPr>
           <p:nvPr>
             <p:ph type="ftr" sz="quarter" idx="11"/>
@@ -2515,7 +2591,7 @@
         <p:nvSpPr>
           <p:cNvPr id="7" name="Slide Number Placeholder 6"/>
           <p:cNvSpPr>
-            <a:spLocks noGrp="1" noEditPoints="1"/>
+            <a:spLocks noGrp="1"/>
           </p:cNvSpPr>
           <p:nvPr>
             <p:ph type="sldNum" sz="quarter" idx="12"/>
@@ -2535,6 +2611,11 @@
         </p:txBody>
       </p:sp>
     </p:spTree>
+    <p:extLst>
+      <p:ext uri="{BB962C8B-B14F-4D97-AF65-F5344CB8AC3E}">
+        <p14:creationId xmlns:p14="http://schemas.microsoft.com/office/powerpoint/2010/main" val="4152465063"/>
+      </p:ext>
+    </p:extLst>
   </p:cSld>
   <p:clrMapOvr>
     <a:masterClrMapping/>
@@ -2563,7 +2644,7 @@
         <p:nvSpPr>
           <p:cNvPr id="2" name="Title 1"/>
           <p:cNvSpPr>
-            <a:spLocks noGrp="1" noEditPoints="1"/>
+            <a:spLocks noGrp="1"/>
           </p:cNvSpPr>
           <p:nvPr>
             <p:ph type="title"/>
@@ -2571,15 +2652,15 @@
         </p:nvSpPr>
         <p:spPr>
           <a:xfrm>
-            <a:off x="839788" y="457200"/>
-            <a:ext cx="3932237" cy="1600200"/>
+            <a:off x="2267428" y="1463040"/>
+            <a:ext cx="10617041" cy="5120640"/>
           </a:xfrm>
         </p:spPr>
         <p:txBody>
           <a:bodyPr anchor="b"/>
           <a:lstStyle>
             <a:lvl1pPr>
-              <a:defRPr sz="3200"/>
+              <a:defRPr sz="10240"/>
             </a:lvl1pPr>
           </a:lstStyle>
           <a:p>
@@ -2587,6 +2668,7 @@
               <a:rPr lang="en-US"/>
               <a:t>Click to edit Master title style</a:t>
             </a:r>
+            <a:endParaRPr lang="en-US" dirty="0"/>
           </a:p>
         </p:txBody>
       </p:sp>
@@ -2594,7 +2676,7 @@
         <p:nvSpPr>
           <p:cNvPr id="3" name="Picture Placeholder 2"/>
           <p:cNvSpPr>
-            <a:spLocks noGrp="1" noEditPoints="1"/>
+            <a:spLocks noGrp="1" noChangeAspect="1"/>
           </p:cNvSpPr>
           <p:nvPr>
             <p:ph type="pic" idx="1"/>
@@ -2602,8 +2684,73 @@
         </p:nvSpPr>
         <p:spPr>
           <a:xfrm>
-            <a:off x="5183188" y="987425"/>
-            <a:ext cx="6172200" cy="4873625"/>
+            <a:off x="13994608" y="3159765"/>
+            <a:ext cx="16664940" cy="15595600"/>
+          </a:xfrm>
+        </p:spPr>
+        <p:txBody>
+          <a:bodyPr anchor="t"/>
+          <a:lstStyle>
+            <a:lvl1pPr marL="0" indent="0">
+              <a:buNone/>
+              <a:defRPr sz="10240"/>
+            </a:lvl1pPr>
+            <a:lvl2pPr marL="1463040" indent="0">
+              <a:buNone/>
+              <a:defRPr sz="8960"/>
+            </a:lvl2pPr>
+            <a:lvl3pPr marL="2926080" indent="0">
+              <a:buNone/>
+              <a:defRPr sz="7680"/>
+            </a:lvl3pPr>
+            <a:lvl4pPr marL="4389120" indent="0">
+              <a:buNone/>
+              <a:defRPr sz="6400"/>
+            </a:lvl4pPr>
+            <a:lvl5pPr marL="5852160" indent="0">
+              <a:buNone/>
+              <a:defRPr sz="6400"/>
+            </a:lvl5pPr>
+            <a:lvl6pPr marL="7315200" indent="0">
+              <a:buNone/>
+              <a:defRPr sz="6400"/>
+            </a:lvl6pPr>
+            <a:lvl7pPr marL="8778240" indent="0">
+              <a:buNone/>
+              <a:defRPr sz="6400"/>
+            </a:lvl7pPr>
+            <a:lvl8pPr marL="10241280" indent="0">
+              <a:buNone/>
+              <a:defRPr sz="6400"/>
+            </a:lvl8pPr>
+            <a:lvl9pPr marL="11704320" indent="0">
+              <a:buNone/>
+              <a:defRPr sz="6400"/>
+            </a:lvl9pPr>
+          </a:lstStyle>
+          <a:p>
+            <a:r>
+              <a:rPr lang="en-US"/>
+              <a:t>Click icon to add picture</a:t>
+            </a:r>
+            <a:endParaRPr lang="en-US" dirty="0"/>
+          </a:p>
+        </p:txBody>
+      </p:sp>
+      <p:sp>
+        <p:nvSpPr>
+          <p:cNvPr id="4" name="Text Placeholder 3"/>
+          <p:cNvSpPr>
+            <a:spLocks noGrp="1"/>
+          </p:cNvSpPr>
+          <p:nvPr>
+            <p:ph type="body" sz="half" idx="2"/>
+          </p:nvPr>
+        </p:nvSpPr>
+        <p:spPr>
+          <a:xfrm>
+            <a:off x="2267428" y="6583680"/>
+            <a:ext cx="10617041" cy="12197082"/>
           </a:xfrm>
         </p:spPr>
         <p:txBody>
@@ -2611,105 +2758,43 @@
           <a:lstStyle>
             <a:lvl1pPr marL="0" indent="0">
               <a:buNone/>
+              <a:defRPr sz="5120"/>
+            </a:lvl1pPr>
+            <a:lvl2pPr marL="1463040" indent="0">
+              <a:buNone/>
+              <a:defRPr sz="4480"/>
+            </a:lvl2pPr>
+            <a:lvl3pPr marL="2926080" indent="0">
+              <a:buNone/>
+              <a:defRPr sz="3840"/>
+            </a:lvl3pPr>
+            <a:lvl4pPr marL="4389120" indent="0">
+              <a:buNone/>
               <a:defRPr sz="3200"/>
-            </a:lvl1pPr>
-            <a:lvl2pPr marL="457200" indent="0">
-              <a:buNone/>
-              <a:defRPr sz="2800"/>
-            </a:lvl2pPr>
-            <a:lvl3pPr marL="914400" indent="0">
-              <a:buNone/>
-              <a:defRPr sz="2400"/>
-            </a:lvl3pPr>
-            <a:lvl4pPr marL="1371600" indent="0">
-              <a:buNone/>
-              <a:defRPr sz="2000"/>
             </a:lvl4pPr>
-            <a:lvl5pPr marL="1828800" indent="0">
-              <a:buNone/>
-              <a:defRPr sz="2000"/>
+            <a:lvl5pPr marL="5852160" indent="0">
+              <a:buNone/>
+              <a:defRPr sz="3200"/>
             </a:lvl5pPr>
-            <a:lvl6pPr marL="2286000" indent="0">
-              <a:buNone/>
-              <a:defRPr sz="2000"/>
+            <a:lvl6pPr marL="7315200" indent="0">
+              <a:buNone/>
+              <a:defRPr sz="3200"/>
             </a:lvl6pPr>
-            <a:lvl7pPr marL="2743200" indent="0">
-              <a:buNone/>
-              <a:defRPr sz="2000"/>
+            <a:lvl7pPr marL="8778240" indent="0">
+              <a:buNone/>
+              <a:defRPr sz="3200"/>
             </a:lvl7pPr>
-            <a:lvl8pPr marL="3200400" indent="0">
-              <a:buNone/>
-              <a:defRPr sz="2000"/>
+            <a:lvl8pPr marL="10241280" indent="0">
+              <a:buNone/>
+              <a:defRPr sz="3200"/>
             </a:lvl8pPr>
-            <a:lvl9pPr marL="3657600" indent="0">
-              <a:buNone/>
-              <a:defRPr sz="2000"/>
+            <a:lvl9pPr marL="11704320" indent="0">
+              <a:buNone/>
+              <a:defRPr sz="3200"/>
             </a:lvl9pPr>
           </a:lstStyle>
           <a:p>
             <a:pPr lvl="0"/>
-            <a:endParaRPr lang="en-US"/>
-          </a:p>
-        </p:txBody>
-      </p:sp>
-      <p:sp>
-        <p:nvSpPr>
-          <p:cNvPr id="4" name="Text Placeholder 3"/>
-          <p:cNvSpPr>
-            <a:spLocks noGrp="1" noEditPoints="1"/>
-          </p:cNvSpPr>
-          <p:nvPr>
-            <p:ph type="body" sz="half" idx="2"/>
-          </p:nvPr>
-        </p:nvSpPr>
-        <p:spPr>
-          <a:xfrm>
-            <a:off x="839788" y="2057400"/>
-            <a:ext cx="3932237" cy="3811588"/>
-          </a:xfrm>
-        </p:spPr>
-        <p:txBody>
-          <a:bodyPr/>
-          <a:lstStyle>
-            <a:lvl1pPr marL="0" indent="0">
-              <a:buNone/>
-              <a:defRPr sz="1600"/>
-            </a:lvl1pPr>
-            <a:lvl2pPr marL="457200" indent="0">
-              <a:buNone/>
-              <a:defRPr sz="1400"/>
-            </a:lvl2pPr>
-            <a:lvl3pPr marL="914400" indent="0">
-              <a:buNone/>
-              <a:defRPr sz="1200"/>
-            </a:lvl3pPr>
-            <a:lvl4pPr marL="1371600" indent="0">
-              <a:buNone/>
-              <a:defRPr sz="1000"/>
-            </a:lvl4pPr>
-            <a:lvl5pPr marL="1828800" indent="0">
-              <a:buNone/>
-              <a:defRPr sz="1000"/>
-            </a:lvl5pPr>
-            <a:lvl6pPr marL="2286000" indent="0">
-              <a:buNone/>
-              <a:defRPr sz="1000"/>
-            </a:lvl6pPr>
-            <a:lvl7pPr marL="2743200" indent="0">
-              <a:buNone/>
-              <a:defRPr sz="1000"/>
-            </a:lvl7pPr>
-            <a:lvl8pPr marL="3200400" indent="0">
-              <a:buNone/>
-              <a:defRPr sz="1000"/>
-            </a:lvl8pPr>
-            <a:lvl9pPr marL="3657600" indent="0">
-              <a:buNone/>
-              <a:defRPr sz="1000"/>
-            </a:lvl9pPr>
-          </a:lstStyle>
-          <a:p>
-            <a:pPr lvl="0"/>
             <a:r>
               <a:rPr lang="en-US"/>
               <a:t>Click to edit Master text styles</a:t>
@@ -2721,7 +2806,7 @@
         <p:nvSpPr>
           <p:cNvPr id="5" name="Date Placeholder 4"/>
           <p:cNvSpPr>
-            <a:spLocks noGrp="1" noEditPoints="1"/>
+            <a:spLocks noGrp="1"/>
           </p:cNvSpPr>
           <p:nvPr>
             <p:ph type="dt" sz="half" idx="10"/>
@@ -2734,7 +2819,7 @@
           <a:p>
             <a:fld id="{38F14860-83B1-C64B-B113-C7355B9F44CA}" type="datetimeFigureOut">
               <a:rPr lang="en-US" smtClean="0"/>
-              <a:t>3/20/2023</a:t>
+              <a:t>3/20/23</a:t>
             </a:fld>
             <a:endParaRPr lang="en-US"/>
           </a:p>
@@ -2744,7 +2829,7 @@
         <p:nvSpPr>
           <p:cNvPr id="6" name="Footer Placeholder 5"/>
           <p:cNvSpPr>
-            <a:spLocks noGrp="1" noEditPoints="1"/>
+            <a:spLocks noGrp="1"/>
           </p:cNvSpPr>
           <p:nvPr>
             <p:ph type="ftr" sz="quarter" idx="11"/>
@@ -2763,7 +2848,7 @@
         <p:nvSpPr>
           <p:cNvPr id="7" name="Slide Number Placeholder 6"/>
           <p:cNvSpPr>
-            <a:spLocks noGrp="1" noEditPoints="1"/>
+            <a:spLocks noGrp="1"/>
           </p:cNvSpPr>
           <p:nvPr>
             <p:ph type="sldNum" sz="quarter" idx="12"/>
@@ -2783,6 +2868,11 @@
         </p:txBody>
       </p:sp>
     </p:spTree>
+    <p:extLst>
+      <p:ext uri="{BB962C8B-B14F-4D97-AF65-F5344CB8AC3E}">
+        <p14:creationId xmlns:p14="http://schemas.microsoft.com/office/powerpoint/2010/main" val="2781776866"/>
+      </p:ext>
+    </p:extLst>
   </p:cSld>
   <p:clrMapOvr>
     <a:masterClrMapping/>
@@ -2816,7 +2906,7 @@
         <p:nvSpPr>
           <p:cNvPr id="2" name="Title Placeholder 1"/>
           <p:cNvSpPr>
-            <a:spLocks noGrp="1" noEditPoints="1"/>
+            <a:spLocks noGrp="1"/>
           </p:cNvSpPr>
           <p:nvPr>
             <p:ph type="title"/>
@@ -2824,8 +2914,8 @@
         </p:nvSpPr>
         <p:spPr>
           <a:xfrm>
-            <a:off x="838200" y="365125"/>
-            <a:ext cx="10515600" cy="1325563"/>
+            <a:off x="2263140" y="1168405"/>
+            <a:ext cx="28392120" cy="4241802"/>
           </a:xfrm>
           <a:prstGeom prst="rect">
             <a:avLst/>
@@ -2841,6 +2931,7 @@
               <a:rPr lang="en-US"/>
               <a:t>Click to edit Master title style</a:t>
             </a:r>
+            <a:endParaRPr lang="en-US" dirty="0"/>
           </a:p>
         </p:txBody>
       </p:sp>
@@ -2848,7 +2939,7 @@
         <p:nvSpPr>
           <p:cNvPr id="3" name="Text Placeholder 2"/>
           <p:cNvSpPr>
-            <a:spLocks noGrp="1" noEditPoints="1"/>
+            <a:spLocks noGrp="1"/>
           </p:cNvSpPr>
           <p:nvPr>
             <p:ph type="body" idx="1"/>
@@ -2856,8 +2947,8 @@
         </p:nvSpPr>
         <p:spPr>
           <a:xfrm>
-            <a:off x="838200" y="1825625"/>
-            <a:ext cx="10515600" cy="4351338"/>
+            <a:off x="2263140" y="5842000"/>
+            <a:ext cx="28392120" cy="13924282"/>
           </a:xfrm>
           <a:prstGeom prst="rect">
             <a:avLst/>
@@ -2902,6 +2993,7 @@
               <a:rPr lang="en-US"/>
               <a:t>Fifth level</a:t>
             </a:r>
+            <a:endParaRPr lang="en-US" dirty="0"/>
           </a:p>
         </p:txBody>
       </p:sp>
@@ -2909,7 +3001,7 @@
         <p:nvSpPr>
           <p:cNvPr id="4" name="Date Placeholder 3"/>
           <p:cNvSpPr>
-            <a:spLocks noGrp="1" noEditPoints="1"/>
+            <a:spLocks noGrp="1"/>
           </p:cNvSpPr>
           <p:nvPr>
             <p:ph type="dt" sz="half" idx="2"/>
@@ -2917,8 +3009,8 @@
         </p:nvSpPr>
         <p:spPr>
           <a:xfrm>
-            <a:off x="838200" y="6356350"/>
-            <a:ext cx="2743200" cy="365125"/>
+            <a:off x="2263140" y="20340325"/>
+            <a:ext cx="7406640" cy="1168400"/>
           </a:xfrm>
           <a:prstGeom prst="rect">
             <a:avLst/>
@@ -2928,7 +3020,7 @@
           <a:bodyPr vert="horz" lIns="91440" tIns="45720" rIns="91440" bIns="45720" rtlCol="0" anchor="ctr"/>
           <a:lstStyle>
             <a:lvl1pPr algn="l">
-              <a:defRPr sz="1200">
+              <a:defRPr sz="3840">
                 <a:solidFill>
                   <a:schemeClr val="tx1">
                     <a:tint val="75000"/>
@@ -2940,7 +3032,7 @@
           <a:p>
             <a:fld id="{38F14860-83B1-C64B-B113-C7355B9F44CA}" type="datetimeFigureOut">
               <a:rPr lang="en-US" smtClean="0"/>
-              <a:t>3/20/2023</a:t>
+              <a:t>3/20/23</a:t>
             </a:fld>
             <a:endParaRPr lang="en-US"/>
           </a:p>
@@ -2950,7 +3042,7 @@
         <p:nvSpPr>
           <p:cNvPr id="5" name="Footer Placeholder 4"/>
           <p:cNvSpPr>
-            <a:spLocks noGrp="1" noEditPoints="1"/>
+            <a:spLocks noGrp="1"/>
           </p:cNvSpPr>
           <p:nvPr>
             <p:ph type="ftr" sz="quarter" idx="3"/>
@@ -2958,8 +3050,8 @@
         </p:nvSpPr>
         <p:spPr>
           <a:xfrm>
-            <a:off x="4038600" y="6356350"/>
-            <a:ext cx="4114800" cy="365125"/>
+            <a:off x="10904220" y="20340325"/>
+            <a:ext cx="11109960" cy="1168400"/>
           </a:xfrm>
           <a:prstGeom prst="rect">
             <a:avLst/>
@@ -2969,7 +3061,7 @@
           <a:bodyPr vert="horz" lIns="91440" tIns="45720" rIns="91440" bIns="45720" rtlCol="0" anchor="ctr"/>
           <a:lstStyle>
             <a:lvl1pPr algn="ctr">
-              <a:defRPr sz="1200">
+              <a:defRPr sz="3840">
                 <a:solidFill>
                   <a:schemeClr val="tx1">
                     <a:tint val="75000"/>
@@ -2987,7 +3079,7 @@
         <p:nvSpPr>
           <p:cNvPr id="6" name="Slide Number Placeholder 5"/>
           <p:cNvSpPr>
-            <a:spLocks noGrp="1" noEditPoints="1"/>
+            <a:spLocks noGrp="1"/>
           </p:cNvSpPr>
           <p:nvPr>
             <p:ph type="sldNum" sz="quarter" idx="4"/>
@@ -2995,8 +3087,8 @@
         </p:nvSpPr>
         <p:spPr>
           <a:xfrm>
-            <a:off x="8610600" y="6356350"/>
-            <a:ext cx="2743200" cy="365125"/>
+            <a:off x="23248620" y="20340325"/>
+            <a:ext cx="7406640" cy="1168400"/>
           </a:xfrm>
           <a:prstGeom prst="rect">
             <a:avLst/>
@@ -3006,7 +3098,7 @@
           <a:bodyPr vert="horz" lIns="91440" tIns="45720" rIns="91440" bIns="45720" rtlCol="0" anchor="ctr"/>
           <a:lstStyle>
             <a:lvl1pPr algn="r">
-              <a:defRPr sz="1200">
+              <a:defRPr sz="3840">
                 <a:solidFill>
                   <a:schemeClr val="tx1">
                     <a:tint val="75000"/>
@@ -3025,24 +3117,29 @@
         </p:txBody>
       </p:sp>
     </p:spTree>
+    <p:extLst>
+      <p:ext uri="{BB962C8B-B14F-4D97-AF65-F5344CB8AC3E}">
+        <p14:creationId xmlns:p14="http://schemas.microsoft.com/office/powerpoint/2010/main" val="513527434"/>
+      </p:ext>
+    </p:extLst>
   </p:cSld>
   <p:clrMap bg1="lt1" tx1="dk1" bg2="lt2" tx2="dk2" accent1="accent1" accent2="accent2" accent3="accent3" accent4="accent4" accent5="accent5" accent6="accent6" hlink="hlink" folHlink="folHlink"/>
   <p:sldLayoutIdLst>
-    <p:sldLayoutId id="2147483649" r:id="rId1"/>
-    <p:sldLayoutId id="2147483650" r:id="rId2"/>
-    <p:sldLayoutId id="2147483651" r:id="rId3"/>
-    <p:sldLayoutId id="2147483652" r:id="rId4"/>
-    <p:sldLayoutId id="2147483653" r:id="rId5"/>
-    <p:sldLayoutId id="2147483654" r:id="rId6"/>
-    <p:sldLayoutId id="2147483655" r:id="rId7"/>
-    <p:sldLayoutId id="2147483656" r:id="rId8"/>
-    <p:sldLayoutId id="2147483657" r:id="rId9"/>
-    <p:sldLayoutId id="2147483658" r:id="rId10"/>
-    <p:sldLayoutId id="2147483659" r:id="rId11"/>
+    <p:sldLayoutId id="2147483661" r:id="rId1"/>
+    <p:sldLayoutId id="2147483662" r:id="rId2"/>
+    <p:sldLayoutId id="2147483663" r:id="rId3"/>
+    <p:sldLayoutId id="2147483664" r:id="rId4"/>
+    <p:sldLayoutId id="2147483665" r:id="rId5"/>
+    <p:sldLayoutId id="2147483666" r:id="rId6"/>
+    <p:sldLayoutId id="2147483667" r:id="rId7"/>
+    <p:sldLayoutId id="2147483668" r:id="rId8"/>
+    <p:sldLayoutId id="2147483669" r:id="rId9"/>
+    <p:sldLayoutId id="2147483670" r:id="rId10"/>
+    <p:sldLayoutId id="2147483671" r:id="rId11"/>
   </p:sldLayoutIdLst>
   <p:txStyles>
     <p:titleStyle>
-      <a:lvl1pPr algn="l" defTabSz="914400" rtl="0" eaLnBrk="1" latinLnBrk="0" hangingPunct="1">
+      <a:lvl1pPr algn="l" defTabSz="2926080" rtl="0" eaLnBrk="1" latinLnBrk="0" hangingPunct="1">
         <a:lnSpc>
           <a:spcPct val="90000"/>
         </a:lnSpc>
@@ -3050,7 +3147,7 @@
           <a:spcPct val="0"/>
         </a:spcBef>
         <a:buNone/>
-        <a:defRPr sz="4400" kern="1200">
+        <a:defRPr sz="14080" kern="1200">
           <a:solidFill>
             <a:schemeClr val="tx1"/>
           </a:solidFill>
@@ -3061,16 +3158,16 @@
       </a:lvl1pPr>
     </p:titleStyle>
     <p:bodyStyle>
-      <a:lvl1pPr marL="228600" indent="-228600" algn="l" defTabSz="914400" rtl="0" eaLnBrk="1" latinLnBrk="0" hangingPunct="1">
+      <a:lvl1pPr marL="731520" indent="-731520" algn="l" defTabSz="2926080" rtl="0" eaLnBrk="1" latinLnBrk="0" hangingPunct="1">
         <a:lnSpc>
           <a:spcPct val="90000"/>
         </a:lnSpc>
         <a:spcBef>
-          <a:spcPts val="1000"/>
+          <a:spcPts val="3200"/>
         </a:spcBef>
-        <a:buFont typeface="Arial" pitchFamily="34" charset="0" panose="020B0604020202020204"/>
+        <a:buFont typeface="Arial" panose="020B0604020202020204" pitchFamily="34" charset="0"/>
         <a:buChar char="•"/>
-        <a:defRPr sz="2800" kern="1200">
+        <a:defRPr sz="8960" kern="1200">
           <a:solidFill>
             <a:schemeClr val="tx1"/>
           </a:solidFill>
@@ -3079,16 +3176,16 @@
           <a:cs typeface="+mn-cs"/>
         </a:defRPr>
       </a:lvl1pPr>
-      <a:lvl2pPr marL="685800" indent="-228600" algn="l" defTabSz="914400" rtl="0" eaLnBrk="1" latinLnBrk="0" hangingPunct="1">
+      <a:lvl2pPr marL="2194560" indent="-731520" algn="l" defTabSz="2926080" rtl="0" eaLnBrk="1" latinLnBrk="0" hangingPunct="1">
         <a:lnSpc>
           <a:spcPct val="90000"/>
         </a:lnSpc>
         <a:spcBef>
-          <a:spcPts val="500"/>
+          <a:spcPts val="1600"/>
         </a:spcBef>
-        <a:buFont typeface="Arial" pitchFamily="34" charset="0" panose="020B0604020202020204"/>
+        <a:buFont typeface="Arial" panose="020B0604020202020204" pitchFamily="34" charset="0"/>
         <a:buChar char="•"/>
-        <a:defRPr sz="2400" kern="1200">
+        <a:defRPr sz="7680" kern="1200">
           <a:solidFill>
             <a:schemeClr val="tx1"/>
           </a:solidFill>
@@ -3097,16 +3194,16 @@
           <a:cs typeface="+mn-cs"/>
         </a:defRPr>
       </a:lvl2pPr>
-      <a:lvl3pPr marL="1143000" indent="-228600" algn="l" defTabSz="914400" rtl="0" eaLnBrk="1" latinLnBrk="0" hangingPunct="1">
+      <a:lvl3pPr marL="3657600" indent="-731520" algn="l" defTabSz="2926080" rtl="0" eaLnBrk="1" latinLnBrk="0" hangingPunct="1">
         <a:lnSpc>
           <a:spcPct val="90000"/>
         </a:lnSpc>
         <a:spcBef>
-          <a:spcPts val="500"/>
+          <a:spcPts val="1600"/>
         </a:spcBef>
-        <a:buFont typeface="Arial" pitchFamily="34" charset="0" panose="020B0604020202020204"/>
+        <a:buFont typeface="Arial" panose="020B0604020202020204" pitchFamily="34" charset="0"/>
         <a:buChar char="•"/>
-        <a:defRPr sz="2000" kern="1200">
+        <a:defRPr sz="6400" kern="1200">
           <a:solidFill>
             <a:schemeClr val="tx1"/>
           </a:solidFill>
@@ -3115,16 +3212,16 @@
           <a:cs typeface="+mn-cs"/>
         </a:defRPr>
       </a:lvl3pPr>
-      <a:lvl4pPr marL="1600200" indent="-228600" algn="l" defTabSz="914400" rtl="0" eaLnBrk="1" latinLnBrk="0" hangingPunct="1">
+      <a:lvl4pPr marL="5120640" indent="-731520" algn="l" defTabSz="2926080" rtl="0" eaLnBrk="1" latinLnBrk="0" hangingPunct="1">
         <a:lnSpc>
           <a:spcPct val="90000"/>
         </a:lnSpc>
         <a:spcBef>
-          <a:spcPts val="500"/>
+          <a:spcPts val="1600"/>
         </a:spcBef>
-        <a:buFont typeface="Arial" pitchFamily="34" charset="0" panose="020B0604020202020204"/>
+        <a:buFont typeface="Arial" panose="020B0604020202020204" pitchFamily="34" charset="0"/>
         <a:buChar char="•"/>
-        <a:defRPr sz="1800" kern="1200">
+        <a:defRPr sz="5760" kern="1200">
           <a:solidFill>
             <a:schemeClr val="tx1"/>
           </a:solidFill>
@@ -3133,16 +3230,16 @@
           <a:cs typeface="+mn-cs"/>
         </a:defRPr>
       </a:lvl4pPr>
-      <a:lvl5pPr marL="2057400" indent="-228600" algn="l" defTabSz="914400" rtl="0" eaLnBrk="1" latinLnBrk="0" hangingPunct="1">
+      <a:lvl5pPr marL="6583680" indent="-731520" algn="l" defTabSz="2926080" rtl="0" eaLnBrk="1" latinLnBrk="0" hangingPunct="1">
         <a:lnSpc>
           <a:spcPct val="90000"/>
         </a:lnSpc>
         <a:spcBef>
-          <a:spcPts val="500"/>
+          <a:spcPts val="1600"/>
         </a:spcBef>
-        <a:buFont typeface="Arial" pitchFamily="34" charset="0" panose="020B0604020202020204"/>
+        <a:buFont typeface="Arial" panose="020B0604020202020204" pitchFamily="34" charset="0"/>
         <a:buChar char="•"/>
-        <a:defRPr sz="1800" kern="1200">
+        <a:defRPr sz="5760" kern="1200">
           <a:solidFill>
             <a:schemeClr val="tx1"/>
           </a:solidFill>
@@ -3151,16 +3248,16 @@
           <a:cs typeface="+mn-cs"/>
         </a:defRPr>
       </a:lvl5pPr>
-      <a:lvl6pPr marL="2514600" indent="-228600" algn="l" defTabSz="914400" rtl="0" eaLnBrk="1" latinLnBrk="0" hangingPunct="1">
+      <a:lvl6pPr marL="8046720" indent="-731520" algn="l" defTabSz="2926080" rtl="0" eaLnBrk="1" latinLnBrk="0" hangingPunct="1">
         <a:lnSpc>
           <a:spcPct val="90000"/>
         </a:lnSpc>
         <a:spcBef>
-          <a:spcPts val="500"/>
+          <a:spcPts val="1600"/>
         </a:spcBef>
-        <a:buFont typeface="Arial" pitchFamily="34" charset="0" panose="020B0604020202020204"/>
+        <a:buFont typeface="Arial" panose="020B0604020202020204" pitchFamily="34" charset="0"/>
         <a:buChar char="•"/>
-        <a:defRPr sz="1800" kern="1200">
+        <a:defRPr sz="5760" kern="1200">
           <a:solidFill>
             <a:schemeClr val="tx1"/>
           </a:solidFill>
@@ -3169,16 +3266,16 @@
           <a:cs typeface="+mn-cs"/>
         </a:defRPr>
       </a:lvl6pPr>
-      <a:lvl7pPr marL="2971800" indent="-228600" algn="l" defTabSz="914400" rtl="0" eaLnBrk="1" latinLnBrk="0" hangingPunct="1">
+      <a:lvl7pPr marL="9509760" indent="-731520" algn="l" defTabSz="2926080" rtl="0" eaLnBrk="1" latinLnBrk="0" hangingPunct="1">
         <a:lnSpc>
           <a:spcPct val="90000"/>
         </a:lnSpc>
         <a:spcBef>
-          <a:spcPts val="500"/>
+          <a:spcPts val="1600"/>
         </a:spcBef>
-        <a:buFont typeface="Arial" pitchFamily="34" charset="0" panose="020B0604020202020204"/>
+        <a:buFont typeface="Arial" panose="020B0604020202020204" pitchFamily="34" charset="0"/>
         <a:buChar char="•"/>
-        <a:defRPr sz="1800" kern="1200">
+        <a:defRPr sz="5760" kern="1200">
           <a:solidFill>
             <a:schemeClr val="tx1"/>
           </a:solidFill>
@@ -3187,16 +3284,16 @@
           <a:cs typeface="+mn-cs"/>
         </a:defRPr>
       </a:lvl7pPr>
-      <a:lvl8pPr marL="3429000" indent="-228600" algn="l" defTabSz="914400" rtl="0" eaLnBrk="1" latinLnBrk="0" hangingPunct="1">
+      <a:lvl8pPr marL="10972800" indent="-731520" algn="l" defTabSz="2926080" rtl="0" eaLnBrk="1" latinLnBrk="0" hangingPunct="1">
         <a:lnSpc>
           <a:spcPct val="90000"/>
         </a:lnSpc>
         <a:spcBef>
-          <a:spcPts val="500"/>
+          <a:spcPts val="1600"/>
         </a:spcBef>
-        <a:buFont typeface="Arial" pitchFamily="34" charset="0" panose="020B0604020202020204"/>
+        <a:buFont typeface="Arial" panose="020B0604020202020204" pitchFamily="34" charset="0"/>
         <a:buChar char="•"/>
-        <a:defRPr sz="1800" kern="1200">
+        <a:defRPr sz="5760" kern="1200">
           <a:solidFill>
             <a:schemeClr val="tx1"/>
           </a:solidFill>
@@ -3205,16 +3302,16 @@
           <a:cs typeface="+mn-cs"/>
         </a:defRPr>
       </a:lvl8pPr>
-      <a:lvl9pPr marL="3886200" indent="-228600" algn="l" defTabSz="914400" rtl="0" eaLnBrk="1" latinLnBrk="0" hangingPunct="1">
+      <a:lvl9pPr marL="12435840" indent="-731520" algn="l" defTabSz="2926080" rtl="0" eaLnBrk="1" latinLnBrk="0" hangingPunct="1">
         <a:lnSpc>
           <a:spcPct val="90000"/>
         </a:lnSpc>
         <a:spcBef>
-          <a:spcPts val="500"/>
+          <a:spcPts val="1600"/>
         </a:spcBef>
-        <a:buFont typeface="Arial" pitchFamily="34" charset="0" panose="020B0604020202020204"/>
+        <a:buFont typeface="Arial" panose="020B0604020202020204" pitchFamily="34" charset="0"/>
         <a:buChar char="•"/>
-        <a:defRPr sz="1800" kern="1200">
+        <a:defRPr sz="5760" kern="1200">
           <a:solidFill>
             <a:schemeClr val="tx1"/>
           </a:solidFill>
@@ -3228,8 +3325,8 @@
       <a:defPPr>
         <a:defRPr lang="en-US"/>
       </a:defPPr>
-      <a:lvl1pPr marL="0" algn="l" defTabSz="914400" rtl="0" eaLnBrk="1" latinLnBrk="0" hangingPunct="1">
-        <a:defRPr sz="1800" kern="1200">
+      <a:lvl1pPr marL="0" algn="l" defTabSz="2926080" rtl="0" eaLnBrk="1" latinLnBrk="0" hangingPunct="1">
+        <a:defRPr sz="5760" kern="1200">
           <a:solidFill>
             <a:schemeClr val="tx1"/>
           </a:solidFill>
@@ -3238,8 +3335,8 @@
           <a:cs typeface="+mn-cs"/>
         </a:defRPr>
       </a:lvl1pPr>
-      <a:lvl2pPr marL="457200" algn="l" defTabSz="914400" rtl="0" eaLnBrk="1" latinLnBrk="0" hangingPunct="1">
-        <a:defRPr sz="1800" kern="1200">
+      <a:lvl2pPr marL="1463040" algn="l" defTabSz="2926080" rtl="0" eaLnBrk="1" latinLnBrk="0" hangingPunct="1">
+        <a:defRPr sz="5760" kern="1200">
           <a:solidFill>
             <a:schemeClr val="tx1"/>
           </a:solidFill>
@@ -3248,8 +3345,8 @@
           <a:cs typeface="+mn-cs"/>
         </a:defRPr>
       </a:lvl2pPr>
-      <a:lvl3pPr marL="914400" algn="l" defTabSz="914400" rtl="0" eaLnBrk="1" latinLnBrk="0" hangingPunct="1">
-        <a:defRPr sz="1800" kern="1200">
+      <a:lvl3pPr marL="2926080" algn="l" defTabSz="2926080" rtl="0" eaLnBrk="1" latinLnBrk="0" hangingPunct="1">
+        <a:defRPr sz="5760" kern="1200">
           <a:solidFill>
             <a:schemeClr val="tx1"/>
           </a:solidFill>
@@ -3258,8 +3355,8 @@
           <a:cs typeface="+mn-cs"/>
         </a:defRPr>
       </a:lvl3pPr>
-      <a:lvl4pPr marL="1371600" algn="l" defTabSz="914400" rtl="0" eaLnBrk="1" latinLnBrk="0" hangingPunct="1">
-        <a:defRPr sz="1800" kern="1200">
+      <a:lvl4pPr marL="4389120" algn="l" defTabSz="2926080" rtl="0" eaLnBrk="1" latinLnBrk="0" hangingPunct="1">
+        <a:defRPr sz="5760" kern="1200">
           <a:solidFill>
             <a:schemeClr val="tx1"/>
           </a:solidFill>
@@ -3268,8 +3365,8 @@
           <a:cs typeface="+mn-cs"/>
         </a:defRPr>
       </a:lvl4pPr>
-      <a:lvl5pPr marL="1828800" algn="l" defTabSz="914400" rtl="0" eaLnBrk="1" latinLnBrk="0" hangingPunct="1">
-        <a:defRPr sz="1800" kern="1200">
+      <a:lvl5pPr marL="5852160" algn="l" defTabSz="2926080" rtl="0" eaLnBrk="1" latinLnBrk="0" hangingPunct="1">
+        <a:defRPr sz="5760" kern="1200">
           <a:solidFill>
             <a:schemeClr val="tx1"/>
           </a:solidFill>
@@ -3278,8 +3375,8 @@
           <a:cs typeface="+mn-cs"/>
         </a:defRPr>
       </a:lvl5pPr>
-      <a:lvl6pPr marL="2286000" algn="l" defTabSz="914400" rtl="0" eaLnBrk="1" latinLnBrk="0" hangingPunct="1">
-        <a:defRPr sz="1800" kern="1200">
+      <a:lvl6pPr marL="7315200" algn="l" defTabSz="2926080" rtl="0" eaLnBrk="1" latinLnBrk="0" hangingPunct="1">
+        <a:defRPr sz="5760" kern="1200">
           <a:solidFill>
             <a:schemeClr val="tx1"/>
           </a:solidFill>
@@ -3288,8 +3385,8 @@
           <a:cs typeface="+mn-cs"/>
         </a:defRPr>
       </a:lvl6pPr>
-      <a:lvl7pPr marL="2743200" algn="l" defTabSz="914400" rtl="0" eaLnBrk="1" latinLnBrk="0" hangingPunct="1">
-        <a:defRPr sz="1800" kern="1200">
+      <a:lvl7pPr marL="8778240" algn="l" defTabSz="2926080" rtl="0" eaLnBrk="1" latinLnBrk="0" hangingPunct="1">
+        <a:defRPr sz="5760" kern="1200">
           <a:solidFill>
             <a:schemeClr val="tx1"/>
           </a:solidFill>
@@ -3298,8 +3395,8 @@
           <a:cs typeface="+mn-cs"/>
         </a:defRPr>
       </a:lvl7pPr>
-      <a:lvl8pPr marL="3200400" algn="l" defTabSz="914400" rtl="0" eaLnBrk="1" latinLnBrk="0" hangingPunct="1">
-        <a:defRPr sz="1800" kern="1200">
+      <a:lvl8pPr marL="10241280" algn="l" defTabSz="2926080" rtl="0" eaLnBrk="1" latinLnBrk="0" hangingPunct="1">
+        <a:defRPr sz="5760" kern="1200">
           <a:solidFill>
             <a:schemeClr val="tx1"/>
           </a:solidFill>
@@ -3308,8 +3405,8 @@
           <a:cs typeface="+mn-cs"/>
         </a:defRPr>
       </a:lvl8pPr>
-      <a:lvl9pPr marL="3657600" algn="l" defTabSz="914400" rtl="0" eaLnBrk="1" latinLnBrk="0" hangingPunct="1">
-        <a:defRPr sz="1800" kern="1200">
+      <a:lvl9pPr marL="11704320" algn="l" defTabSz="2926080" rtl="0" eaLnBrk="1" latinLnBrk="0" hangingPunct="1">
+        <a:defRPr sz="5760" kern="1200">
           <a:solidFill>
             <a:schemeClr val="tx1"/>
           </a:solidFill>
@@ -3352,8 +3449,8 @@
         </p:nvSpPr>
         <p:spPr>
           <a:xfrm>
-            <a:off x="4351866" y="-94457"/>
-            <a:ext cx="3488267" cy="861660"/>
+            <a:off x="11750045" y="1459466"/>
+            <a:ext cx="9418321" cy="2326482"/>
           </a:xfrm>
         </p:spPr>
         <p:txBody>
@@ -3364,18 +3461,18 @@
           <a:p>
             <a:pPr algn="l"/>
             <a:r>
-              <a:rPr lang="en-US" sz="5300" dirty="0"/>
+              <a:rPr lang="en-US" sz="14310" dirty="0"/>
               <a:t>Well</a:t>
             </a:r>
             <a:r>
-              <a:rPr lang="en-CA" sz="5300" dirty="0"/>
+              <a:rPr lang="en-CA" sz="14310" dirty="0"/>
               <a:t>-</a:t>
             </a:r>
             <a:r>
-              <a:rPr lang="en-US" sz="5300" dirty="0"/>
+              <a:rPr lang="en-US" sz="14310" dirty="0"/>
               <a:t>Phone</a:t>
             </a:r>
-            <a:endParaRPr lang="en-US" sz="4400" dirty="0"/>
+            <a:endParaRPr lang="en-US" sz="11880" dirty="0"/>
           </a:p>
         </p:txBody>
       </p:sp>
@@ -3391,32 +3488,31 @@
         </p:nvSpPr>
         <p:spPr>
           <a:xfrm>
-            <a:off x="3225451" y="6409265"/>
-            <a:ext cx="5674518" cy="387029"/>
+            <a:off x="10749396" y="20132606"/>
+            <a:ext cx="11239835" cy="816415"/>
           </a:xfrm>
         </p:spPr>
         <p:txBody>
           <a:bodyPr>
-            <a:normAutofit/>
+            <a:normAutofit fontScale="92500"/>
           </a:bodyPr>
           <a:lstStyle/>
           <a:p>
             <a:r>
-              <a:rPr lang="en-US" sz="1800" dirty="0"/>
+              <a:rPr lang="en-US" sz="4860" dirty="0"/>
               <a:t>Curtis Ficor, </a:t>
             </a:r>
             <a:r>
-              <a:rPr lang="en-CA" sz="1800" b="0" i="0" dirty="0">
+              <a:rPr lang="en-CA" sz="4860" dirty="0">
                 <a:solidFill>
                   <a:srgbClr val="1D2125"/>
                 </a:solidFill>
-                <a:effectLst/>
                 <a:latin typeface="-apple-system"/>
               </a:rPr>
               <a:t>Sharmarke</a:t>
             </a:r>
             <a:r>
-              <a:rPr lang="en-US" sz="1800" dirty="0"/>
+              <a:rPr lang="en-US" sz="4860" dirty="0"/>
               <a:t> Hassan, Jadon Donais  </a:t>
             </a:r>
           </a:p>
@@ -3431,7 +3527,7 @@
           <p:nvPr/>
         </p:nvPicPr>
         <p:blipFill>
-          <a:blip r:embed="rId1"/>
+          <a:blip r:embed="rId3"/>
           <a:srcRect/>
           <a:stretch>
             <a:fillRect/>
@@ -3439,8 +3535,8 @@
         </p:blipFill>
         <p:spPr>
           <a:xfrm>
-            <a:off x="10373585" y="6051797"/>
-            <a:ext cx="1659038" cy="659844"/>
+            <a:off x="27838725" y="19594340"/>
+            <a:ext cx="4479403" cy="1781579"/>
           </a:xfrm>
           <a:prstGeom prst="rect">
             <a:avLst/>
@@ -3455,8 +3551,8 @@
         </p:nvSpPr>
         <p:spPr>
           <a:xfrm flipV="1">
-            <a:off x="2082799" y="6355712"/>
-            <a:ext cx="8119533" cy="53554"/>
+            <a:off x="5628164" y="20800734"/>
+            <a:ext cx="21922739" cy="144596"/>
           </a:xfrm>
           <a:prstGeom prst="rect">
             <a:avLst/>
@@ -3489,7 +3585,7 @@
           <a:lstStyle/>
           <a:p>
             <a:pPr algn="ctr"/>
-            <a:endParaRPr lang="en-US" sz="1350"/>
+            <a:endParaRPr lang="en-US" sz="3645"/>
           </a:p>
         </p:txBody>
       </p:sp>
@@ -3502,14 +3598,14 @@
           <p:nvPr/>
         </p:nvPicPr>
         <p:blipFill>
-          <a:blip r:embed="rId2"/>
+          <a:blip r:embed="rId4"/>
           <a:srcRect l="3321" t="37714" r="20529" b="24214"/>
           <a:stretch/>
         </p:blipFill>
         <p:spPr>
           <a:xfrm>
-            <a:off x="155964" y="6146667"/>
-            <a:ext cx="1755582" cy="525196"/>
+            <a:off x="627426" y="19957890"/>
+            <a:ext cx="4740071" cy="1418029"/>
           </a:xfrm>
           <a:prstGeom prst="rect">
             <a:avLst/>
@@ -3524,8 +3620,8 @@
         </p:nvSpPr>
         <p:spPr>
           <a:xfrm>
-            <a:off x="338665" y="3509602"/>
-            <a:ext cx="3554848" cy="2666328"/>
+            <a:off x="491137" y="11947310"/>
+            <a:ext cx="9368086" cy="6906506"/>
           </a:xfrm>
           <a:prstGeom prst="rect">
             <a:avLst/>
@@ -3544,67 +3640,95 @@
           <a:lstStyle/>
           <a:p>
             <a:r>
-              <a:rPr lang="en-CA" sz="2000" b="1" dirty="0"/>
+              <a:rPr lang="en-CA" sz="5400" b="1" dirty="0"/>
               <a:t>Features</a:t>
             </a:r>
             <a:r>
-              <a:rPr lang="en-US" sz="2000" b="1" dirty="0"/>
+              <a:rPr lang="en-US" sz="5400" b="1" dirty="0"/>
               <a:t> </a:t>
             </a:r>
-            <a:endParaRPr lang="en-CA" sz="2000" b="1" dirty="0"/>
-          </a:p>
-          <a:p>
-            <a:r>
-              <a:rPr lang="en-CA" sz="2000" b="0" dirty="0"/>
-              <a:t>-</a:t>
-            </a:r>
-            <a:r>
-              <a:rPr lang="en-CA" sz="1600" b="0" dirty="0"/>
-              <a:t> Alarm clock</a:t>
-            </a:r>
-          </a:p>
-          <a:p>
-            <a:r>
-              <a:rPr lang="en-CA" sz="1600" b="0" dirty="0"/>
-              <a:t>- Wireless Charging</a:t>
-            </a:r>
-          </a:p>
-          <a:p>
-            <a:r>
-              <a:rPr lang="en-CA" sz="1600" b="0" dirty="0"/>
-              <a:t>- UV cleaning</a:t>
-            </a:r>
-          </a:p>
-          <a:p>
-            <a:r>
-              <a:rPr lang="en-CA" sz="1600" b="0" dirty="0"/>
-              <a:t>- sleep environment sensor</a:t>
-            </a:r>
-          </a:p>
-          <a:p>
-            <a:r>
-              <a:rPr lang="en-CA" sz="1600" b="0" dirty="0"/>
-              <a:t>- Built-in AI assistant</a:t>
-            </a:r>
-          </a:p>
-          <a:p>
-            <a:r>
-              <a:rPr lang="en-CA" sz="1600" b="0" dirty="0"/>
-              <a:t>- Physical, mental and emotional activity prompts</a:t>
-            </a:r>
-          </a:p>
-          <a:p>
-            <a:r>
-              <a:rPr lang="en-CA" sz="1600" b="0" dirty="0"/>
-              <a:t>- Automatic locking mechanism</a:t>
-            </a:r>
-          </a:p>
-          <a:p>
-            <a:r>
-              <a:rPr lang="en-CA" sz="1600" b="0" dirty="0"/>
-              <a:t>- EmotionMirror App integration</a:t>
-            </a:r>
-            <a:endParaRPr lang="en-US" sz="2000" b="0" dirty="0"/>
+            <a:endParaRPr lang="en-CA" sz="5400" b="1" dirty="0"/>
+          </a:p>
+          <a:p>
+            <a:pPr marL="771525" indent="-771525">
+              <a:buFont typeface="Arial" panose="020B0604020202020204" pitchFamily="34" charset="0"/>
+              <a:buChar char="•"/>
+            </a:pPr>
+            <a:r>
+              <a:rPr lang="en-CA" sz="4320" dirty="0"/>
+              <a:t>Alarm Clock</a:t>
+            </a:r>
+          </a:p>
+          <a:p>
+            <a:pPr marL="771525" indent="-771525">
+              <a:buFont typeface="Arial" panose="020B0604020202020204" pitchFamily="34" charset="0"/>
+              <a:buChar char="•"/>
+            </a:pPr>
+            <a:r>
+              <a:rPr lang="en-CA" sz="4320" dirty="0"/>
+              <a:t>Wireless Charging</a:t>
+            </a:r>
+          </a:p>
+          <a:p>
+            <a:pPr marL="771525" indent="-771525">
+              <a:buFont typeface="Arial" panose="020B0604020202020204" pitchFamily="34" charset="0"/>
+              <a:buChar char="•"/>
+            </a:pPr>
+            <a:r>
+              <a:rPr lang="en-CA" sz="4320" dirty="0"/>
+              <a:t>UV Cleaning</a:t>
+            </a:r>
+          </a:p>
+          <a:p>
+            <a:pPr marL="771525" indent="-771525">
+              <a:buFont typeface="Arial" panose="020B0604020202020204" pitchFamily="34" charset="0"/>
+              <a:buChar char="•"/>
+            </a:pPr>
+            <a:r>
+              <a:rPr lang="en-CA" sz="4320" dirty="0"/>
+              <a:t>Sleep Environment Sensor</a:t>
+            </a:r>
+          </a:p>
+          <a:p>
+            <a:pPr marL="771525" indent="-771525">
+              <a:buFont typeface="Arial" panose="020B0604020202020204" pitchFamily="34" charset="0"/>
+              <a:buChar char="•"/>
+            </a:pPr>
+            <a:r>
+              <a:rPr lang="en-CA" sz="4320" dirty="0"/>
+              <a:t>Built-In AI Assistant</a:t>
+            </a:r>
+          </a:p>
+          <a:p>
+            <a:pPr marL="771525" indent="-771525">
+              <a:buFont typeface="Arial" panose="020B0604020202020204" pitchFamily="34" charset="0"/>
+              <a:buChar char="•"/>
+            </a:pPr>
+            <a:r>
+              <a:rPr lang="en-CA" sz="4320" dirty="0"/>
+              <a:t>Physical, Mental and Emotional Activity Prompts</a:t>
+            </a:r>
+          </a:p>
+          <a:p>
+            <a:pPr marL="771525" indent="-771525">
+              <a:buFont typeface="Arial" panose="020B0604020202020204" pitchFamily="34" charset="0"/>
+              <a:buChar char="•"/>
+            </a:pPr>
+            <a:r>
+              <a:rPr lang="en-CA" sz="4320" dirty="0"/>
+              <a:t>Automatic Locking Mechanism</a:t>
+            </a:r>
+          </a:p>
+          <a:p>
+            <a:pPr marL="771525" indent="-771525">
+              <a:buFont typeface="Arial" panose="020B0604020202020204" pitchFamily="34" charset="0"/>
+              <a:buChar char="•"/>
+            </a:pPr>
+            <a:r>
+              <a:rPr lang="en-CA" sz="4320" dirty="0"/>
+              <a:t>EmotionMirror App Integration</a:t>
+            </a:r>
+            <a:endParaRPr lang="en-US" sz="5400" dirty="0"/>
           </a:p>
         </p:txBody>
       </p:sp>
@@ -3616,8 +3740,8 @@
         </p:nvSpPr>
         <p:spPr>
           <a:xfrm>
-            <a:off x="338665" y="1207784"/>
-            <a:ext cx="3488267" cy="1921281"/>
+            <a:off x="600265" y="3223828"/>
+            <a:ext cx="9258958" cy="7890493"/>
           </a:xfrm>
           <a:prstGeom prst="rect">
             <a:avLst/>
@@ -3636,39 +3760,35 @@
           <a:lstStyle/>
           <a:p>
             <a:r>
-              <a:rPr lang="en-US" sz="2000" b="1" dirty="0"/>
+              <a:rPr lang="en-US" sz="5400" b="1" dirty="0"/>
               <a:t>Introduction</a:t>
             </a:r>
           </a:p>
           <a:p>
             <a:r>
-              <a:rPr lang="en-CA" sz="1600" b="0" i="0" u="none" strike="noStrike" dirty="0">
+              <a:rPr lang="en-CA" sz="4320" dirty="0">
                 <a:solidFill>
                   <a:srgbClr val="000000"/>
                 </a:solidFill>
-                <a:effectLst/>
-                <a:latin typeface="Calibri" panose="020F0502020204030204"/>
                 <a:ea typeface="Calibri" panose="020F0502020204030204"/>
                 <a:cs typeface="Calibri" panose="020F0502020204030204"/>
               </a:rPr>
               <a:t>We aimed to improve long term quality of life through a consistent positive reward based system for children, by removing their phones before bed.  </a:t>
             </a:r>
             <a:r>
-              <a:rPr lang="en-CA" sz="1600" b="0" i="0" u="none" strike="noStrike" dirty="0">
+              <a:rPr lang="en-CA" sz="4320" dirty="0">
                 <a:solidFill>
                   <a:srgbClr val="000000"/>
                 </a:solidFill>
-                <a:effectLst/>
-                <a:latin typeface="Arial" pitchFamily="34" charset="0" panose="020B0604020202020204"/>
               </a:rPr>
               <a:t>  </a:t>
             </a:r>
           </a:p>
           <a:p>
-            <a:endParaRPr lang="en-US" dirty="0"/>
-          </a:p>
-          <a:p>
-            <a:endParaRPr lang="en-US" dirty="0"/>
+            <a:endParaRPr lang="en-US" sz="13997" dirty="0"/>
+          </a:p>
+          <a:p>
+            <a:endParaRPr lang="en-US" sz="13997" dirty="0"/>
           </a:p>
         </p:txBody>
       </p:sp>
@@ -3680,8 +3800,8 @@
         </p:nvSpPr>
         <p:spPr>
           <a:xfrm>
-            <a:off x="3978456" y="1207784"/>
-            <a:ext cx="4221993" cy="4603637"/>
+            <a:off x="10749396" y="4792066"/>
+            <a:ext cx="11239835" cy="13138981"/>
           </a:xfrm>
           <a:prstGeom prst="rect">
             <a:avLst/>
@@ -3699,53 +3819,87 @@
           </a:bodyPr>
           <a:lstStyle/>
           <a:p>
-            <a:endParaRPr lang="en-US" sz="2000" b="1" dirty="0"/>
-          </a:p>
-          <a:p>
-            <a:pPr marL="342900" indent="-342900">
-              <a:buFont typeface="Arial" pitchFamily="34" charset="0" panose="020B0604020202020204"/>
+            <a:r>
+              <a:rPr lang="en-US" sz="5400" b="1" dirty="0"/>
+              <a:t>Specs:</a:t>
+            </a:r>
+          </a:p>
+          <a:p>
+            <a:endParaRPr lang="en-US" sz="5400" dirty="0"/>
+          </a:p>
+          <a:p>
+            <a:pPr marL="925830" indent="-925830">
+              <a:buFont typeface="Arial" panose="020B0604020202020204" pitchFamily="34" charset="0"/>
               <a:buChar char="•"/>
             </a:pPr>
-            <a:endParaRPr lang="en-US" sz="1600" dirty="0"/>
-          </a:p>
-          <a:p>
-            <a:endParaRPr lang="en-US" sz="2000" b="1" dirty="0"/>
-          </a:p>
-          <a:p>
-            <a:endParaRPr lang="en-US" sz="2000" b="1" dirty="0"/>
-          </a:p>
-          <a:p>
-            <a:endParaRPr lang="en-US" sz="2000" b="1" dirty="0"/>
-          </a:p>
-          <a:p>
-            <a:endParaRPr lang="en-US" sz="2000" b="1" dirty="0"/>
-          </a:p>
-          <a:p>
-            <a:endParaRPr lang="en-US" sz="2000" b="1" dirty="0"/>
-          </a:p>
-          <a:p>
-            <a:endParaRPr lang="en-US" sz="2000" b="1" dirty="0"/>
-          </a:p>
-          <a:p>
-            <a:endParaRPr lang="en-US" sz="2000" b="1" dirty="0"/>
-          </a:p>
-          <a:p>
-            <a:endParaRPr lang="en-US" sz="2000" b="1" dirty="0"/>
-          </a:p>
-          <a:p>
-            <a:endParaRPr lang="en-US" sz="2000" b="1" dirty="0"/>
-          </a:p>
-          <a:p>
-            <a:endParaRPr lang="en-US" sz="2000" b="1" dirty="0"/>
-          </a:p>
-          <a:p>
-            <a:endParaRPr lang="en-US" sz="2000" b="1" dirty="0"/>
-          </a:p>
-          <a:p>
-            <a:endParaRPr lang="en-US" sz="2000" b="1" dirty="0"/>
-          </a:p>
-          <a:p>
-            <a:endParaRPr lang="en-US" sz="2000" b="1" dirty="0"/>
+            <a:endParaRPr lang="en-US" sz="4320" dirty="0"/>
+          </a:p>
+          <a:p>
+            <a:endParaRPr lang="en-US" sz="5400" b="1" dirty="0"/>
+          </a:p>
+          <a:p>
+            <a:endParaRPr lang="en-US" sz="5400" b="1" dirty="0"/>
+          </a:p>
+          <a:p>
+            <a:endParaRPr lang="en-US" sz="5400" b="1" dirty="0"/>
+          </a:p>
+          <a:p>
+            <a:endParaRPr lang="en-US" sz="5400" b="1" dirty="0"/>
+          </a:p>
+          <a:p>
+            <a:endParaRPr lang="en-US" sz="5400" b="1" dirty="0"/>
+          </a:p>
+          <a:p>
+            <a:endParaRPr lang="en-US" sz="5400" b="1" dirty="0"/>
+          </a:p>
+          <a:p>
+            <a:endParaRPr lang="en-US" sz="5400" b="1" dirty="0"/>
+          </a:p>
+          <a:p>
+            <a:endParaRPr lang="en-US" sz="5400" b="1" dirty="0"/>
+          </a:p>
+          <a:p>
+            <a:endParaRPr lang="en-US" sz="5400" b="1" dirty="0"/>
+          </a:p>
+          <a:p>
+            <a:endParaRPr lang="en-US" sz="5400" b="1" dirty="0"/>
+          </a:p>
+          <a:p>
+            <a:endParaRPr lang="en-US" sz="5400" b="1" dirty="0"/>
+          </a:p>
+          <a:p>
+            <a:endParaRPr lang="en-CA" sz="1350" dirty="0"/>
+          </a:p>
+          <a:p>
+            <a:endParaRPr lang="en-CA" sz="1350" dirty="0"/>
+          </a:p>
+          <a:p>
+            <a:endParaRPr lang="en-CA" sz="1890" dirty="0"/>
+          </a:p>
+          <a:p>
+            <a:endParaRPr lang="en-CA" sz="1890" dirty="0"/>
+          </a:p>
+          <a:p>
+            <a:r>
+              <a:rPr lang="en-CA" sz="1890" dirty="0"/>
+              <a:t>Richter, F. (2019, May 31). </a:t>
+            </a:r>
+            <a:r>
+              <a:rPr lang="en-CA" sz="1890" i="1" dirty="0"/>
+              <a:t>Infographic: America's favorite bedside companion?</a:t>
+            </a:r>
+            <a:r>
+              <a:rPr lang="en-CA" sz="1890" dirty="0"/>
+              <a:t> Statista Infographics. Retrieved March 20, 2023, from https://</a:t>
+            </a:r>
+            <a:r>
+              <a:rPr lang="en-CA" sz="1890" dirty="0" err="1"/>
+              <a:t>www.statista.com</a:t>
+            </a:r>
+            <a:r>
+              <a:rPr lang="en-CA" sz="1890" dirty="0"/>
+              <a:t>/chart/12017/smartphone-use-in-the-morning-and-at-night/ </a:t>
+            </a:r>
           </a:p>
         </p:txBody>
       </p:sp>
@@ -3757,8 +3911,8 @@
         </p:nvSpPr>
         <p:spPr>
           <a:xfrm>
-            <a:off x="8384203" y="3372905"/>
-            <a:ext cx="3602926" cy="2355277"/>
+            <a:off x="23013794" y="9042630"/>
+            <a:ext cx="9427605" cy="5576911"/>
           </a:xfrm>
           <a:prstGeom prst="rect">
             <a:avLst/>
@@ -3777,323 +3931,208 @@
           <a:lstStyle/>
           <a:p>
             <a:r>
-              <a:rPr lang="en-US" sz="2000" b="1" dirty="0"/>
+              <a:rPr lang="en-US" sz="5400" b="1" dirty="0"/>
               <a:t>Next Steps</a:t>
             </a:r>
-            <a:endParaRPr lang="en-CA" sz="2000" b="1" dirty="0"/>
-          </a:p>
-          <a:p>
-            <a:pPr marL="0" marR="0" indent="0" algn="l">
-              <a:lnSpc>
-                <a:spcPct val="100000"/>
-              </a:lnSpc>
-              <a:spcBef>
-                <a:spcPts val="0"/>
-              </a:spcBef>
-              <a:spcAft>
-                <a:spcPts val="0"/>
-              </a:spcAft>
-            </a:pPr>
-            <a:r>
-              <a:rPr lang="en-CA" sz="1600" b="0" i="0" u="none" strike="noStrike">
+            <a:endParaRPr lang="en-CA" sz="5400" b="1" dirty="0"/>
+          </a:p>
+          <a:p>
+            <a:r>
+              <a:rPr lang="en-CA" sz="4320" dirty="0">
                 <a:solidFill>
                   <a:srgbClr val="000000"/>
                 </a:solidFill>
-                <a:latin typeface="arial" charset="0"/>
-                <a:ea typeface="+mn-ea"/>
-                <a:cs typeface="+mn-cs"/>
               </a:rPr>
               <a:t>Turning</a:t>
             </a:r>
             <a:r>
-              <a:rPr lang="en-US" sz="1600" b="0" i="0" u="none" strike="noStrike">
+              <a:rPr lang="en-US" sz="4320" dirty="0">
                 <a:solidFill>
                   <a:srgbClr val="000000"/>
                 </a:solidFill>
-                <a:latin typeface="arial" charset="0"/>
-                <a:ea typeface="+mn-ea"/>
-                <a:cs typeface="+mn-cs"/>
               </a:rPr>
               <a:t> the Well</a:t>
             </a:r>
             <a:r>
-              <a:rPr lang="en-CA" sz="1600" b="0" i="0" u="none" strike="noStrike">
+              <a:rPr lang="en-CA" sz="4320" dirty="0">
                 <a:solidFill>
                   <a:srgbClr val="000000"/>
                 </a:solidFill>
-                <a:latin typeface="arial" charset="0"/>
-                <a:ea typeface="+mn-ea"/>
-                <a:cs typeface="+mn-cs"/>
               </a:rPr>
               <a:t>-P</a:t>
             </a:r>
             <a:r>
-              <a:rPr lang="en-US" sz="1600" b="0" i="0" u="none" strike="noStrike">
+              <a:rPr lang="en-US" sz="4320" dirty="0">
                 <a:solidFill>
                   <a:srgbClr val="000000"/>
                 </a:solidFill>
-                <a:latin typeface="arial" charset="0"/>
-                <a:ea typeface="+mn-ea"/>
-                <a:cs typeface="+mn-cs"/>
               </a:rPr>
               <a:t>hone into a usable tool for</a:t>
             </a:r>
             <a:r>
-              <a:rPr lang="en-CA" sz="1600" b="0" i="0" u="none" strike="noStrike">
+              <a:rPr lang="en-CA" sz="4320" dirty="0">
                 <a:solidFill>
                   <a:srgbClr val="000000"/>
                 </a:solidFill>
-                <a:latin typeface="arial" charset="0"/>
-                <a:ea typeface="+mn-ea"/>
-                <a:cs typeface="+mn-cs"/>
               </a:rPr>
               <a:t> </a:t>
             </a:r>
             <a:r>
-              <a:rPr lang="en-US" sz="1600" b="0" i="0" u="none" strike="noStrike">
+              <a:rPr lang="en-US" sz="4320" dirty="0">
                 <a:solidFill>
                   <a:srgbClr val="000000"/>
                 </a:solidFill>
-                <a:latin typeface="arial" charset="0"/>
-                <a:ea typeface="+mn-ea"/>
-                <a:cs typeface="+mn-cs"/>
               </a:rPr>
               <a:t>children</a:t>
             </a:r>
             <a:r>
-              <a:rPr lang="en-CA" sz="1600" b="0" i="0" u="none" strike="noStrike">
+              <a:rPr lang="en-CA" sz="4320" dirty="0">
                 <a:solidFill>
                   <a:srgbClr val="000000"/>
                 </a:solidFill>
-                <a:latin typeface="arial" charset="0"/>
-                <a:ea typeface="+mn-ea"/>
-                <a:cs typeface="+mn-cs"/>
               </a:rPr>
               <a:t> by:</a:t>
             </a:r>
           </a:p>
           <a:p>
-            <a:pPr marL="0" marR="0" indent="0" algn="l">
-              <a:lnSpc>
-                <a:spcPct val="100000"/>
-              </a:lnSpc>
-              <a:spcBef>
-                <a:spcPts val="0"/>
-              </a:spcBef>
-              <a:spcAft>
-                <a:spcPts val="0"/>
-              </a:spcAft>
-            </a:pPr>
-            <a:r>
-              <a:rPr lang="en-CA" sz="1600" b="0" i="0" u="none" strike="noStrike">
+            <a:r>
+              <a:rPr lang="en-CA" sz="4320" dirty="0">
                 <a:solidFill>
                   <a:srgbClr val="000000"/>
                 </a:solidFill>
-                <a:latin typeface="arial" charset="0"/>
-                <a:ea typeface="+mn-ea"/>
-                <a:cs typeface="+mn-cs"/>
               </a:rPr>
               <a:t>- C</a:t>
             </a:r>
             <a:r>
-              <a:rPr lang="en-US" sz="1600" b="0" i="0" u="none" strike="noStrike">
+              <a:rPr lang="en-US" sz="4320" dirty="0" err="1">
                 <a:solidFill>
                   <a:srgbClr val="000000"/>
                 </a:solidFill>
-                <a:latin typeface="arial" charset="0"/>
-                <a:ea typeface="+mn-ea"/>
-                <a:cs typeface="+mn-cs"/>
               </a:rPr>
-              <a:t>reating app that controls Well</a:t>
-            </a:r>
-            <a:r>
-              <a:rPr lang="en-CA" sz="1600" b="0" i="0" u="none" strike="noStrike">
+              <a:t>reating</a:t>
+            </a:r>
+            <a:r>
+              <a:rPr lang="en-US" sz="4320" dirty="0">
                 <a:solidFill>
                   <a:srgbClr val="000000"/>
                 </a:solidFill>
-                <a:latin typeface="arial" charset="0"/>
-                <a:ea typeface="+mn-ea"/>
-                <a:cs typeface="+mn-cs"/>
               </a:rPr>
-              <a:t>-P</a:t>
-            </a:r>
-            <a:r>
-              <a:rPr lang="en-US" sz="1600" b="0" i="0" u="none" strike="noStrike">
+              <a:t> app that controls Well</a:t>
+            </a:r>
+            <a:r>
+              <a:rPr lang="en-CA" sz="4320" dirty="0">
                 <a:solidFill>
                   <a:srgbClr val="000000"/>
                 </a:solidFill>
-                <a:latin typeface="arial" charset="0"/>
-                <a:ea typeface="+mn-ea"/>
-                <a:cs typeface="+mn-cs"/>
               </a:rPr>
-              <a:t>hone Lock</a:t>
-            </a:r>
-            <a:r>
-              <a:rPr lang="en-CA" sz="1600" b="0" i="0" u="none" strike="noStrike">
+              <a:t>-P</a:t>
+            </a:r>
+            <a:r>
+              <a:rPr lang="en-US" sz="4320" dirty="0">
                 <a:solidFill>
                   <a:srgbClr val="000000"/>
                 </a:solidFill>
-                <a:latin typeface="arial" charset="0"/>
-                <a:ea typeface="+mn-ea"/>
-                <a:cs typeface="+mn-cs"/>
               </a:rPr>
-              <a:t>b</a:t>
-            </a:r>
-            <a:r>
-              <a:rPr lang="en-US" sz="1600" b="0" i="0" u="none" strike="noStrike">
+              <a:t>hone Lock</a:t>
+            </a:r>
+            <a:r>
+              <a:rPr lang="en-CA" sz="4320" dirty="0">
                 <a:solidFill>
                   <a:srgbClr val="000000"/>
                 </a:solidFill>
-                <a:latin typeface="arial" charset="0"/>
-                <a:ea typeface="+mn-ea"/>
-                <a:cs typeface="+mn-cs"/>
+              </a:rPr>
+              <a:t>b</a:t>
+            </a:r>
+            <a:r>
+              <a:rPr lang="en-US" sz="4320" dirty="0">
+                <a:solidFill>
+                  <a:srgbClr val="000000"/>
+                </a:solidFill>
               </a:rPr>
               <a:t>ox.</a:t>
             </a:r>
-            <a:endParaRPr lang="en-US" sz="1600" b="0" i="0" u="none" strike="noStrike">
+          </a:p>
+          <a:p>
+            <a:r>
+              <a:rPr lang="en-CA" sz="4320" dirty="0">
+                <a:solidFill>
+                  <a:srgbClr val="000000"/>
+                </a:solidFill>
+              </a:rPr>
+              <a:t>- List </a:t>
+            </a:r>
+            <a:r>
+              <a:rPr lang="en-US" sz="4320" dirty="0">
+                <a:solidFill>
+                  <a:srgbClr val="000000"/>
+                </a:solidFill>
+              </a:rPr>
+              <a:t>activities</a:t>
+            </a:r>
+            <a:r>
+              <a:rPr lang="en-CA" sz="4320" dirty="0">
+                <a:solidFill>
+                  <a:srgbClr val="000000"/>
+                </a:solidFill>
+              </a:rPr>
+              <a:t>/goals</a:t>
+            </a:r>
+            <a:r>
+              <a:rPr lang="en-US" sz="4320" dirty="0">
+                <a:solidFill>
+                  <a:srgbClr val="000000"/>
+                </a:solidFill>
+              </a:rPr>
+              <a:t> to set </a:t>
+            </a:r>
+            <a:r>
+              <a:rPr lang="en-CA" sz="4320" dirty="0">
+                <a:solidFill>
+                  <a:srgbClr val="000000"/>
+                </a:solidFill>
+              </a:rPr>
+              <a:t>on app</a:t>
+            </a:r>
+            <a:endParaRPr lang="en-US" sz="4320" dirty="0">
               <a:solidFill>
                 <a:srgbClr val="000000"/>
               </a:solidFill>
-              <a:latin typeface="Segoe UI" charset="0"/>
-              <a:ea typeface="+mn-ea"/>
-              <a:cs typeface="+mn-cs"/>
             </a:endParaRPr>
           </a:p>
           <a:p>
-            <a:pPr marL="-228600" marR="0" indent="0" algn="l">
-              <a:lnSpc>
-                <a:spcPct val="100000"/>
-              </a:lnSpc>
-              <a:spcBef>
-                <a:spcPts val="0"/>
-              </a:spcBef>
-              <a:spcAft>
-                <a:spcPts val="0"/>
-              </a:spcAft>
-              <a:buNone/>
-            </a:pPr>
-            <a:r>
-              <a:rPr lang="en-CA" sz="1600" b="0" i="0" u="none" strike="noStrike">
+            <a:r>
+              <a:rPr lang="en-CA" sz="4320" dirty="0">
                 <a:solidFill>
                   <a:srgbClr val="000000"/>
                 </a:solidFill>
-                <a:latin typeface="arial" charset="0"/>
-                <a:ea typeface="+mn-ea"/>
-                <a:cs typeface="+mn-cs"/>
               </a:rPr>
-              <a:t>- L</a:t>
-            </a:r>
-            <a:r>
-              <a:rPr lang="en-US" sz="1600" b="0" i="0" u="none" strike="noStrike">
+              <a:t>- Make </a:t>
+            </a:r>
+            <a:r>
+              <a:rPr lang="en-US" sz="4320" dirty="0">
                 <a:solidFill>
                   <a:srgbClr val="000000"/>
                 </a:solidFill>
-                <a:latin typeface="arial" charset="0"/>
-                <a:ea typeface="+mn-ea"/>
-                <a:cs typeface="+mn-cs"/>
               </a:rPr>
-              <a:t>ist activities</a:t>
-            </a:r>
-            <a:r>
-              <a:rPr lang="en-CA" sz="1600" b="0" i="0" u="none" strike="noStrike">
+              <a:t>rewards list that </a:t>
+            </a:r>
+            <a:r>
+              <a:rPr lang="en-CA" sz="4320" dirty="0">
                 <a:solidFill>
                   <a:srgbClr val="000000"/>
                 </a:solidFill>
-                <a:latin typeface="arial" charset="0"/>
-                <a:ea typeface="+mn-ea"/>
-                <a:cs typeface="+mn-cs"/>
               </a:rPr>
-              <a:t>/goals</a:t>
-            </a:r>
-            <a:r>
-              <a:rPr lang="en-US" sz="1600" b="0" i="0" u="none" strike="noStrike">
+              <a:t>displays</a:t>
+            </a:r>
+            <a:r>
+              <a:rPr lang="en-US" sz="4320" dirty="0">
                 <a:solidFill>
                   <a:srgbClr val="000000"/>
                 </a:solidFill>
-                <a:latin typeface="arial" charset="0"/>
-                <a:ea typeface="+mn-ea"/>
-                <a:cs typeface="+mn-cs"/>
-              </a:rPr>
-              <a:t> to set </a:t>
-            </a:r>
-            <a:r>
-              <a:rPr lang="en-CA" sz="1600" b="0" i="0" u="none" strike="noStrike">
-                <a:solidFill>
-                  <a:srgbClr val="000000"/>
-                </a:solidFill>
-                <a:latin typeface="arial" charset="0"/>
-                <a:ea typeface="+mn-ea"/>
-                <a:cs typeface="+mn-cs"/>
-              </a:rPr>
-              <a:t>on app</a:t>
-            </a:r>
-            <a:endParaRPr lang="en-US" sz="1600" b="0" i="0" u="none" strike="noStrike">
-              <a:solidFill>
-                <a:srgbClr val="000000"/>
-              </a:solidFill>
-              <a:latin typeface="Segoe UI" charset="0"/>
-              <a:ea typeface="+mn-ea"/>
-              <a:cs typeface="+mn-cs"/>
-            </a:endParaRPr>
-          </a:p>
-          <a:p>
-            <a:pPr marL="-228600" marR="0" indent="0" algn="l">
-              <a:lnSpc>
-                <a:spcPct val="100000"/>
-              </a:lnSpc>
-              <a:spcBef>
-                <a:spcPts val="0"/>
-              </a:spcBef>
-              <a:spcAft>
-                <a:spcPts val="0"/>
-              </a:spcAft>
-              <a:buNone/>
-            </a:pPr>
-            <a:r>
-              <a:rPr lang="en-CA" sz="1600" b="0" i="0" u="none" strike="noStrike">
-                <a:solidFill>
-                  <a:srgbClr val="000000"/>
-                </a:solidFill>
-                <a:latin typeface="arial" charset="0"/>
-                <a:ea typeface="+mn-ea"/>
-                <a:cs typeface="+mn-cs"/>
-              </a:rPr>
-              <a:t>- Make r</a:t>
-            </a:r>
-            <a:r>
-              <a:rPr lang="en-US" sz="1600" b="0" i="0" u="none" strike="noStrike">
-                <a:solidFill>
-                  <a:srgbClr val="000000"/>
-                </a:solidFill>
-                <a:latin typeface="arial" charset="0"/>
-                <a:ea typeface="+mn-ea"/>
-                <a:cs typeface="+mn-cs"/>
-              </a:rPr>
-              <a:t>ewards list that </a:t>
-            </a:r>
-            <a:r>
-              <a:rPr lang="en-CA" sz="1600" b="0" i="0" u="none" strike="noStrike">
-                <a:solidFill>
-                  <a:srgbClr val="000000"/>
-                </a:solidFill>
-                <a:latin typeface="arial" charset="0"/>
-                <a:ea typeface="+mn-ea"/>
-                <a:cs typeface="+mn-cs"/>
-              </a:rPr>
-              <a:t>displays</a:t>
-            </a:r>
-            <a:r>
-              <a:rPr lang="en-US" sz="1600" b="0" i="0" u="none" strike="noStrike">
-                <a:solidFill>
-                  <a:srgbClr val="000000"/>
-                </a:solidFill>
-                <a:latin typeface="arial" charset="0"/>
-                <a:ea typeface="+mn-ea"/>
-                <a:cs typeface="+mn-cs"/>
               </a:rPr>
               <a:t> current streak and points to claim  reward. </a:t>
             </a:r>
-            <a:endParaRPr lang="en-CA" sz="1600" b="1" dirty="0"/>
+            <a:endParaRPr lang="en-CA" sz="4320" b="1" dirty="0"/>
           </a:p>
         </p:txBody>
       </p:sp>
@@ -4105,8 +4144,8 @@
         </p:nvSpPr>
         <p:spPr>
           <a:xfrm>
-            <a:off x="8384203" y="1207784"/>
-            <a:ext cx="3488267" cy="1829726"/>
+            <a:off x="23059178" y="3223828"/>
+            <a:ext cx="9382221" cy="4912114"/>
           </a:xfrm>
           <a:prstGeom prst="rect">
             <a:avLst/>
@@ -4125,44 +4164,68 @@
           <a:lstStyle/>
           <a:p>
             <a:r>
-              <a:rPr lang="en-CA" b="1" dirty="0"/>
+              <a:rPr lang="en-CA" sz="5400" b="1" dirty="0"/>
               <a:t>Benefits</a:t>
             </a:r>
           </a:p>
           <a:p>
-            <a:r>
-              <a:rPr lang="en-CA" sz="1600" b="0" dirty="0"/>
-              <a:t>- Delayed gratification</a:t>
-            </a:r>
-          </a:p>
-          <a:p>
-            <a:r>
-              <a:rPr lang="en-CA" sz="1600" b="0" dirty="0"/>
-              <a:t>- Develop positive behaviors</a:t>
-            </a:r>
-          </a:p>
-          <a:p>
-            <a:r>
-              <a:rPr lang="en-CA" sz="1600" b="0" dirty="0"/>
-              <a:t>-  Builds healthy habits into adulthood</a:t>
-            </a:r>
-          </a:p>
-          <a:p>
-            <a:r>
-              <a:rPr lang="en-CA" sz="1600" b="0" dirty="0"/>
-              <a:t>-  Recognize feelings</a:t>
-            </a:r>
-          </a:p>
-          <a:p>
-            <a:r>
-              <a:rPr lang="en-CA" sz="1600" b="0" dirty="0"/>
-              <a:t>- Improves physical health</a:t>
-            </a:r>
-          </a:p>
-          <a:p>
-            <a:r>
-              <a:rPr lang="en-CA" sz="1600" b="0" dirty="0"/>
-              <a:t>- Better sleep quality</a:t>
+            <a:pPr marL="771525" indent="-771525">
+              <a:buFont typeface="Arial" panose="020B0604020202020204" pitchFamily="34" charset="0"/>
+              <a:buChar char="•"/>
+            </a:pPr>
+            <a:r>
+              <a:rPr lang="en-CA" sz="4320" dirty="0"/>
+              <a:t>Delayed Gratification</a:t>
+            </a:r>
+          </a:p>
+          <a:p>
+            <a:pPr marL="771525" indent="-771525">
+              <a:buFont typeface="Arial" panose="020B0604020202020204" pitchFamily="34" charset="0"/>
+              <a:buChar char="•"/>
+            </a:pPr>
+            <a:r>
+              <a:rPr lang="en-CA" sz="4320" dirty="0"/>
+              <a:t>Develop Positive Behaviors</a:t>
+            </a:r>
+          </a:p>
+          <a:p>
+            <a:pPr marL="771525" indent="-771525">
+              <a:buFont typeface="Arial" panose="020B0604020202020204" pitchFamily="34" charset="0"/>
+              <a:buChar char="•"/>
+            </a:pPr>
+            <a:r>
+              <a:rPr lang="en-CA" sz="4320" dirty="0"/>
+              <a:t>Builds Healthy Habits into Adulthood</a:t>
+            </a:r>
+          </a:p>
+          <a:p>
+            <a:pPr marL="771525" indent="-771525">
+              <a:buFont typeface="Arial" panose="020B0604020202020204" pitchFamily="34" charset="0"/>
+              <a:buChar char="•"/>
+            </a:pPr>
+            <a:r>
+              <a:rPr lang="en-CA" sz="4320" dirty="0"/>
+              <a:t>Recognize Feelings</a:t>
+            </a:r>
+          </a:p>
+          <a:p>
+            <a:pPr marL="771525" indent="-771525">
+              <a:buFont typeface="Arial" panose="020B0604020202020204" pitchFamily="34" charset="0"/>
+              <a:buChar char="•"/>
+            </a:pPr>
+            <a:r>
+              <a:rPr lang="en-CA" sz="4320" dirty="0"/>
+              <a:t>Improves Physical Health</a:t>
+            </a:r>
+          </a:p>
+          <a:p>
+            <a:pPr marL="771525" indent="-771525">
+              <a:buFont typeface="Arial" panose="020B0604020202020204" pitchFamily="34" charset="0"/>
+              <a:buChar char="•"/>
+            </a:pPr>
+            <a:r>
+              <a:rPr lang="en-CA" sz="4320" dirty="0"/>
+              <a:t>Better Sleep Quality</a:t>
             </a:r>
           </a:p>
         </p:txBody>
@@ -4175,17 +4238,15 @@
         </p:nvSpPr>
         <p:spPr>
           <a:xfrm>
-            <a:off x="8384203" y="5817822"/>
-            <a:ext cx="3488267" cy="400110"/>
+            <a:off x="25705826" y="21286582"/>
+            <a:ext cx="7585307" cy="590931"/>
           </a:xfrm>
           <a:prstGeom prst="rect">
             <a:avLst/>
           </a:prstGeom>
           <a:noFill/>
           <a:ln>
-            <a:solidFill>
-              <a:schemeClr val="tx1"/>
-            </a:solidFill>
+            <a:noFill/>
           </a:ln>
         </p:spPr>
         <p:txBody>
@@ -4195,8 +4256,20 @@
           <a:lstStyle/>
           <a:p>
             <a:r>
-              <a:rPr lang="en-US" sz="2000" b="1" dirty="0"/>
-              <a:t>References</a:t>
+              <a:rPr lang="en-CA" sz="1620" i="1" dirty="0"/>
+              <a:t>Visual identity</a:t>
+            </a:r>
+            <a:r>
+              <a:rPr lang="en-CA" sz="1620" dirty="0"/>
+              <a:t>. University of Regina. (n.d.). Retrieved March 20, 2023, from https://</a:t>
+            </a:r>
+            <a:r>
+              <a:rPr lang="en-CA" sz="1620" dirty="0" err="1"/>
+              <a:t>www.uregina.ca</a:t>
+            </a:r>
+            <a:r>
+              <a:rPr lang="en-CA" sz="1620" dirty="0"/>
+              <a:t>/communications-marketing/visual-identity.html#fact_15_5 </a:t>
             </a:r>
           </a:p>
         </p:txBody>
@@ -4209,8 +4282,8 @@
         </p:nvSpPr>
         <p:spPr>
           <a:xfrm flipV="1">
-            <a:off x="4285285" y="713651"/>
-            <a:ext cx="3554848" cy="53552"/>
+            <a:off x="11570269" y="3641358"/>
+            <a:ext cx="9598090" cy="144590"/>
           </a:xfrm>
           <a:prstGeom prst="rect">
             <a:avLst/>
@@ -4243,7 +4316,7 @@
           <a:lstStyle/>
           <a:p>
             <a:pPr algn="ctr"/>
-            <a:endParaRPr lang="en-US" sz="1350"/>
+            <a:endParaRPr lang="en-US" sz="3645"/>
           </a:p>
         </p:txBody>
       </p:sp>
@@ -4255,15 +4328,15 @@
         </p:nvSpPr>
         <p:spPr>
           <a:xfrm>
-            <a:off x="4972016" y="820755"/>
-            <a:ext cx="2181388" cy="387029"/>
+            <a:off x="13424443" y="3930545"/>
+            <a:ext cx="5889748" cy="1044978"/>
           </a:xfrm>
           <a:prstGeom prst="rect">
             <a:avLst/>
           </a:prstGeom>
         </p:spPr>
         <p:txBody>
-          <a:bodyPr vert="horz" lIns="91440" tIns="45720" rIns="91440" bIns="45720" rtlCol="0">
+          <a:bodyPr vert="horz" lIns="246888" tIns="123444" rIns="246888" bIns="123444" rtlCol="0">
             <a:normAutofit/>
           </a:bodyPr>
           <a:lstStyle>
@@ -4274,7 +4347,7 @@
               <a:spcBef>
                 <a:spcPts val="1000"/>
               </a:spcBef>
-              <a:buFont typeface="Arial" pitchFamily="34" charset="0" panose="020B0604020202020204"/>
+              <a:buFont typeface="Arial" panose="020B0604020202020204" pitchFamily="34" charset="0"/>
               <a:buNone/>
               <a:defRPr sz="2400" kern="1200">
                 <a:solidFill>
@@ -4292,7 +4365,7 @@
               <a:spcBef>
                 <a:spcPts val="500"/>
               </a:spcBef>
-              <a:buFont typeface="Arial" pitchFamily="34" charset="0" panose="020B0604020202020204"/>
+              <a:buFont typeface="Arial" panose="020B0604020202020204" pitchFamily="34" charset="0"/>
               <a:buNone/>
               <a:defRPr sz="2000" kern="1200">
                 <a:solidFill>
@@ -4310,7 +4383,7 @@
               <a:spcBef>
                 <a:spcPts val="500"/>
               </a:spcBef>
-              <a:buFont typeface="Arial" pitchFamily="34" charset="0" panose="020B0604020202020204"/>
+              <a:buFont typeface="Arial" panose="020B0604020202020204" pitchFamily="34" charset="0"/>
               <a:buNone/>
               <a:defRPr sz="1800" kern="1200">
                 <a:solidFill>
@@ -4328,7 +4401,7 @@
               <a:spcBef>
                 <a:spcPts val="500"/>
               </a:spcBef>
-              <a:buFont typeface="Arial" pitchFamily="34" charset="0" panose="020B0604020202020204"/>
+              <a:buFont typeface="Arial" panose="020B0604020202020204" pitchFamily="34" charset="0"/>
               <a:buNone/>
               <a:defRPr sz="1600" kern="1200">
                 <a:solidFill>
@@ -4346,7 +4419,7 @@
               <a:spcBef>
                 <a:spcPts val="500"/>
               </a:spcBef>
-              <a:buFont typeface="Arial" pitchFamily="34" charset="0" panose="020B0604020202020204"/>
+              <a:buFont typeface="Arial" panose="020B0604020202020204" pitchFamily="34" charset="0"/>
               <a:buNone/>
               <a:defRPr sz="1600" kern="1200">
                 <a:solidFill>
@@ -4364,7 +4437,7 @@
               <a:spcBef>
                 <a:spcPts val="500"/>
               </a:spcBef>
-              <a:buFont typeface="Arial" pitchFamily="34" charset="0" panose="020B0604020202020204"/>
+              <a:buFont typeface="Arial" panose="020B0604020202020204" pitchFamily="34" charset="0"/>
               <a:buNone/>
               <a:defRPr sz="1600" kern="1200">
                 <a:solidFill>
@@ -4382,7 +4455,7 @@
               <a:spcBef>
                 <a:spcPts val="500"/>
               </a:spcBef>
-              <a:buFont typeface="Arial" pitchFamily="34" charset="0" panose="020B0604020202020204"/>
+              <a:buFont typeface="Arial" panose="020B0604020202020204" pitchFamily="34" charset="0"/>
               <a:buNone/>
               <a:defRPr sz="1600" kern="1200">
                 <a:solidFill>
@@ -4400,7 +4473,7 @@
               <a:spcBef>
                 <a:spcPts val="500"/>
               </a:spcBef>
-              <a:buFont typeface="Arial" pitchFamily="34" charset="0" panose="020B0604020202020204"/>
+              <a:buFont typeface="Arial" panose="020B0604020202020204" pitchFamily="34" charset="0"/>
               <a:buNone/>
               <a:defRPr sz="1600" kern="1200">
                 <a:solidFill>
@@ -4418,7 +4491,7 @@
               <a:spcBef>
                 <a:spcPts val="500"/>
               </a:spcBef>
-              <a:buFont typeface="Arial" pitchFamily="34" charset="0" panose="020B0604020202020204"/>
+              <a:buFont typeface="Arial" panose="020B0604020202020204" pitchFamily="34" charset="0"/>
               <a:buNone/>
               <a:defRPr sz="1600" kern="1200">
                 <a:solidFill>
@@ -4432,10 +4505,217 @@
           </a:lstStyle>
           <a:p>
             <a:r>
-              <a:rPr lang="en-CA" sz="1800" dirty="0"/>
+              <a:rPr lang="en-CA" sz="4860" dirty="0"/>
               <a:t>Smartphone Lockbox</a:t>
             </a:r>
-            <a:endParaRPr lang="en-US" sz="1800" dirty="0"/>
+            <a:endParaRPr lang="en-US" sz="4860" dirty="0"/>
+          </a:p>
+        </p:txBody>
+      </p:sp>
+      <p:pic>
+        <p:nvPicPr>
+          <p:cNvPr id="4" name="Picture 3">
+            <a:extLst>
+              <a:ext uri="{FF2B5EF4-FFF2-40B4-BE49-F238E27FC236}">
+                <a16:creationId xmlns:a16="http://schemas.microsoft.com/office/drawing/2014/main" id="{A49D44F6-4E72-D949-B21D-19BF801F6BD0}"/>
+              </a:ext>
+            </a:extLst>
+          </p:cNvPr>
+          <p:cNvPicPr>
+            <a:picLocks noChangeAspect="1"/>
+          </p:cNvPicPr>
+          <p:nvPr/>
+        </p:nvPicPr>
+        <p:blipFill>
+          <a:blip r:embed="rId5">
+            <a:extLst>
+              <a:ext uri="{BEBA8EAE-BF5A-486C-A8C5-ECC9F3942E4B}">
+                <a14:imgProps xmlns:a14="http://schemas.microsoft.com/office/drawing/2010/main">
+                  <a14:imgLayer r:embed="rId6">
+                    <a14:imgEffect>
+                      <a14:backgroundRemoval t="1124" b="95787" l="2241" r="97759">
+                        <a14:foregroundMark x1="31933" y1="5899" x2="21289" y2="32865"/>
+                        <a14:foregroundMark x1="21289" y1="32865" x2="28852" y2="73596"/>
+                        <a14:foregroundMark x1="28852" y1="73596" x2="71709" y2="74157"/>
+                        <a14:foregroundMark x1="71709" y1="74157" x2="87115" y2="36798"/>
+                        <a14:foregroundMark x1="87115" y1="36798" x2="68067" y2="13764"/>
+                        <a14:foregroundMark x1="68067" y1="13764" x2="26611" y2="16292"/>
+                        <a14:foregroundMark x1="26611" y1="16292" x2="15966" y2="42416"/>
+                        <a14:foregroundMark x1="15966" y1="42416" x2="32493" y2="66292"/>
+                        <a14:foregroundMark x1="32493" y1="66292" x2="62185" y2="62921"/>
+                        <a14:foregroundMark x1="62185" y1="62921" x2="61345" y2="29494"/>
+                        <a14:foregroundMark x1="61345" y1="29494" x2="40896" y2="55337"/>
+                        <a14:foregroundMark x1="40896" y1="55337" x2="61064" y2="32022"/>
+                        <a14:foregroundMark x1="61064" y1="32022" x2="46779" y2="39045"/>
+                        <a14:foregroundMark x1="77871" y1="12921" x2="18768" y2="8427"/>
+                        <a14:foregroundMark x1="18768" y1="8427" x2="13725" y2="14607"/>
+                        <a14:foregroundMark x1="15686" y1="9831" x2="2241" y2="33708"/>
+                        <a14:foregroundMark x1="2241" y1="33708" x2="7003" y2="89326"/>
+                        <a14:foregroundMark x1="7003" y1="89326" x2="40056" y2="95787"/>
+                        <a14:foregroundMark x1="40056" y1="95787" x2="47899" y2="93258"/>
+                        <a14:foregroundMark x1="39496" y1="83146" x2="33333" y2="81180"/>
+                        <a14:foregroundMark x1="31373" y1="80899" x2="17367" y2="78652"/>
+                        <a14:foregroundMark x1="15406" y1="74157" x2="10644" y2="28090"/>
+                        <a14:foregroundMark x1="10084" y1="23596" x2="5322" y2="76404"/>
+                        <a14:foregroundMark x1="11204" y1="65449" x2="41457" y2="39607"/>
+                        <a14:foregroundMark x1="41457" y1="39607" x2="41737" y2="39607"/>
+                        <a14:foregroundMark x1="82073" y1="39045" x2="69188" y2="64045"/>
+                        <a14:foregroundMark x1="69188" y1="64045" x2="67787" y2="63483"/>
+                        <a14:foregroundMark x1="73109" y1="42416" x2="62745" y2="55618"/>
+                        <a14:foregroundMark x1="65826" y1="52809" x2="48459" y2="31742"/>
+                        <a14:foregroundMark x1="48459" y1="31742" x2="36415" y2="30899"/>
+                        <a14:foregroundMark x1="64146" y1="25000" x2="77311" y2="31180"/>
+                        <a14:foregroundMark x1="76751" y1="25281" x2="63305" y2="5337"/>
+                        <a14:foregroundMark x1="54622" y1="4775" x2="33894" y2="7865"/>
+                        <a14:foregroundMark x1="52941" y1="1966" x2="81793" y2="7584"/>
+                        <a14:foregroundMark x1="81793" y1="7584" x2="82633" y2="8427"/>
+                        <a14:foregroundMark x1="82633" y1="8146" x2="90756" y2="32865"/>
+                        <a14:foregroundMark x1="90476" y1="34831" x2="92997" y2="55618"/>
+                        <a14:foregroundMark x1="90196" y1="67135" x2="76471" y2="87921"/>
+                        <a14:foregroundMark x1="68067" y1="88483" x2="53501" y2="87921"/>
+                        <a14:foregroundMark x1="55182" y1="82303" x2="58263" y2="94663"/>
+                        <a14:foregroundMark x1="48179" y1="95506" x2="86555" y2="91292"/>
+                        <a14:foregroundMark x1="86275" y1="90449" x2="91317" y2="68539"/>
+                        <a14:foregroundMark x1="91877" y1="66011" x2="91877" y2="45506"/>
+                        <a14:foregroundMark x1="92157" y1="37640" x2="94398" y2="80337"/>
+                        <a14:foregroundMark x1="69748" y1="67697" x2="68067" y2="65169"/>
+                        <a14:foregroundMark x1="81513" y1="60112" x2="83473" y2="61517"/>
+                        <a14:foregroundMark x1="86275" y1="58708" x2="64986" y2="62640"/>
+                        <a14:foregroundMark x1="3081" y1="71910" x2="2801" y2="23596"/>
+                        <a14:foregroundMark x1="95518" y1="20787" x2="93838" y2="78652"/>
+                        <a14:foregroundMark x1="93838" y1="78652" x2="95518" y2="75562"/>
+                        <a14:foregroundMark x1="94118" y1="71629" x2="97759" y2="41854"/>
+                        <a14:foregroundMark x1="40056" y1="62640" x2="40056" y2="62640"/>
+                        <a14:backgroundMark x1="4482" y1="4213" x2="9244" y2="2528"/>
+                        <a14:backgroundMark x1="7843" y1="2809" x2="840" y2="8146"/>
+                        <a14:backgroundMark x1="94118" y1="3652" x2="98880" y2="6461"/>
+                      </a14:backgroundRemoval>
+                    </a14:imgEffect>
+                  </a14:imgLayer>
+                </a14:imgProps>
+              </a:ext>
+            </a:extLst>
+          </a:blip>
+          <a:stretch>
+            <a:fillRect/>
+          </a:stretch>
+        </p:blipFill>
+        <p:spPr>
+          <a:xfrm>
+            <a:off x="8479547" y="17422546"/>
+            <a:ext cx="1245286" cy="1241800"/>
+          </a:xfrm>
+          <a:prstGeom prst="rect">
+            <a:avLst/>
+          </a:prstGeom>
+        </p:spPr>
+      </p:pic>
+      <p:pic>
+        <p:nvPicPr>
+          <p:cNvPr id="1028" name="Picture 4" descr="Chart: America's Favorite Bedside Companion? | Statista">
+            <a:extLst>
+              <a:ext uri="{FF2B5EF4-FFF2-40B4-BE49-F238E27FC236}">
+                <a16:creationId xmlns:a16="http://schemas.microsoft.com/office/drawing/2014/main" id="{77CE4AC7-BE1F-47FA-A884-E476C4AB971F}"/>
+              </a:ext>
+            </a:extLst>
+          </p:cNvPr>
+          <p:cNvPicPr>
+            <a:picLocks noChangeAspect="1" noChangeArrowheads="1"/>
+          </p:cNvPicPr>
+          <p:nvPr/>
+        </p:nvPicPr>
+        <p:blipFill rotWithShape="1">
+          <a:blip r:embed="rId7">
+            <a:extLst>
+              <a:ext uri="{28A0092B-C50C-407E-A947-70E740481C1C}">
+                <a14:useLocalDpi xmlns:a14="http://schemas.microsoft.com/office/drawing/2010/main" val="0"/>
+              </a:ext>
+            </a:extLst>
+          </a:blip>
+          <a:srcRect t="9083" b="15557"/>
+          <a:stretch/>
+        </p:blipFill>
+        <p:spPr bwMode="auto">
+          <a:xfrm>
+            <a:off x="10749396" y="11006702"/>
+            <a:ext cx="11239834" cy="6035308"/>
+          </a:xfrm>
+          <a:prstGeom prst="rect">
+            <a:avLst/>
+          </a:prstGeom>
+          <a:noFill/>
+          <a:extLst>
+            <a:ext uri="{909E8E84-426E-40DD-AFC4-6F175D3DCCD1}">
+              <a14:hiddenFill xmlns:a14="http://schemas.microsoft.com/office/drawing/2010/main">
+                <a:solidFill>
+                  <a:srgbClr val="FFFFFF"/>
+                </a:solidFill>
+              </a14:hiddenFill>
+            </a:ext>
+          </a:extLst>
+        </p:spPr>
+      </p:pic>
+      <p:sp>
+        <p:nvSpPr>
+          <p:cNvPr id="14" name="TextBox 13">
+            <a:extLst>
+              <a:ext uri="{FF2B5EF4-FFF2-40B4-BE49-F238E27FC236}">
+                <a16:creationId xmlns:a16="http://schemas.microsoft.com/office/drawing/2014/main" id="{7E316BAB-A99B-D934-CC1A-CAAD99431385}"/>
+              </a:ext>
+            </a:extLst>
+          </p:cNvPr>
+          <p:cNvSpPr txBox="1"/>
+          <p:nvPr/>
+        </p:nvSpPr>
+        <p:spPr>
+          <a:xfrm>
+            <a:off x="627426" y="21360825"/>
+            <a:ext cx="7585307" cy="584775"/>
+          </a:xfrm>
+          <a:prstGeom prst="rect">
+            <a:avLst/>
+          </a:prstGeom>
+          <a:noFill/>
+          <a:ln>
+            <a:noFill/>
+          </a:ln>
+        </p:spPr>
+        <p:txBody>
+          <a:bodyPr wrap="square" rtlCol="0">
+            <a:spAutoFit/>
+          </a:bodyPr>
+          <a:lstStyle/>
+          <a:p>
+            <a:r>
+              <a:rPr lang="en-CA" sz="1600" dirty="0">
+                <a:effectLst/>
+              </a:rPr>
+              <a:t>UR courses: Log in to the site. (n.d.). Retrieved March 21, 2023, from https://</a:t>
+            </a:r>
+            <a:r>
+              <a:rPr lang="en-CA" sz="1600" dirty="0" err="1">
+                <a:effectLst/>
+              </a:rPr>
+              <a:t>urcourses.uregina.ca</a:t>
+            </a:r>
+            <a:r>
+              <a:rPr lang="en-CA" sz="1600" dirty="0">
+                <a:effectLst/>
+              </a:rPr>
+              <a:t>/mod/page/</a:t>
+            </a:r>
+            <a:r>
+              <a:rPr lang="en-CA" sz="1600" dirty="0" err="1">
+                <a:effectLst/>
+              </a:rPr>
+              <a:t>view.php?id</a:t>
+            </a:r>
+            <a:r>
+              <a:rPr lang="en-CA" sz="1600" dirty="0">
+                <a:effectLst/>
+              </a:rPr>
+              <a:t>=1971431 </a:t>
+            </a:r>
           </a:p>
         </p:txBody>
       </p:sp>
@@ -4450,7 +4730,7 @@
 <file path=ppt/theme/theme1.xml><?xml version="1.0" encoding="utf-8"?>
 <a:theme xmlns:a="http://schemas.openxmlformats.org/drawingml/2006/main" name="Office Theme">
   <a:themeElements>
-    <a:clrScheme name="Office">
+    <a:clrScheme name="Office Theme">
       <a:dk1>
         <a:sysClr val="windowText" lastClr="000000"/>
       </a:dk1>
@@ -4488,7 +4768,7 @@
         <a:srgbClr val="954F72"/>
       </a:folHlink>
     </a:clrScheme>
-    <a:fontScheme name="Office">
+    <a:fontScheme name="Office Theme">
       <a:majorFont>
         <a:latin typeface="Calibri Light" panose="020F0302020204030204"/>
         <a:ea typeface=""/>
@@ -4523,23 +4803,6 @@
         <a:font script="Viet" typeface="Times New Roman"/>
         <a:font script="Uigh" typeface="Microsoft Uighur"/>
         <a:font script="Geor" typeface="Sylfaen"/>
-        <a:font script="Armn" typeface="Arial"/>
-        <a:font script="Bugi" typeface="Leelawadee UI"/>
-        <a:font script="Bopo" typeface="Microsoft JhengHei"/>
-        <a:font script="Java" typeface="Javanese Text"/>
-        <a:font script="Lisu" typeface="Segoe UI"/>
-        <a:font script="Mymr" typeface="Myanmar Text"/>
-        <a:font script="Nkoo" typeface="Ebrima"/>
-        <a:font script="Olck" typeface="Nirmala UI"/>
-        <a:font script="Osma" typeface="Ebrima"/>
-        <a:font script="Phag" typeface="Phagspa"/>
-        <a:font script="Syrn" typeface="Estrangelo Edessa"/>
-        <a:font script="Syrj" typeface="Estrangelo Edessa"/>
-        <a:font script="Syre" typeface="Estrangelo Edessa"/>
-        <a:font script="Sora" typeface="Nirmala UI"/>
-        <a:font script="Tale" typeface="Microsoft Tai Le"/>
-        <a:font script="Talu" typeface="Microsoft New Tai Lue"/>
-        <a:font script="Tfng" typeface="Ebrima"/>
       </a:majorFont>
       <a:minorFont>
         <a:latin typeface="Calibri" panose="020F0502020204030204"/>
@@ -4575,26 +4838,9 @@
         <a:font script="Viet" typeface="Arial"/>
         <a:font script="Uigh" typeface="Microsoft Uighur"/>
         <a:font script="Geor" typeface="Sylfaen"/>
-        <a:font script="Armn" typeface="Arial"/>
-        <a:font script="Bugi" typeface="Leelawadee UI"/>
-        <a:font script="Bopo" typeface="Microsoft JhengHei"/>
-        <a:font script="Java" typeface="Javanese Text"/>
-        <a:font script="Lisu" typeface="Segoe UI"/>
-        <a:font script="Mymr" typeface="Myanmar Text"/>
-        <a:font script="Nkoo" typeface="Ebrima"/>
-        <a:font script="Olck" typeface="Nirmala UI"/>
-        <a:font script="Osma" typeface="Ebrima"/>
-        <a:font script="Phag" typeface="Phagspa"/>
-        <a:font script="Syrn" typeface="Estrangelo Edessa"/>
-        <a:font script="Syrj" typeface="Estrangelo Edessa"/>
-        <a:font script="Syre" typeface="Estrangelo Edessa"/>
-        <a:font script="Sora" typeface="Nirmala UI"/>
-        <a:font script="Tale" typeface="Microsoft Tai Le"/>
-        <a:font script="Talu" typeface="Microsoft New Tai Lue"/>
-        <a:font script="Tfng" typeface="Ebrima"/>
       </a:minorFont>
     </a:fontScheme>
-    <a:fmtScheme name="Office">
+    <a:fmtScheme name="Office Theme">
       <a:fillStyleLst>
         <a:solidFill>
           <a:schemeClr val="phClr"/>
@@ -4736,7 +4982,7 @@
   <a:extraClrSchemeLst/>
   <a:extLst>
     <a:ext uri="{05A4C25C-085E-4340-85A3-A5531E510DB2}">
-      <thm15:themeFamily xmlns:thm15="http://schemas.microsoft.com/office/thememl/2012/main" name="Office Theme" id="{62F939B6-93AF-4DB8-9C6B-D6C7DFDC589F}" vid="{4A3C46E8-61CC-4603-A589-7422A47A8E4A}"/>
+      <thm15:themeFamily xmlns:thm15="http://schemas.microsoft.com/office/thememl/2012/main" name="Office Theme 2013 - 2022" id="{62F939B6-93AF-4DB8-9C6B-D6C7DFDC589F}" vid="{4A3C46E8-61CC-4603-A589-7422A47A8E4A}"/>
     </a:ext>
   </a:extLst>
 </a:theme>
